--- a/docs/VehicleDetails.pptx
+++ b/docs/VehicleDetails.pptx
@@ -1,25 +1,22 @@
 
 <file path=ppt/presentation.xml><?xml version="1.0" encoding="utf-8"?>
-<p:presentation xmlns:a="http://schemas.openxmlformats.org/drawingml/2006/main" xmlns:r="http://schemas.openxmlformats.org/officeDocument/2006/relationships" xmlns:p="http://schemas.openxmlformats.org/presentationml/2006/main">
+<p:presentation xmlns:a="http://schemas.openxmlformats.org/drawingml/2006/main" xmlns:r="http://schemas.openxmlformats.org/officeDocument/2006/relationships" xmlns:p="http://schemas.openxmlformats.org/presentationml/2006/main" xmlns:m="http://schemas.openxmlformats.org/officeDocument/2006/math" xmlns:w="http://schemas.openxmlformats.org/wordprocessingml/2006/main">
   <p:sldMasterIdLst>
     <p:sldMasterId id="2147483648" r:id="rId1"/>
   </p:sldMasterIdLst>
   <p:sldIdLst>
-    <p:sldId id="257" r:id="rId3"/>
-    <p:sldId id="258" r:id="rId4"/>
-    <p:sldId id="259" r:id="rId5"/>
+    <p:sldId id="256" r:id="rId3"/>
+    <p:sldId id="257" r:id="rId4"/>
+    <p:sldId id="258" r:id="rId5"/>
   </p:sldIdLst>
   <p:sldSz cx="12192000" cy="6858000"/>
-  <p:notesSz cx="6858000" cy="9144000"/>
-  <p:custDataLst>
-    <p:tags r:id="rId9"/>
-  </p:custDataLst>
+  <p:notesSz cx="12192000" cy="6858000"/>
   <p:defaultTextStyle>
     <a:defPPr>
       <a:defRPr lang="zh-CN"/>
     </a:defPPr>
-    <a:lvl1pPr marL="0" algn="l" defTabSz="914400" rtl="0" eaLnBrk="1" latinLnBrk="0" hangingPunct="1">
-      <a:defRPr sz="1800" kern="1200">
+    <a:lvl1pPr marL="0" algn="l" defTabSz="914400">
+      <a:defRPr sz="1800">
         <a:solidFill>
           <a:schemeClr val="tx1"/>
         </a:solidFill>
@@ -28,8 +25,8 @@
         <a:cs typeface="+mn-cs"/>
       </a:defRPr>
     </a:lvl1pPr>
-    <a:lvl2pPr marL="457200" algn="l" defTabSz="914400" rtl="0" eaLnBrk="1" latinLnBrk="0" hangingPunct="1">
-      <a:defRPr sz="1800" kern="1200">
+    <a:lvl2pPr marL="457200" algn="l" defTabSz="914400">
+      <a:defRPr sz="1800">
         <a:solidFill>
           <a:schemeClr val="tx1"/>
         </a:solidFill>
@@ -38,8 +35,8 @@
         <a:cs typeface="+mn-cs"/>
       </a:defRPr>
     </a:lvl2pPr>
-    <a:lvl3pPr marL="914400" algn="l" defTabSz="914400" rtl="0" eaLnBrk="1" latinLnBrk="0" hangingPunct="1">
-      <a:defRPr sz="1800" kern="1200">
+    <a:lvl3pPr marL="914400" algn="l" defTabSz="914400">
+      <a:defRPr sz="1800">
         <a:solidFill>
           <a:schemeClr val="tx1"/>
         </a:solidFill>
@@ -48,8 +45,8 @@
         <a:cs typeface="+mn-cs"/>
       </a:defRPr>
     </a:lvl3pPr>
-    <a:lvl4pPr marL="1371600" algn="l" defTabSz="914400" rtl="0" eaLnBrk="1" latinLnBrk="0" hangingPunct="1">
-      <a:defRPr sz="1800" kern="1200">
+    <a:lvl4pPr marL="1371600" algn="l" defTabSz="914400">
+      <a:defRPr sz="1800">
         <a:solidFill>
           <a:schemeClr val="tx1"/>
         </a:solidFill>
@@ -58,8 +55,8 @@
         <a:cs typeface="+mn-cs"/>
       </a:defRPr>
     </a:lvl4pPr>
-    <a:lvl5pPr marL="1828800" algn="l" defTabSz="914400" rtl="0" eaLnBrk="1" latinLnBrk="0" hangingPunct="1">
-      <a:defRPr sz="1800" kern="1200">
+    <a:lvl5pPr marL="1828800" algn="l" defTabSz="914400">
+      <a:defRPr sz="1800">
         <a:solidFill>
           <a:schemeClr val="tx1"/>
         </a:solidFill>
@@ -68,8 +65,8 @@
         <a:cs typeface="+mn-cs"/>
       </a:defRPr>
     </a:lvl5pPr>
-    <a:lvl6pPr marL="2286000" algn="l" defTabSz="914400" rtl="0" eaLnBrk="1" latinLnBrk="0" hangingPunct="1">
-      <a:defRPr sz="1800" kern="1200">
+    <a:lvl6pPr marL="2286000" algn="l" defTabSz="914400">
+      <a:defRPr sz="1800">
         <a:solidFill>
           <a:schemeClr val="tx1"/>
         </a:solidFill>
@@ -78,8 +75,8 @@
         <a:cs typeface="+mn-cs"/>
       </a:defRPr>
     </a:lvl6pPr>
-    <a:lvl7pPr marL="2743200" algn="l" defTabSz="914400" rtl="0" eaLnBrk="1" latinLnBrk="0" hangingPunct="1">
-      <a:defRPr sz="1800" kern="1200">
+    <a:lvl7pPr marL="2743200" algn="l" defTabSz="914400">
+      <a:defRPr sz="1800">
         <a:solidFill>
           <a:schemeClr val="tx1"/>
         </a:solidFill>
@@ -88,8 +85,8 @@
         <a:cs typeface="+mn-cs"/>
       </a:defRPr>
     </a:lvl7pPr>
-    <a:lvl8pPr marL="3200400" algn="l" defTabSz="914400" rtl="0" eaLnBrk="1" latinLnBrk="0" hangingPunct="1">
-      <a:defRPr sz="1800" kern="1200">
+    <a:lvl8pPr marL="3200400" algn="l" defTabSz="914400">
+      <a:defRPr sz="1800">
         <a:solidFill>
           <a:schemeClr val="tx1"/>
         </a:solidFill>
@@ -98,8 +95,8 @@
         <a:cs typeface="+mn-cs"/>
       </a:defRPr>
     </a:lvl8pPr>
-    <a:lvl9pPr marL="3657600" algn="l" defTabSz="914400" rtl="0" eaLnBrk="1" latinLnBrk="0" hangingPunct="1">
-      <a:defRPr sz="1800" kern="1200">
+    <a:lvl9pPr marL="3657600" algn="l" defTabSz="914400">
+      <a:defRPr sz="1800">
         <a:solidFill>
           <a:schemeClr val="tx1"/>
         </a:solidFill>
@@ -113,15 +110,15 @@
 </file>
 
 <file path=ppt/slideLayouts/slideLayout1.xml><?xml version="1.0" encoding="utf-8"?>
-<p:sldLayout xmlns:a="http://schemas.openxmlformats.org/drawingml/2006/main" xmlns:r="http://schemas.openxmlformats.org/officeDocument/2006/relationships" xmlns:p="http://schemas.openxmlformats.org/presentationml/2006/main" type="title" preserve="1">
+<p:sldLayout xmlns:a="http://schemas.openxmlformats.org/drawingml/2006/main" xmlns:r="http://schemas.openxmlformats.org/officeDocument/2006/relationships" xmlns:p="http://schemas.openxmlformats.org/presentationml/2006/main" xmlns:m="http://schemas.openxmlformats.org/officeDocument/2006/math" xmlns:w="http://schemas.openxmlformats.org/wordprocessingml/2006/main" matchingName="" preserve="1" showMasterPhAnim="0" type="title" userDrawn="1">
   <p:cSld name="标题幻灯片">
     <p:spTree>
       <p:nvGrpSpPr>
-        <p:cNvPr id="1" name=""/>
+        <p:cNvPr id="1" name="" hidden="0"/>
         <p:cNvGrpSpPr/>
-        <p:nvPr/>
+        <p:nvPr isPhoto="0" userDrawn="0"/>
       </p:nvGrpSpPr>
-      <p:grpSpPr>
+      <p:grpSpPr bwMode="auto">
         <a:xfrm>
           <a:off x="0" y="0"/>
           <a:ext cx="0" cy="0"/>
@@ -131,15 +128,15 @@
       </p:grpSpPr>
       <p:sp>
         <p:nvSpPr>
-          <p:cNvPr id="2" name="标题 1"/>
-          <p:cNvSpPr>
-            <a:spLocks noGrp="1"/>
-          </p:cNvSpPr>
-          <p:nvPr>
-            <p:ph type="ctrTitle"/>
-          </p:nvPr>
-        </p:nvSpPr>
-        <p:spPr>
+          <p:cNvPr id="2" name="标题 1" hidden="0"/>
+          <p:cNvSpPr>
+            <a:spLocks noGrp="1"/>
+          </p:cNvSpPr>
+          <p:nvPr isPhoto="0" userDrawn="0">
+            <p:ph type="ctrTitle" hasCustomPrompt="0"/>
+          </p:nvPr>
+        </p:nvSpPr>
+        <p:spPr bwMode="auto">
           <a:xfrm>
             <a:off x="1524000" y="1122363"/>
             <a:ext cx="9144000" cy="2387600"/>
@@ -153,25 +150,28 @@
             </a:lvl1pPr>
           </a:lstStyle>
           <a:p>
-            <a:r>
-              <a:rPr lang="zh-CN" altLang="en-US" smtClean="0"/>
+            <a:pPr>
+              <a:defRPr/>
+            </a:pPr>
+            <a:r>
+              <a:rPr lang="zh-CN"/>
               <a:t>单击此处编辑母版标题样式</a:t>
             </a:r>
-            <a:endParaRPr lang="zh-CN" altLang="en-US"/>
-          </a:p>
-        </p:txBody>
-      </p:sp>
-      <p:sp>
-        <p:nvSpPr>
-          <p:cNvPr id="3" name="副标题 2"/>
-          <p:cNvSpPr>
-            <a:spLocks noGrp="1"/>
-          </p:cNvSpPr>
-          <p:nvPr>
-            <p:ph type="subTitle" idx="1"/>
-          </p:nvPr>
-        </p:nvSpPr>
-        <p:spPr>
+            <a:endParaRPr lang="zh-CN"/>
+          </a:p>
+        </p:txBody>
+      </p:sp>
+      <p:sp>
+        <p:nvSpPr>
+          <p:cNvPr id="3" name="副标题 2" hidden="0"/>
+          <p:cNvSpPr>
+            <a:spLocks noGrp="1"/>
+          </p:cNvSpPr>
+          <p:nvPr isPhoto="0" userDrawn="0">
+            <p:ph type="subTitle" idx="1" hasCustomPrompt="0"/>
+          </p:nvPr>
+        </p:nvSpPr>
+        <p:spPr bwMode="auto">
           <a:xfrm>
             <a:off x="1524000" y="3602038"/>
             <a:ext cx="9144000" cy="1655762"/>
@@ -218,74 +218,88 @@
             </a:lvl9pPr>
           </a:lstStyle>
           <a:p>
-            <a:r>
-              <a:rPr lang="zh-CN" altLang="en-US" smtClean="0"/>
+            <a:pPr>
+              <a:defRPr/>
+            </a:pPr>
+            <a:r>
+              <a:rPr lang="zh-CN"/>
               <a:t>单击此处编辑母版副标题样式</a:t>
             </a:r>
-            <a:endParaRPr lang="zh-CN" altLang="en-US"/>
-          </a:p>
-        </p:txBody>
-      </p:sp>
-      <p:sp>
-        <p:nvSpPr>
-          <p:cNvPr id="4" name="日期占位符 3"/>
-          <p:cNvSpPr>
-            <a:spLocks noGrp="1"/>
-          </p:cNvSpPr>
-          <p:nvPr>
-            <p:ph type="dt" sz="half" idx="10"/>
-          </p:nvPr>
-        </p:nvSpPr>
-        <p:spPr/>
+            <a:endParaRPr lang="zh-CN"/>
+          </a:p>
+        </p:txBody>
+      </p:sp>
+      <p:sp>
+        <p:nvSpPr>
+          <p:cNvPr id="4" name="日期占位符 3" hidden="0"/>
+          <p:cNvSpPr>
+            <a:spLocks noGrp="1"/>
+          </p:cNvSpPr>
+          <p:nvPr isPhoto="0" userDrawn="0">
+            <p:ph type="dt" sz="half" idx="10" hasCustomPrompt="0"/>
+          </p:nvPr>
+        </p:nvSpPr>
+        <p:spPr bwMode="auto"/>
         <p:txBody>
           <a:bodyPr/>
           <a:lstStyle/>
           <a:p>
+            <a:pPr>
+              <a:defRPr/>
+            </a:pPr>
             <a:fld id="{D997B5FA-0921-464F-AAE1-844C04324D75}" type="datetimeFigureOut">
-              <a:rPr lang="zh-CN" altLang="en-US" smtClean="0"/>
+              <a:rPr lang="zh-CN"/>
+              <a:t/>
             </a:fld>
-            <a:endParaRPr lang="zh-CN" altLang="en-US"/>
-          </a:p>
-        </p:txBody>
-      </p:sp>
-      <p:sp>
-        <p:nvSpPr>
-          <p:cNvPr id="5" name="页脚占位符 4"/>
-          <p:cNvSpPr>
-            <a:spLocks noGrp="1"/>
-          </p:cNvSpPr>
-          <p:nvPr>
-            <p:ph type="ftr" sz="quarter" idx="11"/>
-          </p:nvPr>
-        </p:nvSpPr>
-        <p:spPr/>
+            <a:endParaRPr lang="zh-CN"/>
+          </a:p>
+        </p:txBody>
+      </p:sp>
+      <p:sp>
+        <p:nvSpPr>
+          <p:cNvPr id="5" name="页脚占位符 4" hidden="0"/>
+          <p:cNvSpPr>
+            <a:spLocks noGrp="1"/>
+          </p:cNvSpPr>
+          <p:nvPr isPhoto="0" userDrawn="0">
+            <p:ph type="ftr" sz="quarter" idx="11" hasCustomPrompt="0"/>
+          </p:nvPr>
+        </p:nvSpPr>
+        <p:spPr bwMode="auto"/>
         <p:txBody>
           <a:bodyPr/>
           <a:lstStyle/>
           <a:p>
-            <a:endParaRPr lang="zh-CN" altLang="en-US"/>
-          </a:p>
-        </p:txBody>
-      </p:sp>
-      <p:sp>
-        <p:nvSpPr>
-          <p:cNvPr id="6" name="灯片编号占位符 5"/>
-          <p:cNvSpPr>
-            <a:spLocks noGrp="1"/>
-          </p:cNvSpPr>
-          <p:nvPr>
-            <p:ph type="sldNum" sz="quarter" idx="12"/>
-          </p:nvPr>
-        </p:nvSpPr>
-        <p:spPr/>
+            <a:pPr>
+              <a:defRPr/>
+            </a:pPr>
+            <a:endParaRPr lang="zh-CN"/>
+          </a:p>
+        </p:txBody>
+      </p:sp>
+      <p:sp>
+        <p:nvSpPr>
+          <p:cNvPr id="6" name="灯片编号占位符 5" hidden="0"/>
+          <p:cNvSpPr>
+            <a:spLocks noGrp="1"/>
+          </p:cNvSpPr>
+          <p:nvPr isPhoto="0" userDrawn="0">
+            <p:ph type="sldNum" sz="quarter" idx="12" hasCustomPrompt="0"/>
+          </p:nvPr>
+        </p:nvSpPr>
+        <p:spPr bwMode="auto"/>
         <p:txBody>
           <a:bodyPr/>
           <a:lstStyle/>
           <a:p>
+            <a:pPr>
+              <a:defRPr/>
+            </a:pPr>
             <a:fld id="{565CE74E-AB26-4998-AD42-012C4C1AD076}" type="slidenum">
-              <a:rPr lang="zh-CN" altLang="en-US" smtClean="0"/>
+              <a:rPr lang="zh-CN"/>
+              <a:t/>
             </a:fld>
-            <a:endParaRPr lang="zh-CN" altLang="en-US"/>
+            <a:endParaRPr lang="zh-CN"/>
           </a:p>
         </p:txBody>
       </p:sp>
@@ -298,15 +312,15 @@
 </file>
 
 <file path=ppt/slideLayouts/slideLayout10.xml><?xml version="1.0" encoding="utf-8"?>
-<p:sldLayout xmlns:a="http://schemas.openxmlformats.org/drawingml/2006/main" xmlns:r="http://schemas.openxmlformats.org/officeDocument/2006/relationships" xmlns:p="http://schemas.openxmlformats.org/presentationml/2006/main" type="vertTx" preserve="1">
+<p:sldLayout xmlns:a="http://schemas.openxmlformats.org/drawingml/2006/main" xmlns:r="http://schemas.openxmlformats.org/officeDocument/2006/relationships" xmlns:p="http://schemas.openxmlformats.org/presentationml/2006/main" xmlns:m="http://schemas.openxmlformats.org/officeDocument/2006/math" xmlns:w="http://schemas.openxmlformats.org/wordprocessingml/2006/main" matchingName="" preserve="1" showMasterPhAnim="0" type="vertTx" userDrawn="1">
   <p:cSld name="标题和竖排文字">
     <p:spTree>
       <p:nvGrpSpPr>
-        <p:cNvPr id="1" name=""/>
+        <p:cNvPr id="1" name="" hidden="0"/>
         <p:cNvGrpSpPr/>
-        <p:nvPr/>
+        <p:nvPr isPhoto="0" userDrawn="0"/>
       </p:nvGrpSpPr>
-      <p:grpSpPr>
+      <p:grpSpPr bwMode="auto">
         <a:xfrm>
           <a:off x="0" y="0"/>
           <a:ext cx="0" cy="0"/>
@@ -316,143 +330,167 @@
       </p:grpSpPr>
       <p:sp>
         <p:nvSpPr>
-          <p:cNvPr id="2" name="标题 1"/>
-          <p:cNvSpPr>
-            <a:spLocks noGrp="1"/>
-          </p:cNvSpPr>
-          <p:nvPr>
-            <p:ph type="title"/>
-          </p:nvPr>
-        </p:nvSpPr>
-        <p:spPr/>
+          <p:cNvPr id="2" name="标题 1" hidden="0"/>
+          <p:cNvSpPr>
+            <a:spLocks noGrp="1"/>
+          </p:cNvSpPr>
+          <p:nvPr isPhoto="0" userDrawn="0">
+            <p:ph type="title" hasCustomPrompt="0"/>
+          </p:nvPr>
+        </p:nvSpPr>
+        <p:spPr bwMode="auto"/>
         <p:txBody>
           <a:bodyPr/>
           <a:lstStyle/>
           <a:p>
-            <a:r>
-              <a:rPr lang="zh-CN" altLang="en-US" smtClean="0"/>
+            <a:pPr>
+              <a:defRPr/>
+            </a:pPr>
+            <a:r>
+              <a:rPr lang="zh-CN"/>
               <a:t>单击此处编辑母版标题样式</a:t>
             </a:r>
-            <a:endParaRPr lang="zh-CN" altLang="en-US"/>
-          </a:p>
-        </p:txBody>
-      </p:sp>
-      <p:sp>
-        <p:nvSpPr>
-          <p:cNvPr id="3" name="竖排文字占位符 2"/>
-          <p:cNvSpPr>
-            <a:spLocks noGrp="1"/>
-          </p:cNvSpPr>
-          <p:nvPr>
-            <p:ph type="body" orient="vert" idx="1"/>
-          </p:nvPr>
-        </p:nvSpPr>
-        <p:spPr/>
+            <a:endParaRPr lang="zh-CN"/>
+          </a:p>
+        </p:txBody>
+      </p:sp>
+      <p:sp>
+        <p:nvSpPr>
+          <p:cNvPr id="3" name="竖排文字占位符 2" hidden="0"/>
+          <p:cNvSpPr>
+            <a:spLocks noGrp="1"/>
+          </p:cNvSpPr>
+          <p:nvPr isPhoto="0" userDrawn="0">
+            <p:ph type="body" orient="vert" idx="1" hasCustomPrompt="0"/>
+          </p:nvPr>
+        </p:nvSpPr>
+        <p:spPr bwMode="auto"/>
         <p:txBody>
           <a:bodyPr vert="eaVert"/>
           <a:lstStyle/>
           <a:p>
-            <a:pPr lvl="0"/>
-            <a:r>
-              <a:rPr lang="zh-CN" altLang="en-US" smtClean="0"/>
+            <a:pPr lvl="0">
+              <a:defRPr/>
+            </a:pPr>
+            <a:r>
+              <a:rPr lang="zh-CN"/>
               <a:t>单击此处编辑母版文本样式</a:t>
             </a:r>
-            <a:endParaRPr lang="zh-CN" altLang="en-US" smtClean="0"/>
-          </a:p>
-          <a:p>
-            <a:pPr lvl="1"/>
-            <a:r>
-              <a:rPr lang="zh-CN" altLang="en-US" smtClean="0"/>
+            <a:endParaRPr lang="zh-CN"/>
+          </a:p>
+          <a:p>
+            <a:pPr lvl="1">
+              <a:defRPr/>
+            </a:pPr>
+            <a:r>
+              <a:rPr lang="zh-CN"/>
               <a:t>第二级</a:t>
             </a:r>
-            <a:endParaRPr lang="zh-CN" altLang="en-US" smtClean="0"/>
-          </a:p>
-          <a:p>
-            <a:pPr lvl="2"/>
-            <a:r>
-              <a:rPr lang="zh-CN" altLang="en-US" smtClean="0"/>
+            <a:endParaRPr lang="zh-CN"/>
+          </a:p>
+          <a:p>
+            <a:pPr lvl="2">
+              <a:defRPr/>
+            </a:pPr>
+            <a:r>
+              <a:rPr lang="zh-CN"/>
               <a:t>第三级</a:t>
             </a:r>
-            <a:endParaRPr lang="zh-CN" altLang="en-US" smtClean="0"/>
-          </a:p>
-          <a:p>
-            <a:pPr lvl="3"/>
-            <a:r>
-              <a:rPr lang="zh-CN" altLang="en-US" smtClean="0"/>
+            <a:endParaRPr lang="zh-CN"/>
+          </a:p>
+          <a:p>
+            <a:pPr lvl="3">
+              <a:defRPr/>
+            </a:pPr>
+            <a:r>
+              <a:rPr lang="zh-CN"/>
               <a:t>第四级</a:t>
             </a:r>
-            <a:endParaRPr lang="zh-CN" altLang="en-US" smtClean="0"/>
-          </a:p>
-          <a:p>
-            <a:pPr lvl="4"/>
-            <a:r>
-              <a:rPr lang="zh-CN" altLang="en-US" smtClean="0"/>
+            <a:endParaRPr lang="zh-CN"/>
+          </a:p>
+          <a:p>
+            <a:pPr lvl="4">
+              <a:defRPr/>
+            </a:pPr>
+            <a:r>
+              <a:rPr lang="zh-CN"/>
               <a:t>第五级</a:t>
             </a:r>
-            <a:endParaRPr lang="zh-CN" altLang="en-US"/>
-          </a:p>
-        </p:txBody>
-      </p:sp>
-      <p:sp>
-        <p:nvSpPr>
-          <p:cNvPr id="4" name="日期占位符 3"/>
-          <p:cNvSpPr>
-            <a:spLocks noGrp="1"/>
-          </p:cNvSpPr>
-          <p:nvPr>
-            <p:ph type="dt" sz="half" idx="10"/>
-          </p:nvPr>
-        </p:nvSpPr>
-        <p:spPr/>
+            <a:endParaRPr lang="zh-CN"/>
+          </a:p>
+        </p:txBody>
+      </p:sp>
+      <p:sp>
+        <p:nvSpPr>
+          <p:cNvPr id="4" name="日期占位符 3" hidden="0"/>
+          <p:cNvSpPr>
+            <a:spLocks noGrp="1"/>
+          </p:cNvSpPr>
+          <p:nvPr isPhoto="0" userDrawn="0">
+            <p:ph type="dt" sz="half" idx="10" hasCustomPrompt="0"/>
+          </p:nvPr>
+        </p:nvSpPr>
+        <p:spPr bwMode="auto"/>
         <p:txBody>
           <a:bodyPr/>
           <a:lstStyle/>
           <a:p>
+            <a:pPr>
+              <a:defRPr/>
+            </a:pPr>
             <a:fld id="{D997B5FA-0921-464F-AAE1-844C04324D75}" type="datetimeFigureOut">
-              <a:rPr lang="zh-CN" altLang="en-US" smtClean="0"/>
+              <a:rPr lang="zh-CN"/>
+              <a:t/>
             </a:fld>
-            <a:endParaRPr lang="zh-CN" altLang="en-US"/>
-          </a:p>
-        </p:txBody>
-      </p:sp>
-      <p:sp>
-        <p:nvSpPr>
-          <p:cNvPr id="5" name="页脚占位符 4"/>
-          <p:cNvSpPr>
-            <a:spLocks noGrp="1"/>
-          </p:cNvSpPr>
-          <p:nvPr>
-            <p:ph type="ftr" sz="quarter" idx="11"/>
-          </p:nvPr>
-        </p:nvSpPr>
-        <p:spPr/>
+            <a:endParaRPr lang="zh-CN"/>
+          </a:p>
+        </p:txBody>
+      </p:sp>
+      <p:sp>
+        <p:nvSpPr>
+          <p:cNvPr id="5" name="页脚占位符 4" hidden="0"/>
+          <p:cNvSpPr>
+            <a:spLocks noGrp="1"/>
+          </p:cNvSpPr>
+          <p:nvPr isPhoto="0" userDrawn="0">
+            <p:ph type="ftr" sz="quarter" idx="11" hasCustomPrompt="0"/>
+          </p:nvPr>
+        </p:nvSpPr>
+        <p:spPr bwMode="auto"/>
         <p:txBody>
           <a:bodyPr/>
           <a:lstStyle/>
           <a:p>
-            <a:endParaRPr lang="zh-CN" altLang="en-US"/>
-          </a:p>
-        </p:txBody>
-      </p:sp>
-      <p:sp>
-        <p:nvSpPr>
-          <p:cNvPr id="6" name="灯片编号占位符 5"/>
-          <p:cNvSpPr>
-            <a:spLocks noGrp="1"/>
-          </p:cNvSpPr>
-          <p:nvPr>
-            <p:ph type="sldNum" sz="quarter" idx="12"/>
-          </p:nvPr>
-        </p:nvSpPr>
-        <p:spPr/>
+            <a:pPr>
+              <a:defRPr/>
+            </a:pPr>
+            <a:endParaRPr lang="zh-CN"/>
+          </a:p>
+        </p:txBody>
+      </p:sp>
+      <p:sp>
+        <p:nvSpPr>
+          <p:cNvPr id="6" name="灯片编号占位符 5" hidden="0"/>
+          <p:cNvSpPr>
+            <a:spLocks noGrp="1"/>
+          </p:cNvSpPr>
+          <p:nvPr isPhoto="0" userDrawn="0">
+            <p:ph type="sldNum" sz="quarter" idx="12" hasCustomPrompt="0"/>
+          </p:nvPr>
+        </p:nvSpPr>
+        <p:spPr bwMode="auto"/>
         <p:txBody>
           <a:bodyPr/>
           <a:lstStyle/>
           <a:p>
+            <a:pPr>
+              <a:defRPr/>
+            </a:pPr>
             <a:fld id="{565CE74E-AB26-4998-AD42-012C4C1AD076}" type="slidenum">
-              <a:rPr lang="zh-CN" altLang="en-US" smtClean="0"/>
+              <a:rPr lang="zh-CN"/>
+              <a:t/>
             </a:fld>
-            <a:endParaRPr lang="zh-CN" altLang="en-US"/>
+            <a:endParaRPr lang="zh-CN"/>
           </a:p>
         </p:txBody>
       </p:sp>
@@ -465,15 +503,15 @@
 </file>
 
 <file path=ppt/slideLayouts/slideLayout11.xml><?xml version="1.0" encoding="utf-8"?>
-<p:sldLayout xmlns:a="http://schemas.openxmlformats.org/drawingml/2006/main" xmlns:r="http://schemas.openxmlformats.org/officeDocument/2006/relationships" xmlns:p="http://schemas.openxmlformats.org/presentationml/2006/main" type="vertTitleAndTx" preserve="1">
-  <p:cSld name="垂直排列标题与&#10;文本">
+<p:sldLayout xmlns:a="http://schemas.openxmlformats.org/drawingml/2006/main" xmlns:r="http://schemas.openxmlformats.org/officeDocument/2006/relationships" xmlns:p="http://schemas.openxmlformats.org/presentationml/2006/main" xmlns:m="http://schemas.openxmlformats.org/officeDocument/2006/math" xmlns:w="http://schemas.openxmlformats.org/wordprocessingml/2006/main" matchingName="" preserve="1" showMasterPhAnim="0" type="vertTitleAndTx" userDrawn="1">
+  <p:cSld name="垂直排列标题与 文本">
     <p:spTree>
       <p:nvGrpSpPr>
-        <p:cNvPr id="1" name=""/>
+        <p:cNvPr id="1" name="" hidden="0"/>
         <p:cNvGrpSpPr/>
-        <p:nvPr/>
+        <p:nvPr isPhoto="0" userDrawn="0"/>
       </p:nvGrpSpPr>
-      <p:grpSpPr>
+      <p:grpSpPr bwMode="auto">
         <a:xfrm>
           <a:off x="0" y="0"/>
           <a:ext cx="0" cy="0"/>
@@ -483,15 +521,15 @@
       </p:grpSpPr>
       <p:sp>
         <p:nvSpPr>
-          <p:cNvPr id="2" name="竖排标题 1"/>
-          <p:cNvSpPr>
-            <a:spLocks noGrp="1"/>
-          </p:cNvSpPr>
-          <p:nvPr>
-            <p:ph type="title" orient="vert"/>
-          </p:nvPr>
-        </p:nvSpPr>
-        <p:spPr>
+          <p:cNvPr id="2" name="竖排标题 1" hidden="0"/>
+          <p:cNvSpPr>
+            <a:spLocks noGrp="1"/>
+          </p:cNvSpPr>
+          <p:nvPr isPhoto="0" userDrawn="0">
+            <p:ph type="title" orient="vert" hasCustomPrompt="0"/>
+          </p:nvPr>
+        </p:nvSpPr>
+        <p:spPr bwMode="auto">
           <a:xfrm>
             <a:off x="8724900" y="365125"/>
             <a:ext cx="2628900" cy="5811838"/>
@@ -501,25 +539,28 @@
           <a:bodyPr vert="eaVert"/>
           <a:lstStyle/>
           <a:p>
-            <a:r>
-              <a:rPr lang="zh-CN" altLang="en-US" smtClean="0"/>
+            <a:pPr>
+              <a:defRPr/>
+            </a:pPr>
+            <a:r>
+              <a:rPr lang="zh-CN"/>
               <a:t>单击此处编辑母版标题样式</a:t>
             </a:r>
-            <a:endParaRPr lang="zh-CN" altLang="en-US"/>
-          </a:p>
-        </p:txBody>
-      </p:sp>
-      <p:sp>
-        <p:nvSpPr>
-          <p:cNvPr id="3" name="竖排文字占位符 2"/>
-          <p:cNvSpPr>
-            <a:spLocks noGrp="1"/>
-          </p:cNvSpPr>
-          <p:nvPr>
-            <p:ph type="body" orient="vert" idx="1"/>
-          </p:nvPr>
-        </p:nvSpPr>
-        <p:spPr>
+            <a:endParaRPr lang="zh-CN"/>
+          </a:p>
+        </p:txBody>
+      </p:sp>
+      <p:sp>
+        <p:nvSpPr>
+          <p:cNvPr id="3" name="竖排文字占位符 2" hidden="0"/>
+          <p:cNvSpPr>
+            <a:spLocks noGrp="1"/>
+          </p:cNvSpPr>
+          <p:nvPr isPhoto="0" userDrawn="0">
+            <p:ph type="body" orient="vert" idx="1" hasCustomPrompt="0"/>
+          </p:nvPr>
+        </p:nvSpPr>
+        <p:spPr bwMode="auto">
           <a:xfrm>
             <a:off x="838200" y="365125"/>
             <a:ext cx="7734300" cy="5811838"/>
@@ -529,107 +570,128 @@
           <a:bodyPr vert="eaVert"/>
           <a:lstStyle/>
           <a:p>
-            <a:pPr lvl="0"/>
-            <a:r>
-              <a:rPr lang="zh-CN" altLang="en-US" smtClean="0"/>
+            <a:pPr lvl="0">
+              <a:defRPr/>
+            </a:pPr>
+            <a:r>
+              <a:rPr lang="zh-CN"/>
               <a:t>单击此处编辑母版文本样式</a:t>
             </a:r>
-            <a:endParaRPr lang="zh-CN" altLang="en-US" smtClean="0"/>
-          </a:p>
-          <a:p>
-            <a:pPr lvl="1"/>
-            <a:r>
-              <a:rPr lang="zh-CN" altLang="en-US" smtClean="0"/>
+            <a:endParaRPr lang="zh-CN"/>
+          </a:p>
+          <a:p>
+            <a:pPr lvl="1">
+              <a:defRPr/>
+            </a:pPr>
+            <a:r>
+              <a:rPr lang="zh-CN"/>
               <a:t>第二级</a:t>
             </a:r>
-            <a:endParaRPr lang="zh-CN" altLang="en-US" smtClean="0"/>
-          </a:p>
-          <a:p>
-            <a:pPr lvl="2"/>
-            <a:r>
-              <a:rPr lang="zh-CN" altLang="en-US" smtClean="0"/>
+            <a:endParaRPr lang="zh-CN"/>
+          </a:p>
+          <a:p>
+            <a:pPr lvl="2">
+              <a:defRPr/>
+            </a:pPr>
+            <a:r>
+              <a:rPr lang="zh-CN"/>
               <a:t>第三级</a:t>
             </a:r>
-            <a:endParaRPr lang="zh-CN" altLang="en-US" smtClean="0"/>
-          </a:p>
-          <a:p>
-            <a:pPr lvl="3"/>
-            <a:r>
-              <a:rPr lang="zh-CN" altLang="en-US" smtClean="0"/>
+            <a:endParaRPr lang="zh-CN"/>
+          </a:p>
+          <a:p>
+            <a:pPr lvl="3">
+              <a:defRPr/>
+            </a:pPr>
+            <a:r>
+              <a:rPr lang="zh-CN"/>
               <a:t>第四级</a:t>
             </a:r>
-            <a:endParaRPr lang="zh-CN" altLang="en-US" smtClean="0"/>
-          </a:p>
-          <a:p>
-            <a:pPr lvl="4"/>
-            <a:r>
-              <a:rPr lang="zh-CN" altLang="en-US" smtClean="0"/>
+            <a:endParaRPr lang="zh-CN"/>
+          </a:p>
+          <a:p>
+            <a:pPr lvl="4">
+              <a:defRPr/>
+            </a:pPr>
+            <a:r>
+              <a:rPr lang="zh-CN"/>
               <a:t>第五级</a:t>
             </a:r>
-            <a:endParaRPr lang="zh-CN" altLang="en-US"/>
-          </a:p>
-        </p:txBody>
-      </p:sp>
-      <p:sp>
-        <p:nvSpPr>
-          <p:cNvPr id="4" name="日期占位符 3"/>
-          <p:cNvSpPr>
-            <a:spLocks noGrp="1"/>
-          </p:cNvSpPr>
-          <p:nvPr>
-            <p:ph type="dt" sz="half" idx="10"/>
-          </p:nvPr>
-        </p:nvSpPr>
-        <p:spPr/>
+            <a:endParaRPr lang="zh-CN"/>
+          </a:p>
+        </p:txBody>
+      </p:sp>
+      <p:sp>
+        <p:nvSpPr>
+          <p:cNvPr id="4" name="日期占位符 3" hidden="0"/>
+          <p:cNvSpPr>
+            <a:spLocks noGrp="1"/>
+          </p:cNvSpPr>
+          <p:nvPr isPhoto="0" userDrawn="0">
+            <p:ph type="dt" sz="half" idx="10" hasCustomPrompt="0"/>
+          </p:nvPr>
+        </p:nvSpPr>
+        <p:spPr bwMode="auto"/>
         <p:txBody>
           <a:bodyPr/>
           <a:lstStyle/>
           <a:p>
+            <a:pPr>
+              <a:defRPr/>
+            </a:pPr>
             <a:fld id="{D997B5FA-0921-464F-AAE1-844C04324D75}" type="datetimeFigureOut">
-              <a:rPr lang="zh-CN" altLang="en-US" smtClean="0"/>
+              <a:rPr lang="zh-CN"/>
+              <a:t/>
             </a:fld>
-            <a:endParaRPr lang="zh-CN" altLang="en-US"/>
-          </a:p>
-        </p:txBody>
-      </p:sp>
-      <p:sp>
-        <p:nvSpPr>
-          <p:cNvPr id="5" name="页脚占位符 4"/>
-          <p:cNvSpPr>
-            <a:spLocks noGrp="1"/>
-          </p:cNvSpPr>
-          <p:nvPr>
-            <p:ph type="ftr" sz="quarter" idx="11"/>
-          </p:nvPr>
-        </p:nvSpPr>
-        <p:spPr/>
+            <a:endParaRPr lang="zh-CN"/>
+          </a:p>
+        </p:txBody>
+      </p:sp>
+      <p:sp>
+        <p:nvSpPr>
+          <p:cNvPr id="5" name="页脚占位符 4" hidden="0"/>
+          <p:cNvSpPr>
+            <a:spLocks noGrp="1"/>
+          </p:cNvSpPr>
+          <p:nvPr isPhoto="0" userDrawn="0">
+            <p:ph type="ftr" sz="quarter" idx="11" hasCustomPrompt="0"/>
+          </p:nvPr>
+        </p:nvSpPr>
+        <p:spPr bwMode="auto"/>
         <p:txBody>
           <a:bodyPr/>
           <a:lstStyle/>
           <a:p>
-            <a:endParaRPr lang="zh-CN" altLang="en-US"/>
-          </a:p>
-        </p:txBody>
-      </p:sp>
-      <p:sp>
-        <p:nvSpPr>
-          <p:cNvPr id="6" name="灯片编号占位符 5"/>
-          <p:cNvSpPr>
-            <a:spLocks noGrp="1"/>
-          </p:cNvSpPr>
-          <p:nvPr>
-            <p:ph type="sldNum" sz="quarter" idx="12"/>
-          </p:nvPr>
-        </p:nvSpPr>
-        <p:spPr/>
+            <a:pPr>
+              <a:defRPr/>
+            </a:pPr>
+            <a:endParaRPr lang="zh-CN"/>
+          </a:p>
+        </p:txBody>
+      </p:sp>
+      <p:sp>
+        <p:nvSpPr>
+          <p:cNvPr id="6" name="灯片编号占位符 5" hidden="0"/>
+          <p:cNvSpPr>
+            <a:spLocks noGrp="1"/>
+          </p:cNvSpPr>
+          <p:nvPr isPhoto="0" userDrawn="0">
+            <p:ph type="sldNum" sz="quarter" idx="12" hasCustomPrompt="0"/>
+          </p:nvPr>
+        </p:nvSpPr>
+        <p:spPr bwMode="auto"/>
         <p:txBody>
           <a:bodyPr/>
           <a:lstStyle/>
           <a:p>
+            <a:pPr>
+              <a:defRPr/>
+            </a:pPr>
             <a:fld id="{565CE74E-AB26-4998-AD42-012C4C1AD076}" type="slidenum">
-              <a:rPr lang="zh-CN" altLang="en-US" smtClean="0"/>
+              <a:rPr lang="zh-CN"/>
+              <a:t/>
             </a:fld>
-            <a:endParaRPr lang="zh-CN" altLang="en-US"/>
+            <a:endParaRPr lang="zh-CN"/>
           </a:p>
         </p:txBody>
       </p:sp>
@@ -642,15 +704,15 @@
 </file>
 
 <file path=ppt/slideLayouts/slideLayout2.xml><?xml version="1.0" encoding="utf-8"?>
-<p:sldLayout xmlns:a="http://schemas.openxmlformats.org/drawingml/2006/main" xmlns:r="http://schemas.openxmlformats.org/officeDocument/2006/relationships" xmlns:p="http://schemas.openxmlformats.org/presentationml/2006/main" type="obj" preserve="1">
+<p:sldLayout xmlns:a="http://schemas.openxmlformats.org/drawingml/2006/main" xmlns:r="http://schemas.openxmlformats.org/officeDocument/2006/relationships" xmlns:p="http://schemas.openxmlformats.org/presentationml/2006/main" xmlns:m="http://schemas.openxmlformats.org/officeDocument/2006/math" xmlns:w="http://schemas.openxmlformats.org/wordprocessingml/2006/main" matchingName="" preserve="1" showMasterPhAnim="0" type="obj" userDrawn="1">
   <p:cSld name="标题和内容">
     <p:spTree>
       <p:nvGrpSpPr>
-        <p:cNvPr id="1" name=""/>
+        <p:cNvPr id="1" name="" hidden="0"/>
         <p:cNvGrpSpPr/>
-        <p:nvPr/>
+        <p:nvPr isPhoto="0" userDrawn="0"/>
       </p:nvGrpSpPr>
-      <p:grpSpPr>
+      <p:grpSpPr bwMode="auto">
         <a:xfrm>
           <a:off x="0" y="0"/>
           <a:ext cx="0" cy="0"/>
@@ -660,143 +722,167 @@
       </p:grpSpPr>
       <p:sp>
         <p:nvSpPr>
-          <p:cNvPr id="2" name="标题 1"/>
-          <p:cNvSpPr>
-            <a:spLocks noGrp="1"/>
-          </p:cNvSpPr>
-          <p:nvPr>
-            <p:ph type="title"/>
-          </p:nvPr>
-        </p:nvSpPr>
-        <p:spPr/>
+          <p:cNvPr id="2" name="标题 1" hidden="0"/>
+          <p:cNvSpPr>
+            <a:spLocks noGrp="1"/>
+          </p:cNvSpPr>
+          <p:nvPr isPhoto="0" userDrawn="0">
+            <p:ph type="title" hasCustomPrompt="0"/>
+          </p:nvPr>
+        </p:nvSpPr>
+        <p:spPr bwMode="auto"/>
         <p:txBody>
           <a:bodyPr/>
           <a:lstStyle/>
           <a:p>
-            <a:r>
-              <a:rPr lang="zh-CN" altLang="en-US" smtClean="0"/>
+            <a:pPr>
+              <a:defRPr/>
+            </a:pPr>
+            <a:r>
+              <a:rPr lang="zh-CN"/>
               <a:t>单击此处编辑母版标题样式</a:t>
             </a:r>
-            <a:endParaRPr lang="zh-CN" altLang="en-US"/>
-          </a:p>
-        </p:txBody>
-      </p:sp>
-      <p:sp>
-        <p:nvSpPr>
-          <p:cNvPr id="3" name="内容占位符 2"/>
-          <p:cNvSpPr>
-            <a:spLocks noGrp="1"/>
-          </p:cNvSpPr>
-          <p:nvPr>
-            <p:ph idx="1"/>
-          </p:nvPr>
-        </p:nvSpPr>
-        <p:spPr/>
+            <a:endParaRPr lang="zh-CN"/>
+          </a:p>
+        </p:txBody>
+      </p:sp>
+      <p:sp>
+        <p:nvSpPr>
+          <p:cNvPr id="3" name="内容占位符 2" hidden="0"/>
+          <p:cNvSpPr>
+            <a:spLocks noGrp="1"/>
+          </p:cNvSpPr>
+          <p:nvPr isPhoto="0" userDrawn="0">
+            <p:ph idx="1" hasCustomPrompt="0"/>
+          </p:nvPr>
+        </p:nvSpPr>
+        <p:spPr bwMode="auto"/>
         <p:txBody>
           <a:bodyPr/>
           <a:lstStyle/>
           <a:p>
-            <a:pPr lvl="0"/>
-            <a:r>
-              <a:rPr lang="zh-CN" altLang="en-US" smtClean="0"/>
+            <a:pPr lvl="0">
+              <a:defRPr/>
+            </a:pPr>
+            <a:r>
+              <a:rPr lang="zh-CN"/>
               <a:t>单击此处编辑母版文本样式</a:t>
             </a:r>
-            <a:endParaRPr lang="zh-CN" altLang="en-US" smtClean="0"/>
-          </a:p>
-          <a:p>
-            <a:pPr lvl="1"/>
-            <a:r>
-              <a:rPr lang="zh-CN" altLang="en-US" smtClean="0"/>
+            <a:endParaRPr lang="zh-CN"/>
+          </a:p>
+          <a:p>
+            <a:pPr lvl="1">
+              <a:defRPr/>
+            </a:pPr>
+            <a:r>
+              <a:rPr lang="zh-CN"/>
               <a:t>第二级</a:t>
             </a:r>
-            <a:endParaRPr lang="zh-CN" altLang="en-US" smtClean="0"/>
-          </a:p>
-          <a:p>
-            <a:pPr lvl="2"/>
-            <a:r>
-              <a:rPr lang="zh-CN" altLang="en-US" smtClean="0"/>
+            <a:endParaRPr lang="zh-CN"/>
+          </a:p>
+          <a:p>
+            <a:pPr lvl="2">
+              <a:defRPr/>
+            </a:pPr>
+            <a:r>
+              <a:rPr lang="zh-CN"/>
               <a:t>第三级</a:t>
             </a:r>
-            <a:endParaRPr lang="zh-CN" altLang="en-US" smtClean="0"/>
-          </a:p>
-          <a:p>
-            <a:pPr lvl="3"/>
-            <a:r>
-              <a:rPr lang="zh-CN" altLang="en-US" smtClean="0"/>
+            <a:endParaRPr lang="zh-CN"/>
+          </a:p>
+          <a:p>
+            <a:pPr lvl="3">
+              <a:defRPr/>
+            </a:pPr>
+            <a:r>
+              <a:rPr lang="zh-CN"/>
               <a:t>第四级</a:t>
             </a:r>
-            <a:endParaRPr lang="zh-CN" altLang="en-US" smtClean="0"/>
-          </a:p>
-          <a:p>
-            <a:pPr lvl="4"/>
-            <a:r>
-              <a:rPr lang="zh-CN" altLang="en-US" smtClean="0"/>
+            <a:endParaRPr lang="zh-CN"/>
+          </a:p>
+          <a:p>
+            <a:pPr lvl="4">
+              <a:defRPr/>
+            </a:pPr>
+            <a:r>
+              <a:rPr lang="zh-CN"/>
               <a:t>第五级</a:t>
             </a:r>
-            <a:endParaRPr lang="zh-CN" altLang="en-US"/>
-          </a:p>
-        </p:txBody>
-      </p:sp>
-      <p:sp>
-        <p:nvSpPr>
-          <p:cNvPr id="4" name="日期占位符 3"/>
-          <p:cNvSpPr>
-            <a:spLocks noGrp="1"/>
-          </p:cNvSpPr>
-          <p:nvPr>
-            <p:ph type="dt" sz="half" idx="10"/>
-          </p:nvPr>
-        </p:nvSpPr>
-        <p:spPr/>
+            <a:endParaRPr lang="zh-CN"/>
+          </a:p>
+        </p:txBody>
+      </p:sp>
+      <p:sp>
+        <p:nvSpPr>
+          <p:cNvPr id="4" name="日期占位符 3" hidden="0"/>
+          <p:cNvSpPr>
+            <a:spLocks noGrp="1"/>
+          </p:cNvSpPr>
+          <p:nvPr isPhoto="0" userDrawn="0">
+            <p:ph type="dt" sz="half" idx="10" hasCustomPrompt="0"/>
+          </p:nvPr>
+        </p:nvSpPr>
+        <p:spPr bwMode="auto"/>
         <p:txBody>
           <a:bodyPr/>
           <a:lstStyle/>
           <a:p>
+            <a:pPr>
+              <a:defRPr/>
+            </a:pPr>
             <a:fld id="{D997B5FA-0921-464F-AAE1-844C04324D75}" type="datetimeFigureOut">
-              <a:rPr lang="zh-CN" altLang="en-US" smtClean="0"/>
+              <a:rPr lang="zh-CN"/>
+              <a:t/>
             </a:fld>
-            <a:endParaRPr lang="zh-CN" altLang="en-US"/>
-          </a:p>
-        </p:txBody>
-      </p:sp>
-      <p:sp>
-        <p:nvSpPr>
-          <p:cNvPr id="5" name="页脚占位符 4"/>
-          <p:cNvSpPr>
-            <a:spLocks noGrp="1"/>
-          </p:cNvSpPr>
-          <p:nvPr>
-            <p:ph type="ftr" sz="quarter" idx="11"/>
-          </p:nvPr>
-        </p:nvSpPr>
-        <p:spPr/>
+            <a:endParaRPr lang="zh-CN"/>
+          </a:p>
+        </p:txBody>
+      </p:sp>
+      <p:sp>
+        <p:nvSpPr>
+          <p:cNvPr id="5" name="页脚占位符 4" hidden="0"/>
+          <p:cNvSpPr>
+            <a:spLocks noGrp="1"/>
+          </p:cNvSpPr>
+          <p:nvPr isPhoto="0" userDrawn="0">
+            <p:ph type="ftr" sz="quarter" idx="11" hasCustomPrompt="0"/>
+          </p:nvPr>
+        </p:nvSpPr>
+        <p:spPr bwMode="auto"/>
         <p:txBody>
           <a:bodyPr/>
           <a:lstStyle/>
           <a:p>
-            <a:endParaRPr lang="zh-CN" altLang="en-US"/>
-          </a:p>
-        </p:txBody>
-      </p:sp>
-      <p:sp>
-        <p:nvSpPr>
-          <p:cNvPr id="6" name="灯片编号占位符 5"/>
-          <p:cNvSpPr>
-            <a:spLocks noGrp="1"/>
-          </p:cNvSpPr>
-          <p:nvPr>
-            <p:ph type="sldNum" sz="quarter" idx="12"/>
-          </p:nvPr>
-        </p:nvSpPr>
-        <p:spPr/>
+            <a:pPr>
+              <a:defRPr/>
+            </a:pPr>
+            <a:endParaRPr lang="zh-CN"/>
+          </a:p>
+        </p:txBody>
+      </p:sp>
+      <p:sp>
+        <p:nvSpPr>
+          <p:cNvPr id="6" name="灯片编号占位符 5" hidden="0"/>
+          <p:cNvSpPr>
+            <a:spLocks noGrp="1"/>
+          </p:cNvSpPr>
+          <p:nvPr isPhoto="0" userDrawn="0">
+            <p:ph type="sldNum" sz="quarter" idx="12" hasCustomPrompt="0"/>
+          </p:nvPr>
+        </p:nvSpPr>
+        <p:spPr bwMode="auto"/>
         <p:txBody>
           <a:bodyPr/>
           <a:lstStyle/>
           <a:p>
+            <a:pPr>
+              <a:defRPr/>
+            </a:pPr>
             <a:fld id="{565CE74E-AB26-4998-AD42-012C4C1AD076}" type="slidenum">
-              <a:rPr lang="zh-CN" altLang="en-US" smtClean="0"/>
+              <a:rPr lang="zh-CN"/>
+              <a:t/>
             </a:fld>
-            <a:endParaRPr lang="zh-CN" altLang="en-US"/>
+            <a:endParaRPr lang="zh-CN"/>
           </a:p>
         </p:txBody>
       </p:sp>
@@ -809,15 +895,15 @@
 </file>
 
 <file path=ppt/slideLayouts/slideLayout3.xml><?xml version="1.0" encoding="utf-8"?>
-<p:sldLayout xmlns:a="http://schemas.openxmlformats.org/drawingml/2006/main" xmlns:r="http://schemas.openxmlformats.org/officeDocument/2006/relationships" xmlns:p="http://schemas.openxmlformats.org/presentationml/2006/main" type="secHead" preserve="1">
+<p:sldLayout xmlns:a="http://schemas.openxmlformats.org/drawingml/2006/main" xmlns:r="http://schemas.openxmlformats.org/officeDocument/2006/relationships" xmlns:p="http://schemas.openxmlformats.org/presentationml/2006/main" xmlns:m="http://schemas.openxmlformats.org/officeDocument/2006/math" xmlns:w="http://schemas.openxmlformats.org/wordprocessingml/2006/main" matchingName="" preserve="1" showMasterPhAnim="0" type="secHead" userDrawn="1">
   <p:cSld name="节标题">
     <p:spTree>
       <p:nvGrpSpPr>
-        <p:cNvPr id="1" name=""/>
+        <p:cNvPr id="1" name="" hidden="0"/>
         <p:cNvGrpSpPr/>
-        <p:nvPr/>
+        <p:nvPr isPhoto="0" userDrawn="0"/>
       </p:nvGrpSpPr>
-      <p:grpSpPr>
+      <p:grpSpPr bwMode="auto">
         <a:xfrm>
           <a:off x="0" y="0"/>
           <a:ext cx="0" cy="0"/>
@@ -827,15 +913,15 @@
       </p:grpSpPr>
       <p:sp>
         <p:nvSpPr>
-          <p:cNvPr id="2" name="标题 1"/>
-          <p:cNvSpPr>
-            <a:spLocks noGrp="1"/>
-          </p:cNvSpPr>
-          <p:nvPr>
-            <p:ph type="title"/>
-          </p:nvPr>
-        </p:nvSpPr>
-        <p:spPr>
+          <p:cNvPr id="2" name="标题 1" hidden="0"/>
+          <p:cNvSpPr>
+            <a:spLocks noGrp="1"/>
+          </p:cNvSpPr>
+          <p:nvPr isPhoto="0" userDrawn="0">
+            <p:ph type="title" hasCustomPrompt="0"/>
+          </p:nvPr>
+        </p:nvSpPr>
+        <p:spPr bwMode="auto">
           <a:xfrm>
             <a:off x="831850" y="1709738"/>
             <a:ext cx="10515600" cy="2852737"/>
@@ -849,25 +935,28 @@
             </a:lvl1pPr>
           </a:lstStyle>
           <a:p>
-            <a:r>
-              <a:rPr lang="zh-CN" altLang="en-US" smtClean="0"/>
+            <a:pPr>
+              <a:defRPr/>
+            </a:pPr>
+            <a:r>
+              <a:rPr lang="zh-CN"/>
               <a:t>单击此处编辑母版标题样式</a:t>
             </a:r>
-            <a:endParaRPr lang="zh-CN" altLang="en-US"/>
-          </a:p>
-        </p:txBody>
-      </p:sp>
-      <p:sp>
-        <p:nvSpPr>
-          <p:cNvPr id="3" name="文本占位符 2"/>
-          <p:cNvSpPr>
-            <a:spLocks noGrp="1"/>
-          </p:cNvSpPr>
-          <p:nvPr>
-            <p:ph type="body" idx="1"/>
-          </p:nvPr>
-        </p:nvSpPr>
-        <p:spPr>
+            <a:endParaRPr lang="zh-CN"/>
+          </a:p>
+        </p:txBody>
+      </p:sp>
+      <p:sp>
+        <p:nvSpPr>
+          <p:cNvPr id="3" name="文本占位符 2" hidden="0"/>
+          <p:cNvSpPr>
+            <a:spLocks noGrp="1"/>
+          </p:cNvSpPr>
+          <p:nvPr isPhoto="0" userDrawn="0">
+            <p:ph type="body" idx="1" hasCustomPrompt="0"/>
+          </p:nvPr>
+        </p:nvSpPr>
+        <p:spPr bwMode="auto">
           <a:xfrm>
             <a:off x="831850" y="4589463"/>
             <a:ext cx="10515600" cy="1500187"/>
@@ -968,75 +1057,88 @@
             </a:lvl9pPr>
           </a:lstStyle>
           <a:p>
-            <a:pPr lvl="0"/>
-            <a:r>
-              <a:rPr lang="zh-CN" altLang="en-US" smtClean="0"/>
+            <a:pPr lvl="0">
+              <a:defRPr/>
+            </a:pPr>
+            <a:r>
+              <a:rPr lang="zh-CN"/>
               <a:t>单击此处编辑母版文本样式</a:t>
             </a:r>
-            <a:endParaRPr lang="zh-CN" altLang="en-US" smtClean="0"/>
-          </a:p>
-        </p:txBody>
-      </p:sp>
-      <p:sp>
-        <p:nvSpPr>
-          <p:cNvPr id="4" name="日期占位符 3"/>
-          <p:cNvSpPr>
-            <a:spLocks noGrp="1"/>
-          </p:cNvSpPr>
-          <p:nvPr>
-            <p:ph type="dt" sz="half" idx="10"/>
-          </p:nvPr>
-        </p:nvSpPr>
-        <p:spPr/>
+            <a:endParaRPr lang="zh-CN"/>
+          </a:p>
+        </p:txBody>
+      </p:sp>
+      <p:sp>
+        <p:nvSpPr>
+          <p:cNvPr id="4" name="日期占位符 3" hidden="0"/>
+          <p:cNvSpPr>
+            <a:spLocks noGrp="1"/>
+          </p:cNvSpPr>
+          <p:nvPr isPhoto="0" userDrawn="0">
+            <p:ph type="dt" sz="half" idx="10" hasCustomPrompt="0"/>
+          </p:nvPr>
+        </p:nvSpPr>
+        <p:spPr bwMode="auto"/>
         <p:txBody>
           <a:bodyPr/>
           <a:lstStyle/>
           <a:p>
+            <a:pPr>
+              <a:defRPr/>
+            </a:pPr>
             <a:fld id="{D997B5FA-0921-464F-AAE1-844C04324D75}" type="datetimeFigureOut">
-              <a:rPr lang="zh-CN" altLang="en-US" smtClean="0"/>
+              <a:rPr lang="zh-CN"/>
+              <a:t/>
             </a:fld>
-            <a:endParaRPr lang="zh-CN" altLang="en-US"/>
-          </a:p>
-        </p:txBody>
-      </p:sp>
-      <p:sp>
-        <p:nvSpPr>
-          <p:cNvPr id="5" name="页脚占位符 4"/>
-          <p:cNvSpPr>
-            <a:spLocks noGrp="1"/>
-          </p:cNvSpPr>
-          <p:nvPr>
-            <p:ph type="ftr" sz="quarter" idx="11"/>
-          </p:nvPr>
-        </p:nvSpPr>
-        <p:spPr/>
+            <a:endParaRPr lang="zh-CN"/>
+          </a:p>
+        </p:txBody>
+      </p:sp>
+      <p:sp>
+        <p:nvSpPr>
+          <p:cNvPr id="5" name="页脚占位符 4" hidden="0"/>
+          <p:cNvSpPr>
+            <a:spLocks noGrp="1"/>
+          </p:cNvSpPr>
+          <p:nvPr isPhoto="0" userDrawn="0">
+            <p:ph type="ftr" sz="quarter" idx="11" hasCustomPrompt="0"/>
+          </p:nvPr>
+        </p:nvSpPr>
+        <p:spPr bwMode="auto"/>
         <p:txBody>
           <a:bodyPr/>
           <a:lstStyle/>
           <a:p>
-            <a:endParaRPr lang="zh-CN" altLang="en-US"/>
-          </a:p>
-        </p:txBody>
-      </p:sp>
-      <p:sp>
-        <p:nvSpPr>
-          <p:cNvPr id="6" name="灯片编号占位符 5"/>
-          <p:cNvSpPr>
-            <a:spLocks noGrp="1"/>
-          </p:cNvSpPr>
-          <p:nvPr>
-            <p:ph type="sldNum" sz="quarter" idx="12"/>
-          </p:nvPr>
-        </p:nvSpPr>
-        <p:spPr/>
+            <a:pPr>
+              <a:defRPr/>
+            </a:pPr>
+            <a:endParaRPr lang="zh-CN"/>
+          </a:p>
+        </p:txBody>
+      </p:sp>
+      <p:sp>
+        <p:nvSpPr>
+          <p:cNvPr id="6" name="灯片编号占位符 5" hidden="0"/>
+          <p:cNvSpPr>
+            <a:spLocks noGrp="1"/>
+          </p:cNvSpPr>
+          <p:nvPr isPhoto="0" userDrawn="0">
+            <p:ph type="sldNum" sz="quarter" idx="12" hasCustomPrompt="0"/>
+          </p:nvPr>
+        </p:nvSpPr>
+        <p:spPr bwMode="auto"/>
         <p:txBody>
           <a:bodyPr/>
           <a:lstStyle/>
           <a:p>
+            <a:pPr>
+              <a:defRPr/>
+            </a:pPr>
             <a:fld id="{565CE74E-AB26-4998-AD42-012C4C1AD076}" type="slidenum">
-              <a:rPr lang="zh-CN" altLang="en-US" smtClean="0"/>
+              <a:rPr lang="zh-CN"/>
+              <a:t/>
             </a:fld>
-            <a:endParaRPr lang="zh-CN" altLang="en-US"/>
+            <a:endParaRPr lang="zh-CN"/>
           </a:p>
         </p:txBody>
       </p:sp>
@@ -1049,15 +1151,15 @@
 </file>
 
 <file path=ppt/slideLayouts/slideLayout4.xml><?xml version="1.0" encoding="utf-8"?>
-<p:sldLayout xmlns:a="http://schemas.openxmlformats.org/drawingml/2006/main" xmlns:r="http://schemas.openxmlformats.org/officeDocument/2006/relationships" xmlns:p="http://schemas.openxmlformats.org/presentationml/2006/main" type="twoObj" preserve="1">
+<p:sldLayout xmlns:a="http://schemas.openxmlformats.org/drawingml/2006/main" xmlns:r="http://schemas.openxmlformats.org/officeDocument/2006/relationships" xmlns:p="http://schemas.openxmlformats.org/presentationml/2006/main" xmlns:m="http://schemas.openxmlformats.org/officeDocument/2006/math" xmlns:w="http://schemas.openxmlformats.org/wordprocessingml/2006/main" matchingName="" preserve="1" showMasterPhAnim="0" type="twoObj" userDrawn="1">
   <p:cSld name="两栏内容">
     <p:spTree>
       <p:nvGrpSpPr>
-        <p:cNvPr id="1" name=""/>
+        <p:cNvPr id="1" name="" hidden="0"/>
         <p:cNvGrpSpPr/>
-        <p:nvPr/>
+        <p:nvPr isPhoto="0" userDrawn="0"/>
       </p:nvGrpSpPr>
-      <p:grpSpPr>
+      <p:grpSpPr bwMode="auto">
         <a:xfrm>
           <a:off x="0" y="0"/>
           <a:ext cx="0" cy="0"/>
@@ -1067,38 +1169,41 @@
       </p:grpSpPr>
       <p:sp>
         <p:nvSpPr>
-          <p:cNvPr id="2" name="标题 1"/>
-          <p:cNvSpPr>
-            <a:spLocks noGrp="1"/>
-          </p:cNvSpPr>
-          <p:nvPr>
-            <p:ph type="title"/>
-          </p:nvPr>
-        </p:nvSpPr>
-        <p:spPr/>
+          <p:cNvPr id="2" name="标题 1" hidden="0"/>
+          <p:cNvSpPr>
+            <a:spLocks noGrp="1"/>
+          </p:cNvSpPr>
+          <p:nvPr isPhoto="0" userDrawn="0">
+            <p:ph type="title" hasCustomPrompt="0"/>
+          </p:nvPr>
+        </p:nvSpPr>
+        <p:spPr bwMode="auto"/>
         <p:txBody>
           <a:bodyPr/>
           <a:lstStyle/>
           <a:p>
-            <a:r>
-              <a:rPr lang="zh-CN" altLang="en-US" smtClean="0"/>
+            <a:pPr>
+              <a:defRPr/>
+            </a:pPr>
+            <a:r>
+              <a:rPr lang="zh-CN"/>
               <a:t>单击此处编辑母版标题样式</a:t>
             </a:r>
-            <a:endParaRPr lang="zh-CN" altLang="en-US"/>
-          </a:p>
-        </p:txBody>
-      </p:sp>
-      <p:sp>
-        <p:nvSpPr>
-          <p:cNvPr id="3" name="内容占位符 2"/>
-          <p:cNvSpPr>
-            <a:spLocks noGrp="1"/>
-          </p:cNvSpPr>
-          <p:nvPr>
-            <p:ph sz="half" idx="1"/>
-          </p:nvPr>
-        </p:nvSpPr>
-        <p:spPr>
+            <a:endParaRPr lang="zh-CN"/>
+          </a:p>
+        </p:txBody>
+      </p:sp>
+      <p:sp>
+        <p:nvSpPr>
+          <p:cNvPr id="3" name="内容占位符 2" hidden="0"/>
+          <p:cNvSpPr>
+            <a:spLocks noGrp="1"/>
+          </p:cNvSpPr>
+          <p:nvPr isPhoto="0" userDrawn="0">
+            <p:ph sz="half" idx="1" hasCustomPrompt="0"/>
+          </p:nvPr>
+        </p:nvSpPr>
+        <p:spPr bwMode="auto">
           <a:xfrm>
             <a:off x="838200" y="1825625"/>
             <a:ext cx="5181600" cy="4351338"/>
@@ -1108,58 +1213,68 @@
           <a:bodyPr/>
           <a:lstStyle/>
           <a:p>
-            <a:pPr lvl="0"/>
-            <a:r>
-              <a:rPr lang="zh-CN" altLang="en-US" smtClean="0"/>
+            <a:pPr lvl="0">
+              <a:defRPr/>
+            </a:pPr>
+            <a:r>
+              <a:rPr lang="zh-CN"/>
               <a:t>单击此处编辑母版文本样式</a:t>
             </a:r>
-            <a:endParaRPr lang="zh-CN" altLang="en-US" smtClean="0"/>
-          </a:p>
-          <a:p>
-            <a:pPr lvl="1"/>
-            <a:r>
-              <a:rPr lang="zh-CN" altLang="en-US" smtClean="0"/>
+            <a:endParaRPr lang="zh-CN"/>
+          </a:p>
+          <a:p>
+            <a:pPr lvl="1">
+              <a:defRPr/>
+            </a:pPr>
+            <a:r>
+              <a:rPr lang="zh-CN"/>
               <a:t>第二级</a:t>
             </a:r>
-            <a:endParaRPr lang="zh-CN" altLang="en-US" smtClean="0"/>
-          </a:p>
-          <a:p>
-            <a:pPr lvl="2"/>
-            <a:r>
-              <a:rPr lang="zh-CN" altLang="en-US" smtClean="0"/>
+            <a:endParaRPr lang="zh-CN"/>
+          </a:p>
+          <a:p>
+            <a:pPr lvl="2">
+              <a:defRPr/>
+            </a:pPr>
+            <a:r>
+              <a:rPr lang="zh-CN"/>
               <a:t>第三级</a:t>
             </a:r>
-            <a:endParaRPr lang="zh-CN" altLang="en-US" smtClean="0"/>
-          </a:p>
-          <a:p>
-            <a:pPr lvl="3"/>
-            <a:r>
-              <a:rPr lang="zh-CN" altLang="en-US" smtClean="0"/>
+            <a:endParaRPr lang="zh-CN"/>
+          </a:p>
+          <a:p>
+            <a:pPr lvl="3">
+              <a:defRPr/>
+            </a:pPr>
+            <a:r>
+              <a:rPr lang="zh-CN"/>
               <a:t>第四级</a:t>
             </a:r>
-            <a:endParaRPr lang="zh-CN" altLang="en-US" smtClean="0"/>
-          </a:p>
-          <a:p>
-            <a:pPr lvl="4"/>
-            <a:r>
-              <a:rPr lang="zh-CN" altLang="en-US" smtClean="0"/>
+            <a:endParaRPr lang="zh-CN"/>
+          </a:p>
+          <a:p>
+            <a:pPr lvl="4">
+              <a:defRPr/>
+            </a:pPr>
+            <a:r>
+              <a:rPr lang="zh-CN"/>
               <a:t>第五级</a:t>
             </a:r>
-            <a:endParaRPr lang="zh-CN" altLang="en-US"/>
-          </a:p>
-        </p:txBody>
-      </p:sp>
-      <p:sp>
-        <p:nvSpPr>
-          <p:cNvPr id="4" name="内容占位符 3"/>
-          <p:cNvSpPr>
-            <a:spLocks noGrp="1"/>
-          </p:cNvSpPr>
-          <p:nvPr>
-            <p:ph sz="half" idx="2"/>
-          </p:nvPr>
-        </p:nvSpPr>
-        <p:spPr>
+            <a:endParaRPr lang="zh-CN"/>
+          </a:p>
+        </p:txBody>
+      </p:sp>
+      <p:sp>
+        <p:nvSpPr>
+          <p:cNvPr id="4" name="内容占位符 3" hidden="0"/>
+          <p:cNvSpPr>
+            <a:spLocks noGrp="1"/>
+          </p:cNvSpPr>
+          <p:nvPr isPhoto="0" userDrawn="0">
+            <p:ph sz="half" idx="2" hasCustomPrompt="0"/>
+          </p:nvPr>
+        </p:nvSpPr>
+        <p:spPr bwMode="auto">
           <a:xfrm>
             <a:off x="6172200" y="1825625"/>
             <a:ext cx="5181600" cy="4351338"/>
@@ -1169,107 +1284,128 @@
           <a:bodyPr/>
           <a:lstStyle/>
           <a:p>
-            <a:pPr lvl="0"/>
-            <a:r>
-              <a:rPr lang="zh-CN" altLang="en-US" smtClean="0"/>
+            <a:pPr lvl="0">
+              <a:defRPr/>
+            </a:pPr>
+            <a:r>
+              <a:rPr lang="zh-CN"/>
               <a:t>单击此处编辑母版文本样式</a:t>
             </a:r>
-            <a:endParaRPr lang="zh-CN" altLang="en-US" smtClean="0"/>
-          </a:p>
-          <a:p>
-            <a:pPr lvl="1"/>
-            <a:r>
-              <a:rPr lang="zh-CN" altLang="en-US" smtClean="0"/>
+            <a:endParaRPr lang="zh-CN"/>
+          </a:p>
+          <a:p>
+            <a:pPr lvl="1">
+              <a:defRPr/>
+            </a:pPr>
+            <a:r>
+              <a:rPr lang="zh-CN"/>
               <a:t>第二级</a:t>
             </a:r>
-            <a:endParaRPr lang="zh-CN" altLang="en-US" smtClean="0"/>
-          </a:p>
-          <a:p>
-            <a:pPr lvl="2"/>
-            <a:r>
-              <a:rPr lang="zh-CN" altLang="en-US" smtClean="0"/>
+            <a:endParaRPr lang="zh-CN"/>
+          </a:p>
+          <a:p>
+            <a:pPr lvl="2">
+              <a:defRPr/>
+            </a:pPr>
+            <a:r>
+              <a:rPr lang="zh-CN"/>
               <a:t>第三级</a:t>
             </a:r>
-            <a:endParaRPr lang="zh-CN" altLang="en-US" smtClean="0"/>
-          </a:p>
-          <a:p>
-            <a:pPr lvl="3"/>
-            <a:r>
-              <a:rPr lang="zh-CN" altLang="en-US" smtClean="0"/>
+            <a:endParaRPr lang="zh-CN"/>
+          </a:p>
+          <a:p>
+            <a:pPr lvl="3">
+              <a:defRPr/>
+            </a:pPr>
+            <a:r>
+              <a:rPr lang="zh-CN"/>
               <a:t>第四级</a:t>
             </a:r>
-            <a:endParaRPr lang="zh-CN" altLang="en-US" smtClean="0"/>
-          </a:p>
-          <a:p>
-            <a:pPr lvl="4"/>
-            <a:r>
-              <a:rPr lang="zh-CN" altLang="en-US" smtClean="0"/>
+            <a:endParaRPr lang="zh-CN"/>
+          </a:p>
+          <a:p>
+            <a:pPr lvl="4">
+              <a:defRPr/>
+            </a:pPr>
+            <a:r>
+              <a:rPr lang="zh-CN"/>
               <a:t>第五级</a:t>
             </a:r>
-            <a:endParaRPr lang="zh-CN" altLang="en-US"/>
-          </a:p>
-        </p:txBody>
-      </p:sp>
-      <p:sp>
-        <p:nvSpPr>
-          <p:cNvPr id="5" name="日期占位符 4"/>
-          <p:cNvSpPr>
-            <a:spLocks noGrp="1"/>
-          </p:cNvSpPr>
-          <p:nvPr>
-            <p:ph type="dt" sz="half" idx="10"/>
-          </p:nvPr>
-        </p:nvSpPr>
-        <p:spPr/>
+            <a:endParaRPr lang="zh-CN"/>
+          </a:p>
+        </p:txBody>
+      </p:sp>
+      <p:sp>
+        <p:nvSpPr>
+          <p:cNvPr id="5" name="日期占位符 4" hidden="0"/>
+          <p:cNvSpPr>
+            <a:spLocks noGrp="1"/>
+          </p:cNvSpPr>
+          <p:nvPr isPhoto="0" userDrawn="0">
+            <p:ph type="dt" sz="half" idx="10" hasCustomPrompt="0"/>
+          </p:nvPr>
+        </p:nvSpPr>
+        <p:spPr bwMode="auto"/>
         <p:txBody>
           <a:bodyPr/>
           <a:lstStyle/>
           <a:p>
+            <a:pPr>
+              <a:defRPr/>
+            </a:pPr>
             <a:fld id="{D997B5FA-0921-464F-AAE1-844C04324D75}" type="datetimeFigureOut">
-              <a:rPr lang="zh-CN" altLang="en-US" smtClean="0"/>
+              <a:rPr lang="zh-CN"/>
+              <a:t/>
             </a:fld>
-            <a:endParaRPr lang="zh-CN" altLang="en-US"/>
-          </a:p>
-        </p:txBody>
-      </p:sp>
-      <p:sp>
-        <p:nvSpPr>
-          <p:cNvPr id="6" name="页脚占位符 5"/>
-          <p:cNvSpPr>
-            <a:spLocks noGrp="1"/>
-          </p:cNvSpPr>
-          <p:nvPr>
-            <p:ph type="ftr" sz="quarter" idx="11"/>
-          </p:nvPr>
-        </p:nvSpPr>
-        <p:spPr/>
+            <a:endParaRPr lang="zh-CN"/>
+          </a:p>
+        </p:txBody>
+      </p:sp>
+      <p:sp>
+        <p:nvSpPr>
+          <p:cNvPr id="6" name="页脚占位符 5" hidden="0"/>
+          <p:cNvSpPr>
+            <a:spLocks noGrp="1"/>
+          </p:cNvSpPr>
+          <p:nvPr isPhoto="0" userDrawn="0">
+            <p:ph type="ftr" sz="quarter" idx="11" hasCustomPrompt="0"/>
+          </p:nvPr>
+        </p:nvSpPr>
+        <p:spPr bwMode="auto"/>
         <p:txBody>
           <a:bodyPr/>
           <a:lstStyle/>
           <a:p>
-            <a:endParaRPr lang="zh-CN" altLang="en-US"/>
-          </a:p>
-        </p:txBody>
-      </p:sp>
-      <p:sp>
-        <p:nvSpPr>
-          <p:cNvPr id="7" name="灯片编号占位符 6"/>
-          <p:cNvSpPr>
-            <a:spLocks noGrp="1"/>
-          </p:cNvSpPr>
-          <p:nvPr>
-            <p:ph type="sldNum" sz="quarter" idx="12"/>
-          </p:nvPr>
-        </p:nvSpPr>
-        <p:spPr/>
+            <a:pPr>
+              <a:defRPr/>
+            </a:pPr>
+            <a:endParaRPr lang="zh-CN"/>
+          </a:p>
+        </p:txBody>
+      </p:sp>
+      <p:sp>
+        <p:nvSpPr>
+          <p:cNvPr id="7" name="灯片编号占位符 6" hidden="0"/>
+          <p:cNvSpPr>
+            <a:spLocks noGrp="1"/>
+          </p:cNvSpPr>
+          <p:nvPr isPhoto="0" userDrawn="0">
+            <p:ph type="sldNum" sz="quarter" idx="12" hasCustomPrompt="0"/>
+          </p:nvPr>
+        </p:nvSpPr>
+        <p:spPr bwMode="auto"/>
         <p:txBody>
           <a:bodyPr/>
           <a:lstStyle/>
           <a:p>
+            <a:pPr>
+              <a:defRPr/>
+            </a:pPr>
             <a:fld id="{565CE74E-AB26-4998-AD42-012C4C1AD076}" type="slidenum">
-              <a:rPr lang="zh-CN" altLang="en-US" smtClean="0"/>
+              <a:rPr lang="zh-CN"/>
+              <a:t/>
             </a:fld>
-            <a:endParaRPr lang="zh-CN" altLang="en-US"/>
+            <a:endParaRPr lang="zh-CN"/>
           </a:p>
         </p:txBody>
       </p:sp>
@@ -1282,15 +1418,15 @@
 </file>
 
 <file path=ppt/slideLayouts/slideLayout5.xml><?xml version="1.0" encoding="utf-8"?>
-<p:sldLayout xmlns:a="http://schemas.openxmlformats.org/drawingml/2006/main" xmlns:r="http://schemas.openxmlformats.org/officeDocument/2006/relationships" xmlns:p="http://schemas.openxmlformats.org/presentationml/2006/main" type="twoTxTwoObj" preserve="1">
+<p:sldLayout xmlns:a="http://schemas.openxmlformats.org/drawingml/2006/main" xmlns:r="http://schemas.openxmlformats.org/officeDocument/2006/relationships" xmlns:p="http://schemas.openxmlformats.org/presentationml/2006/main" xmlns:m="http://schemas.openxmlformats.org/officeDocument/2006/math" xmlns:w="http://schemas.openxmlformats.org/wordprocessingml/2006/main" matchingName="" preserve="1" showMasterPhAnim="0" type="twoTxTwoObj" userDrawn="1">
   <p:cSld name="比较">
     <p:spTree>
       <p:nvGrpSpPr>
-        <p:cNvPr id="1" name=""/>
+        <p:cNvPr id="1" name="" hidden="0"/>
         <p:cNvGrpSpPr/>
-        <p:nvPr/>
+        <p:nvPr isPhoto="0" userDrawn="0"/>
       </p:nvGrpSpPr>
-      <p:grpSpPr>
+      <p:grpSpPr bwMode="auto">
         <a:xfrm>
           <a:off x="0" y="0"/>
           <a:ext cx="0" cy="0"/>
@@ -1300,15 +1436,15 @@
       </p:grpSpPr>
       <p:sp>
         <p:nvSpPr>
-          <p:cNvPr id="2" name="标题 1"/>
-          <p:cNvSpPr>
-            <a:spLocks noGrp="1"/>
-          </p:cNvSpPr>
-          <p:nvPr>
-            <p:ph type="title"/>
-          </p:nvPr>
-        </p:nvSpPr>
-        <p:spPr>
+          <p:cNvPr id="2" name="标题 1" hidden="0"/>
+          <p:cNvSpPr>
+            <a:spLocks noGrp="1"/>
+          </p:cNvSpPr>
+          <p:nvPr isPhoto="0" userDrawn="0">
+            <p:ph type="title" hasCustomPrompt="0"/>
+          </p:nvPr>
+        </p:nvSpPr>
+        <p:spPr bwMode="auto">
           <a:xfrm>
             <a:off x="839788" y="365125"/>
             <a:ext cx="10515600" cy="1325563"/>
@@ -1318,25 +1454,28 @@
           <a:bodyPr/>
           <a:lstStyle/>
           <a:p>
-            <a:r>
-              <a:rPr lang="zh-CN" altLang="en-US" smtClean="0"/>
+            <a:pPr>
+              <a:defRPr/>
+            </a:pPr>
+            <a:r>
+              <a:rPr lang="zh-CN"/>
               <a:t>单击此处编辑母版标题样式</a:t>
             </a:r>
-            <a:endParaRPr lang="zh-CN" altLang="en-US"/>
-          </a:p>
-        </p:txBody>
-      </p:sp>
-      <p:sp>
-        <p:nvSpPr>
-          <p:cNvPr id="3" name="文本占位符 2"/>
-          <p:cNvSpPr>
-            <a:spLocks noGrp="1"/>
-          </p:cNvSpPr>
-          <p:nvPr>
-            <p:ph type="body" idx="1"/>
-          </p:nvPr>
-        </p:nvSpPr>
-        <p:spPr>
+            <a:endParaRPr lang="zh-CN"/>
+          </a:p>
+        </p:txBody>
+      </p:sp>
+      <p:sp>
+        <p:nvSpPr>
+          <p:cNvPr id="3" name="文本占位符 2" hidden="0"/>
+          <p:cNvSpPr>
+            <a:spLocks noGrp="1"/>
+          </p:cNvSpPr>
+          <p:nvPr isPhoto="0" userDrawn="0">
+            <p:ph type="body" idx="1" hasCustomPrompt="0"/>
+          </p:nvPr>
+        </p:nvSpPr>
+        <p:spPr bwMode="auto">
           <a:xfrm>
             <a:off x="839788" y="1681163"/>
             <a:ext cx="5157787" cy="823912"/>
@@ -1383,28 +1522,30 @@
             </a:lvl9pPr>
           </a:lstStyle>
           <a:p>
-            <a:pPr lvl="0"/>
-            <a:r>
-              <a:rPr lang="zh-CN" altLang="en-US" smtClean="0"/>
+            <a:pPr lvl="0">
+              <a:defRPr/>
+            </a:pPr>
+            <a:r>
+              <a:rPr lang="zh-CN"/>
               <a:t>单击此处编辑母版文本样式</a:t>
             </a:r>
-            <a:endParaRPr lang="zh-CN" altLang="en-US" smtClean="0"/>
-          </a:p>
-        </p:txBody>
-      </p:sp>
-      <p:sp>
-        <p:nvSpPr>
-          <p:cNvPr id="4" name="内容占位符 3"/>
-          <p:cNvSpPr>
-            <a:spLocks noGrp="1"/>
-          </p:cNvSpPr>
-          <p:nvPr>
-            <p:ph sz="half" idx="2"/>
-          </p:nvPr>
-        </p:nvSpPr>
-        <p:spPr>
+            <a:endParaRPr lang="zh-CN"/>
+          </a:p>
+        </p:txBody>
+      </p:sp>
+      <p:sp>
+        <p:nvSpPr>
+          <p:cNvPr id="4" name="内容占位符 3" hidden="0"/>
+          <p:cNvSpPr>
+            <a:spLocks noGrp="1"/>
+          </p:cNvSpPr>
+          <p:nvPr isPhoto="0" userDrawn="0">
+            <p:ph sz="half" idx="2" hasCustomPrompt="0"/>
+          </p:nvPr>
+        </p:nvSpPr>
+        <p:spPr bwMode="auto">
           <a:xfrm>
-            <a:off x="839788" y="2505075"/>
+            <a:off x="839788" y="2505074"/>
             <a:ext cx="5157787" cy="3684588"/>
           </a:xfrm>
         </p:spPr>
@@ -1412,58 +1553,68 @@
           <a:bodyPr/>
           <a:lstStyle/>
           <a:p>
-            <a:pPr lvl="0"/>
-            <a:r>
-              <a:rPr lang="zh-CN" altLang="en-US" smtClean="0"/>
+            <a:pPr lvl="0">
+              <a:defRPr/>
+            </a:pPr>
+            <a:r>
+              <a:rPr lang="zh-CN"/>
               <a:t>单击此处编辑母版文本样式</a:t>
             </a:r>
-            <a:endParaRPr lang="zh-CN" altLang="en-US" smtClean="0"/>
-          </a:p>
-          <a:p>
-            <a:pPr lvl="1"/>
-            <a:r>
-              <a:rPr lang="zh-CN" altLang="en-US" smtClean="0"/>
+            <a:endParaRPr lang="zh-CN"/>
+          </a:p>
+          <a:p>
+            <a:pPr lvl="1">
+              <a:defRPr/>
+            </a:pPr>
+            <a:r>
+              <a:rPr lang="zh-CN"/>
               <a:t>第二级</a:t>
             </a:r>
-            <a:endParaRPr lang="zh-CN" altLang="en-US" smtClean="0"/>
-          </a:p>
-          <a:p>
-            <a:pPr lvl="2"/>
-            <a:r>
-              <a:rPr lang="zh-CN" altLang="en-US" smtClean="0"/>
+            <a:endParaRPr lang="zh-CN"/>
+          </a:p>
+          <a:p>
+            <a:pPr lvl="2">
+              <a:defRPr/>
+            </a:pPr>
+            <a:r>
+              <a:rPr lang="zh-CN"/>
               <a:t>第三级</a:t>
             </a:r>
-            <a:endParaRPr lang="zh-CN" altLang="en-US" smtClean="0"/>
-          </a:p>
-          <a:p>
-            <a:pPr lvl="3"/>
-            <a:r>
-              <a:rPr lang="zh-CN" altLang="en-US" smtClean="0"/>
+            <a:endParaRPr lang="zh-CN"/>
+          </a:p>
+          <a:p>
+            <a:pPr lvl="3">
+              <a:defRPr/>
+            </a:pPr>
+            <a:r>
+              <a:rPr lang="zh-CN"/>
               <a:t>第四级</a:t>
             </a:r>
-            <a:endParaRPr lang="zh-CN" altLang="en-US" smtClean="0"/>
-          </a:p>
-          <a:p>
-            <a:pPr lvl="4"/>
-            <a:r>
-              <a:rPr lang="zh-CN" altLang="en-US" smtClean="0"/>
+            <a:endParaRPr lang="zh-CN"/>
+          </a:p>
+          <a:p>
+            <a:pPr lvl="4">
+              <a:defRPr/>
+            </a:pPr>
+            <a:r>
+              <a:rPr lang="zh-CN"/>
               <a:t>第五级</a:t>
             </a:r>
-            <a:endParaRPr lang="zh-CN" altLang="en-US"/>
-          </a:p>
-        </p:txBody>
-      </p:sp>
-      <p:sp>
-        <p:nvSpPr>
-          <p:cNvPr id="5" name="文本占位符 4"/>
-          <p:cNvSpPr>
-            <a:spLocks noGrp="1"/>
-          </p:cNvSpPr>
-          <p:nvPr>
-            <p:ph type="body" sz="quarter" idx="3"/>
-          </p:nvPr>
-        </p:nvSpPr>
-        <p:spPr>
+            <a:endParaRPr lang="zh-CN"/>
+          </a:p>
+        </p:txBody>
+      </p:sp>
+      <p:sp>
+        <p:nvSpPr>
+          <p:cNvPr id="5" name="文本占位符 4" hidden="0"/>
+          <p:cNvSpPr>
+            <a:spLocks noGrp="1"/>
+          </p:cNvSpPr>
+          <p:nvPr isPhoto="0" userDrawn="0">
+            <p:ph type="body" sz="quarter" idx="3" hasCustomPrompt="0"/>
+          </p:nvPr>
+        </p:nvSpPr>
+        <p:spPr bwMode="auto">
           <a:xfrm>
             <a:off x="6172200" y="1681163"/>
             <a:ext cx="5183188" cy="823912"/>
@@ -1510,28 +1661,30 @@
             </a:lvl9pPr>
           </a:lstStyle>
           <a:p>
-            <a:pPr lvl="0"/>
-            <a:r>
-              <a:rPr lang="zh-CN" altLang="en-US" smtClean="0"/>
+            <a:pPr lvl="0">
+              <a:defRPr/>
+            </a:pPr>
+            <a:r>
+              <a:rPr lang="zh-CN"/>
               <a:t>单击此处编辑母版文本样式</a:t>
             </a:r>
-            <a:endParaRPr lang="zh-CN" altLang="en-US" smtClean="0"/>
-          </a:p>
-        </p:txBody>
-      </p:sp>
-      <p:sp>
-        <p:nvSpPr>
-          <p:cNvPr id="6" name="内容占位符 5"/>
-          <p:cNvSpPr>
-            <a:spLocks noGrp="1"/>
-          </p:cNvSpPr>
-          <p:nvPr>
-            <p:ph sz="quarter" idx="4"/>
-          </p:nvPr>
-        </p:nvSpPr>
-        <p:spPr>
+            <a:endParaRPr lang="zh-CN"/>
+          </a:p>
+        </p:txBody>
+      </p:sp>
+      <p:sp>
+        <p:nvSpPr>
+          <p:cNvPr id="6" name="内容占位符 5" hidden="0"/>
+          <p:cNvSpPr>
+            <a:spLocks noGrp="1"/>
+          </p:cNvSpPr>
+          <p:nvPr isPhoto="0" userDrawn="0">
+            <p:ph sz="quarter" idx="4" hasCustomPrompt="0"/>
+          </p:nvPr>
+        </p:nvSpPr>
+        <p:spPr bwMode="auto">
           <a:xfrm>
-            <a:off x="6172200" y="2505075"/>
+            <a:off x="6172200" y="2505074"/>
             <a:ext cx="5183188" cy="3684588"/>
           </a:xfrm>
         </p:spPr>
@@ -1539,107 +1692,128 @@
           <a:bodyPr/>
           <a:lstStyle/>
           <a:p>
-            <a:pPr lvl="0"/>
-            <a:r>
-              <a:rPr lang="zh-CN" altLang="en-US" smtClean="0"/>
+            <a:pPr lvl="0">
+              <a:defRPr/>
+            </a:pPr>
+            <a:r>
+              <a:rPr lang="zh-CN"/>
               <a:t>单击此处编辑母版文本样式</a:t>
             </a:r>
-            <a:endParaRPr lang="zh-CN" altLang="en-US" smtClean="0"/>
-          </a:p>
-          <a:p>
-            <a:pPr lvl="1"/>
-            <a:r>
-              <a:rPr lang="zh-CN" altLang="en-US" smtClean="0"/>
+            <a:endParaRPr lang="zh-CN"/>
+          </a:p>
+          <a:p>
+            <a:pPr lvl="1">
+              <a:defRPr/>
+            </a:pPr>
+            <a:r>
+              <a:rPr lang="zh-CN"/>
               <a:t>第二级</a:t>
             </a:r>
-            <a:endParaRPr lang="zh-CN" altLang="en-US" smtClean="0"/>
-          </a:p>
-          <a:p>
-            <a:pPr lvl="2"/>
-            <a:r>
-              <a:rPr lang="zh-CN" altLang="en-US" smtClean="0"/>
+            <a:endParaRPr lang="zh-CN"/>
+          </a:p>
+          <a:p>
+            <a:pPr lvl="2">
+              <a:defRPr/>
+            </a:pPr>
+            <a:r>
+              <a:rPr lang="zh-CN"/>
               <a:t>第三级</a:t>
             </a:r>
-            <a:endParaRPr lang="zh-CN" altLang="en-US" smtClean="0"/>
-          </a:p>
-          <a:p>
-            <a:pPr lvl="3"/>
-            <a:r>
-              <a:rPr lang="zh-CN" altLang="en-US" smtClean="0"/>
+            <a:endParaRPr lang="zh-CN"/>
+          </a:p>
+          <a:p>
+            <a:pPr lvl="3">
+              <a:defRPr/>
+            </a:pPr>
+            <a:r>
+              <a:rPr lang="zh-CN"/>
               <a:t>第四级</a:t>
             </a:r>
-            <a:endParaRPr lang="zh-CN" altLang="en-US" smtClean="0"/>
-          </a:p>
-          <a:p>
-            <a:pPr lvl="4"/>
-            <a:r>
-              <a:rPr lang="zh-CN" altLang="en-US" smtClean="0"/>
+            <a:endParaRPr lang="zh-CN"/>
+          </a:p>
+          <a:p>
+            <a:pPr lvl="4">
+              <a:defRPr/>
+            </a:pPr>
+            <a:r>
+              <a:rPr lang="zh-CN"/>
               <a:t>第五级</a:t>
             </a:r>
-            <a:endParaRPr lang="zh-CN" altLang="en-US"/>
-          </a:p>
-        </p:txBody>
-      </p:sp>
-      <p:sp>
-        <p:nvSpPr>
-          <p:cNvPr id="7" name="日期占位符 6"/>
-          <p:cNvSpPr>
-            <a:spLocks noGrp="1"/>
-          </p:cNvSpPr>
-          <p:nvPr>
-            <p:ph type="dt" sz="half" idx="10"/>
-          </p:nvPr>
-        </p:nvSpPr>
-        <p:spPr/>
+            <a:endParaRPr lang="zh-CN"/>
+          </a:p>
+        </p:txBody>
+      </p:sp>
+      <p:sp>
+        <p:nvSpPr>
+          <p:cNvPr id="7" name="日期占位符 6" hidden="0"/>
+          <p:cNvSpPr>
+            <a:spLocks noGrp="1"/>
+          </p:cNvSpPr>
+          <p:nvPr isPhoto="0" userDrawn="0">
+            <p:ph type="dt" sz="half" idx="10" hasCustomPrompt="0"/>
+          </p:nvPr>
+        </p:nvSpPr>
+        <p:spPr bwMode="auto"/>
         <p:txBody>
           <a:bodyPr/>
           <a:lstStyle/>
           <a:p>
+            <a:pPr>
+              <a:defRPr/>
+            </a:pPr>
             <a:fld id="{D997B5FA-0921-464F-AAE1-844C04324D75}" type="datetimeFigureOut">
-              <a:rPr lang="zh-CN" altLang="en-US" smtClean="0"/>
+              <a:rPr lang="zh-CN"/>
+              <a:t/>
             </a:fld>
-            <a:endParaRPr lang="zh-CN" altLang="en-US"/>
-          </a:p>
-        </p:txBody>
-      </p:sp>
-      <p:sp>
-        <p:nvSpPr>
-          <p:cNvPr id="8" name="页脚占位符 7"/>
-          <p:cNvSpPr>
-            <a:spLocks noGrp="1"/>
-          </p:cNvSpPr>
-          <p:nvPr>
-            <p:ph type="ftr" sz="quarter" idx="11"/>
-          </p:nvPr>
-        </p:nvSpPr>
-        <p:spPr/>
+            <a:endParaRPr lang="zh-CN"/>
+          </a:p>
+        </p:txBody>
+      </p:sp>
+      <p:sp>
+        <p:nvSpPr>
+          <p:cNvPr id="8" name="页脚占位符 7" hidden="0"/>
+          <p:cNvSpPr>
+            <a:spLocks noGrp="1"/>
+          </p:cNvSpPr>
+          <p:nvPr isPhoto="0" userDrawn="0">
+            <p:ph type="ftr" sz="quarter" idx="11" hasCustomPrompt="0"/>
+          </p:nvPr>
+        </p:nvSpPr>
+        <p:spPr bwMode="auto"/>
         <p:txBody>
           <a:bodyPr/>
           <a:lstStyle/>
           <a:p>
-            <a:endParaRPr lang="zh-CN" altLang="en-US"/>
-          </a:p>
-        </p:txBody>
-      </p:sp>
-      <p:sp>
-        <p:nvSpPr>
-          <p:cNvPr id="9" name="灯片编号占位符 8"/>
-          <p:cNvSpPr>
-            <a:spLocks noGrp="1"/>
-          </p:cNvSpPr>
-          <p:nvPr>
-            <p:ph type="sldNum" sz="quarter" idx="12"/>
-          </p:nvPr>
-        </p:nvSpPr>
-        <p:spPr/>
+            <a:pPr>
+              <a:defRPr/>
+            </a:pPr>
+            <a:endParaRPr lang="zh-CN"/>
+          </a:p>
+        </p:txBody>
+      </p:sp>
+      <p:sp>
+        <p:nvSpPr>
+          <p:cNvPr id="9" name="灯片编号占位符 8" hidden="0"/>
+          <p:cNvSpPr>
+            <a:spLocks noGrp="1"/>
+          </p:cNvSpPr>
+          <p:nvPr isPhoto="0" userDrawn="0">
+            <p:ph type="sldNum" sz="quarter" idx="12" hasCustomPrompt="0"/>
+          </p:nvPr>
+        </p:nvSpPr>
+        <p:spPr bwMode="auto"/>
         <p:txBody>
           <a:bodyPr/>
           <a:lstStyle/>
           <a:p>
+            <a:pPr>
+              <a:defRPr/>
+            </a:pPr>
             <a:fld id="{565CE74E-AB26-4998-AD42-012C4C1AD076}" type="slidenum">
-              <a:rPr lang="zh-CN" altLang="en-US" smtClean="0"/>
+              <a:rPr lang="zh-CN"/>
+              <a:t/>
             </a:fld>
-            <a:endParaRPr lang="zh-CN" altLang="en-US"/>
+            <a:endParaRPr lang="zh-CN"/>
           </a:p>
         </p:txBody>
       </p:sp>
@@ -1652,15 +1826,15 @@
 </file>
 
 <file path=ppt/slideLayouts/slideLayout6.xml><?xml version="1.0" encoding="utf-8"?>
-<p:sldLayout xmlns:a="http://schemas.openxmlformats.org/drawingml/2006/main" xmlns:r="http://schemas.openxmlformats.org/officeDocument/2006/relationships" xmlns:p="http://schemas.openxmlformats.org/presentationml/2006/main" type="titleOnly" preserve="1">
+<p:sldLayout xmlns:a="http://schemas.openxmlformats.org/drawingml/2006/main" xmlns:r="http://schemas.openxmlformats.org/officeDocument/2006/relationships" xmlns:p="http://schemas.openxmlformats.org/presentationml/2006/main" xmlns:m="http://schemas.openxmlformats.org/officeDocument/2006/math" xmlns:w="http://schemas.openxmlformats.org/wordprocessingml/2006/main" matchingName="" preserve="1" showMasterPhAnim="0" type="titleOnly" userDrawn="1">
   <p:cSld name="仅标题">
     <p:spTree>
       <p:nvGrpSpPr>
-        <p:cNvPr id="1" name=""/>
+        <p:cNvPr id="1" name="" hidden="0"/>
         <p:cNvGrpSpPr/>
-        <p:nvPr/>
+        <p:nvPr isPhoto="0" userDrawn="0"/>
       </p:nvGrpSpPr>
-      <p:grpSpPr>
+      <p:grpSpPr bwMode="auto">
         <a:xfrm>
           <a:off x="0" y="0"/>
           <a:ext cx="0" cy="0"/>
@@ -1670,87 +1844,101 @@
       </p:grpSpPr>
       <p:sp>
         <p:nvSpPr>
-          <p:cNvPr id="2" name="标题 1"/>
-          <p:cNvSpPr>
-            <a:spLocks noGrp="1"/>
-          </p:cNvSpPr>
-          <p:nvPr>
-            <p:ph type="title"/>
-          </p:nvPr>
-        </p:nvSpPr>
-        <p:spPr/>
+          <p:cNvPr id="2" name="标题 1" hidden="0"/>
+          <p:cNvSpPr>
+            <a:spLocks noGrp="1"/>
+          </p:cNvSpPr>
+          <p:nvPr isPhoto="0" userDrawn="0">
+            <p:ph type="title" hasCustomPrompt="0"/>
+          </p:nvPr>
+        </p:nvSpPr>
+        <p:spPr bwMode="auto"/>
         <p:txBody>
           <a:bodyPr/>
           <a:lstStyle/>
           <a:p>
-            <a:r>
-              <a:rPr lang="zh-CN" altLang="en-US" smtClean="0"/>
+            <a:pPr>
+              <a:defRPr/>
+            </a:pPr>
+            <a:r>
+              <a:rPr lang="zh-CN"/>
               <a:t>单击此处编辑母版标题样式</a:t>
             </a:r>
-            <a:endParaRPr lang="zh-CN" altLang="en-US"/>
-          </a:p>
-        </p:txBody>
-      </p:sp>
-      <p:sp>
-        <p:nvSpPr>
-          <p:cNvPr id="3" name="日期占位符 2"/>
-          <p:cNvSpPr>
-            <a:spLocks noGrp="1"/>
-          </p:cNvSpPr>
-          <p:nvPr>
-            <p:ph type="dt" sz="half" idx="10"/>
-          </p:nvPr>
-        </p:nvSpPr>
-        <p:spPr/>
+            <a:endParaRPr lang="zh-CN"/>
+          </a:p>
+        </p:txBody>
+      </p:sp>
+      <p:sp>
+        <p:nvSpPr>
+          <p:cNvPr id="3" name="日期占位符 2" hidden="0"/>
+          <p:cNvSpPr>
+            <a:spLocks noGrp="1"/>
+          </p:cNvSpPr>
+          <p:nvPr isPhoto="0" userDrawn="0">
+            <p:ph type="dt" sz="half" idx="10" hasCustomPrompt="0"/>
+          </p:nvPr>
+        </p:nvSpPr>
+        <p:spPr bwMode="auto"/>
         <p:txBody>
           <a:bodyPr/>
           <a:lstStyle/>
           <a:p>
+            <a:pPr>
+              <a:defRPr/>
+            </a:pPr>
             <a:fld id="{D997B5FA-0921-464F-AAE1-844C04324D75}" type="datetimeFigureOut">
-              <a:rPr lang="zh-CN" altLang="en-US" smtClean="0"/>
+              <a:rPr lang="zh-CN"/>
+              <a:t/>
             </a:fld>
-            <a:endParaRPr lang="zh-CN" altLang="en-US"/>
-          </a:p>
-        </p:txBody>
-      </p:sp>
-      <p:sp>
-        <p:nvSpPr>
-          <p:cNvPr id="4" name="页脚占位符 3"/>
-          <p:cNvSpPr>
-            <a:spLocks noGrp="1"/>
-          </p:cNvSpPr>
-          <p:nvPr>
-            <p:ph type="ftr" sz="quarter" idx="11"/>
-          </p:nvPr>
-        </p:nvSpPr>
-        <p:spPr/>
+            <a:endParaRPr lang="zh-CN"/>
+          </a:p>
+        </p:txBody>
+      </p:sp>
+      <p:sp>
+        <p:nvSpPr>
+          <p:cNvPr id="4" name="页脚占位符 3" hidden="0"/>
+          <p:cNvSpPr>
+            <a:spLocks noGrp="1"/>
+          </p:cNvSpPr>
+          <p:nvPr isPhoto="0" userDrawn="0">
+            <p:ph type="ftr" sz="quarter" idx="11" hasCustomPrompt="0"/>
+          </p:nvPr>
+        </p:nvSpPr>
+        <p:spPr bwMode="auto"/>
         <p:txBody>
           <a:bodyPr/>
           <a:lstStyle/>
           <a:p>
-            <a:endParaRPr lang="zh-CN" altLang="en-US"/>
-          </a:p>
-        </p:txBody>
-      </p:sp>
-      <p:sp>
-        <p:nvSpPr>
-          <p:cNvPr id="5" name="灯片编号占位符 4"/>
-          <p:cNvSpPr>
-            <a:spLocks noGrp="1"/>
-          </p:cNvSpPr>
-          <p:nvPr>
-            <p:ph type="sldNum" sz="quarter" idx="12"/>
-          </p:nvPr>
-        </p:nvSpPr>
-        <p:spPr/>
+            <a:pPr>
+              <a:defRPr/>
+            </a:pPr>
+            <a:endParaRPr lang="zh-CN"/>
+          </a:p>
+        </p:txBody>
+      </p:sp>
+      <p:sp>
+        <p:nvSpPr>
+          <p:cNvPr id="5" name="灯片编号占位符 4" hidden="0"/>
+          <p:cNvSpPr>
+            <a:spLocks noGrp="1"/>
+          </p:cNvSpPr>
+          <p:nvPr isPhoto="0" userDrawn="0">
+            <p:ph type="sldNum" sz="quarter" idx="12" hasCustomPrompt="0"/>
+          </p:nvPr>
+        </p:nvSpPr>
+        <p:spPr bwMode="auto"/>
         <p:txBody>
           <a:bodyPr/>
           <a:lstStyle/>
           <a:p>
+            <a:pPr>
+              <a:defRPr/>
+            </a:pPr>
             <a:fld id="{565CE74E-AB26-4998-AD42-012C4C1AD076}" type="slidenum">
-              <a:rPr lang="zh-CN" altLang="en-US" smtClean="0"/>
+              <a:rPr lang="zh-CN"/>
+              <a:t/>
             </a:fld>
-            <a:endParaRPr lang="zh-CN" altLang="en-US"/>
+            <a:endParaRPr lang="zh-CN"/>
           </a:p>
         </p:txBody>
       </p:sp>
@@ -1763,15 +1951,15 @@
 </file>
 
 <file path=ppt/slideLayouts/slideLayout7.xml><?xml version="1.0" encoding="utf-8"?>
-<p:sldLayout xmlns:a="http://schemas.openxmlformats.org/drawingml/2006/main" xmlns:r="http://schemas.openxmlformats.org/officeDocument/2006/relationships" xmlns:p="http://schemas.openxmlformats.org/presentationml/2006/main" type="blank" preserve="1">
+<p:sldLayout xmlns:a="http://schemas.openxmlformats.org/drawingml/2006/main" xmlns:r="http://schemas.openxmlformats.org/officeDocument/2006/relationships" xmlns:p="http://schemas.openxmlformats.org/presentationml/2006/main" xmlns:m="http://schemas.openxmlformats.org/officeDocument/2006/math" xmlns:w="http://schemas.openxmlformats.org/wordprocessingml/2006/main" matchingName="" preserve="1" showMasterPhAnim="0" type="blank" userDrawn="1">
   <p:cSld name="空白">
     <p:spTree>
       <p:nvGrpSpPr>
-        <p:cNvPr id="1" name=""/>
+        <p:cNvPr id="1" name="" hidden="0"/>
         <p:cNvGrpSpPr/>
-        <p:nvPr/>
+        <p:nvPr isPhoto="0" userDrawn="0"/>
       </p:nvGrpSpPr>
-      <p:grpSpPr>
+      <p:grpSpPr bwMode="auto">
         <a:xfrm>
           <a:off x="0" y="0"/>
           <a:ext cx="0" cy="0"/>
@@ -1781,64 +1969,75 @@
       </p:grpSpPr>
       <p:sp>
         <p:nvSpPr>
-          <p:cNvPr id="2" name="日期占位符 1"/>
-          <p:cNvSpPr>
-            <a:spLocks noGrp="1"/>
-          </p:cNvSpPr>
-          <p:nvPr>
-            <p:ph type="dt" sz="half" idx="10"/>
-          </p:nvPr>
-        </p:nvSpPr>
-        <p:spPr/>
+          <p:cNvPr id="2" name="日期占位符 1" hidden="0"/>
+          <p:cNvSpPr>
+            <a:spLocks noGrp="1"/>
+          </p:cNvSpPr>
+          <p:nvPr isPhoto="0" userDrawn="0">
+            <p:ph type="dt" sz="half" idx="10" hasCustomPrompt="0"/>
+          </p:nvPr>
+        </p:nvSpPr>
+        <p:spPr bwMode="auto"/>
         <p:txBody>
           <a:bodyPr/>
           <a:lstStyle/>
           <a:p>
+            <a:pPr>
+              <a:defRPr/>
+            </a:pPr>
             <a:fld id="{D997B5FA-0921-464F-AAE1-844C04324D75}" type="datetimeFigureOut">
-              <a:rPr lang="zh-CN" altLang="en-US" smtClean="0"/>
+              <a:rPr lang="zh-CN"/>
+              <a:t/>
             </a:fld>
-            <a:endParaRPr lang="zh-CN" altLang="en-US"/>
-          </a:p>
-        </p:txBody>
-      </p:sp>
-      <p:sp>
-        <p:nvSpPr>
-          <p:cNvPr id="3" name="页脚占位符 2"/>
-          <p:cNvSpPr>
-            <a:spLocks noGrp="1"/>
-          </p:cNvSpPr>
-          <p:nvPr>
-            <p:ph type="ftr" sz="quarter" idx="11"/>
-          </p:nvPr>
-        </p:nvSpPr>
-        <p:spPr/>
+            <a:endParaRPr lang="zh-CN"/>
+          </a:p>
+        </p:txBody>
+      </p:sp>
+      <p:sp>
+        <p:nvSpPr>
+          <p:cNvPr id="3" name="页脚占位符 2" hidden="0"/>
+          <p:cNvSpPr>
+            <a:spLocks noGrp="1"/>
+          </p:cNvSpPr>
+          <p:nvPr isPhoto="0" userDrawn="0">
+            <p:ph type="ftr" sz="quarter" idx="11" hasCustomPrompt="0"/>
+          </p:nvPr>
+        </p:nvSpPr>
+        <p:spPr bwMode="auto"/>
         <p:txBody>
           <a:bodyPr/>
           <a:lstStyle/>
           <a:p>
-            <a:endParaRPr lang="zh-CN" altLang="en-US"/>
-          </a:p>
-        </p:txBody>
-      </p:sp>
-      <p:sp>
-        <p:nvSpPr>
-          <p:cNvPr id="4" name="灯片编号占位符 3"/>
-          <p:cNvSpPr>
-            <a:spLocks noGrp="1"/>
-          </p:cNvSpPr>
-          <p:nvPr>
-            <p:ph type="sldNum" sz="quarter" idx="12"/>
-          </p:nvPr>
-        </p:nvSpPr>
-        <p:spPr/>
+            <a:pPr>
+              <a:defRPr/>
+            </a:pPr>
+            <a:endParaRPr lang="zh-CN"/>
+          </a:p>
+        </p:txBody>
+      </p:sp>
+      <p:sp>
+        <p:nvSpPr>
+          <p:cNvPr id="4" name="灯片编号占位符 3" hidden="0"/>
+          <p:cNvSpPr>
+            <a:spLocks noGrp="1"/>
+          </p:cNvSpPr>
+          <p:nvPr isPhoto="0" userDrawn="0">
+            <p:ph type="sldNum" sz="quarter" idx="12" hasCustomPrompt="0"/>
+          </p:nvPr>
+        </p:nvSpPr>
+        <p:spPr bwMode="auto"/>
         <p:txBody>
           <a:bodyPr/>
           <a:lstStyle/>
           <a:p>
+            <a:pPr>
+              <a:defRPr/>
+            </a:pPr>
             <a:fld id="{565CE74E-AB26-4998-AD42-012C4C1AD076}" type="slidenum">
-              <a:rPr lang="zh-CN" altLang="en-US" smtClean="0"/>
+              <a:rPr lang="zh-CN"/>
+              <a:t/>
             </a:fld>
-            <a:endParaRPr lang="zh-CN" altLang="en-US"/>
+            <a:endParaRPr lang="zh-CN"/>
           </a:p>
         </p:txBody>
       </p:sp>
@@ -1851,15 +2050,15 @@
 </file>
 
 <file path=ppt/slideLayouts/slideLayout8.xml><?xml version="1.0" encoding="utf-8"?>
-<p:sldLayout xmlns:a="http://schemas.openxmlformats.org/drawingml/2006/main" xmlns:r="http://schemas.openxmlformats.org/officeDocument/2006/relationships" xmlns:p="http://schemas.openxmlformats.org/presentationml/2006/main" type="objTx" preserve="1">
+<p:sldLayout xmlns:a="http://schemas.openxmlformats.org/drawingml/2006/main" xmlns:r="http://schemas.openxmlformats.org/officeDocument/2006/relationships" xmlns:p="http://schemas.openxmlformats.org/presentationml/2006/main" xmlns:m="http://schemas.openxmlformats.org/officeDocument/2006/math" xmlns:w="http://schemas.openxmlformats.org/wordprocessingml/2006/main" matchingName="" preserve="1" showMasterPhAnim="0" type="objTx" userDrawn="1">
   <p:cSld name="内容与标题">
     <p:spTree>
       <p:nvGrpSpPr>
-        <p:cNvPr id="1" name=""/>
+        <p:cNvPr id="1" name="" hidden="0"/>
         <p:cNvGrpSpPr/>
-        <p:nvPr/>
+        <p:nvPr isPhoto="0" userDrawn="0"/>
       </p:nvGrpSpPr>
-      <p:grpSpPr>
+      <p:grpSpPr bwMode="auto">
         <a:xfrm>
           <a:off x="0" y="0"/>
           <a:ext cx="0" cy="0"/>
@@ -1869,15 +2068,15 @@
       </p:grpSpPr>
       <p:sp>
         <p:nvSpPr>
-          <p:cNvPr id="2" name="标题 1"/>
-          <p:cNvSpPr>
-            <a:spLocks noGrp="1"/>
-          </p:cNvSpPr>
-          <p:nvPr>
-            <p:ph type="title"/>
-          </p:nvPr>
-        </p:nvSpPr>
-        <p:spPr>
+          <p:cNvPr id="2" name="标题 1" hidden="0"/>
+          <p:cNvSpPr>
+            <a:spLocks noGrp="1"/>
+          </p:cNvSpPr>
+          <p:nvPr isPhoto="0" userDrawn="0">
+            <p:ph type="title" hasCustomPrompt="0"/>
+          </p:nvPr>
+        </p:nvSpPr>
+        <p:spPr bwMode="auto">
           <a:xfrm>
             <a:off x="839788" y="457200"/>
             <a:ext cx="3932237" cy="1600200"/>
@@ -1891,25 +2090,28 @@
             </a:lvl1pPr>
           </a:lstStyle>
           <a:p>
-            <a:r>
-              <a:rPr lang="zh-CN" altLang="en-US" smtClean="0"/>
+            <a:pPr>
+              <a:defRPr/>
+            </a:pPr>
+            <a:r>
+              <a:rPr lang="zh-CN"/>
               <a:t>单击此处编辑母版标题样式</a:t>
             </a:r>
-            <a:endParaRPr lang="zh-CN" altLang="en-US"/>
-          </a:p>
-        </p:txBody>
-      </p:sp>
-      <p:sp>
-        <p:nvSpPr>
-          <p:cNvPr id="3" name="内容占位符 2"/>
-          <p:cNvSpPr>
-            <a:spLocks noGrp="1"/>
-          </p:cNvSpPr>
-          <p:nvPr>
-            <p:ph idx="1"/>
-          </p:nvPr>
-        </p:nvSpPr>
-        <p:spPr>
+            <a:endParaRPr lang="zh-CN"/>
+          </a:p>
+        </p:txBody>
+      </p:sp>
+      <p:sp>
+        <p:nvSpPr>
+          <p:cNvPr id="3" name="内容占位符 2" hidden="0"/>
+          <p:cNvSpPr>
+            <a:spLocks noGrp="1"/>
+          </p:cNvSpPr>
+          <p:nvPr isPhoto="0" userDrawn="0">
+            <p:ph idx="1" hasCustomPrompt="0"/>
+          </p:nvPr>
+        </p:nvSpPr>
+        <p:spPr bwMode="auto">
           <a:xfrm>
             <a:off x="5183188" y="987425"/>
             <a:ext cx="6172200" cy="4873625"/>
@@ -1947,58 +2149,68 @@
             </a:lvl9pPr>
           </a:lstStyle>
           <a:p>
-            <a:pPr lvl="0"/>
-            <a:r>
-              <a:rPr lang="zh-CN" altLang="en-US" smtClean="0"/>
+            <a:pPr lvl="0">
+              <a:defRPr/>
+            </a:pPr>
+            <a:r>
+              <a:rPr lang="zh-CN"/>
               <a:t>单击此处编辑母版文本样式</a:t>
             </a:r>
-            <a:endParaRPr lang="zh-CN" altLang="en-US" smtClean="0"/>
-          </a:p>
-          <a:p>
-            <a:pPr lvl="1"/>
-            <a:r>
-              <a:rPr lang="zh-CN" altLang="en-US" smtClean="0"/>
+            <a:endParaRPr lang="zh-CN"/>
+          </a:p>
+          <a:p>
+            <a:pPr lvl="1">
+              <a:defRPr/>
+            </a:pPr>
+            <a:r>
+              <a:rPr lang="zh-CN"/>
               <a:t>第二级</a:t>
             </a:r>
-            <a:endParaRPr lang="zh-CN" altLang="en-US" smtClean="0"/>
-          </a:p>
-          <a:p>
-            <a:pPr lvl="2"/>
-            <a:r>
-              <a:rPr lang="zh-CN" altLang="en-US" smtClean="0"/>
+            <a:endParaRPr lang="zh-CN"/>
+          </a:p>
+          <a:p>
+            <a:pPr lvl="2">
+              <a:defRPr/>
+            </a:pPr>
+            <a:r>
+              <a:rPr lang="zh-CN"/>
               <a:t>第三级</a:t>
             </a:r>
-            <a:endParaRPr lang="zh-CN" altLang="en-US" smtClean="0"/>
-          </a:p>
-          <a:p>
-            <a:pPr lvl="3"/>
-            <a:r>
-              <a:rPr lang="zh-CN" altLang="en-US" smtClean="0"/>
+            <a:endParaRPr lang="zh-CN"/>
+          </a:p>
+          <a:p>
+            <a:pPr lvl="3">
+              <a:defRPr/>
+            </a:pPr>
+            <a:r>
+              <a:rPr lang="zh-CN"/>
               <a:t>第四级</a:t>
             </a:r>
-            <a:endParaRPr lang="zh-CN" altLang="en-US" smtClean="0"/>
-          </a:p>
-          <a:p>
-            <a:pPr lvl="4"/>
-            <a:r>
-              <a:rPr lang="zh-CN" altLang="en-US" smtClean="0"/>
+            <a:endParaRPr lang="zh-CN"/>
+          </a:p>
+          <a:p>
+            <a:pPr lvl="4">
+              <a:defRPr/>
+            </a:pPr>
+            <a:r>
+              <a:rPr lang="zh-CN"/>
               <a:t>第五级</a:t>
             </a:r>
-            <a:endParaRPr lang="zh-CN" altLang="en-US"/>
-          </a:p>
-        </p:txBody>
-      </p:sp>
-      <p:sp>
-        <p:nvSpPr>
-          <p:cNvPr id="4" name="文本占位符 3"/>
-          <p:cNvSpPr>
-            <a:spLocks noGrp="1"/>
-          </p:cNvSpPr>
-          <p:nvPr>
-            <p:ph type="body" sz="half" idx="2"/>
-          </p:nvPr>
-        </p:nvSpPr>
-        <p:spPr>
+            <a:endParaRPr lang="zh-CN"/>
+          </a:p>
+        </p:txBody>
+      </p:sp>
+      <p:sp>
+        <p:nvSpPr>
+          <p:cNvPr id="4" name="文本占位符 3" hidden="0"/>
+          <p:cNvSpPr>
+            <a:spLocks noGrp="1"/>
+          </p:cNvSpPr>
+          <p:nvPr isPhoto="0" userDrawn="0">
+            <p:ph type="body" sz="half" idx="2" hasCustomPrompt="0"/>
+          </p:nvPr>
+        </p:nvSpPr>
+        <p:spPr bwMode="auto">
           <a:xfrm>
             <a:off x="839788" y="2057400"/>
             <a:ext cx="3932237" cy="3811588"/>
@@ -2045,75 +2257,88 @@
             </a:lvl9pPr>
           </a:lstStyle>
           <a:p>
-            <a:pPr lvl="0"/>
-            <a:r>
-              <a:rPr lang="zh-CN" altLang="en-US" smtClean="0"/>
+            <a:pPr lvl="0">
+              <a:defRPr/>
+            </a:pPr>
+            <a:r>
+              <a:rPr lang="zh-CN"/>
               <a:t>单击此处编辑母版文本样式</a:t>
             </a:r>
-            <a:endParaRPr lang="zh-CN" altLang="en-US" smtClean="0"/>
-          </a:p>
-        </p:txBody>
-      </p:sp>
-      <p:sp>
-        <p:nvSpPr>
-          <p:cNvPr id="5" name="日期占位符 4"/>
-          <p:cNvSpPr>
-            <a:spLocks noGrp="1"/>
-          </p:cNvSpPr>
-          <p:nvPr>
-            <p:ph type="dt" sz="half" idx="10"/>
-          </p:nvPr>
-        </p:nvSpPr>
-        <p:spPr/>
+            <a:endParaRPr lang="zh-CN"/>
+          </a:p>
+        </p:txBody>
+      </p:sp>
+      <p:sp>
+        <p:nvSpPr>
+          <p:cNvPr id="5" name="日期占位符 4" hidden="0"/>
+          <p:cNvSpPr>
+            <a:spLocks noGrp="1"/>
+          </p:cNvSpPr>
+          <p:nvPr isPhoto="0" userDrawn="0">
+            <p:ph type="dt" sz="half" idx="10" hasCustomPrompt="0"/>
+          </p:nvPr>
+        </p:nvSpPr>
+        <p:spPr bwMode="auto"/>
         <p:txBody>
           <a:bodyPr/>
           <a:lstStyle/>
           <a:p>
+            <a:pPr>
+              <a:defRPr/>
+            </a:pPr>
             <a:fld id="{D997B5FA-0921-464F-AAE1-844C04324D75}" type="datetimeFigureOut">
-              <a:rPr lang="zh-CN" altLang="en-US" smtClean="0"/>
+              <a:rPr lang="zh-CN"/>
+              <a:t/>
             </a:fld>
-            <a:endParaRPr lang="zh-CN" altLang="en-US"/>
-          </a:p>
-        </p:txBody>
-      </p:sp>
-      <p:sp>
-        <p:nvSpPr>
-          <p:cNvPr id="6" name="页脚占位符 5"/>
-          <p:cNvSpPr>
-            <a:spLocks noGrp="1"/>
-          </p:cNvSpPr>
-          <p:nvPr>
-            <p:ph type="ftr" sz="quarter" idx="11"/>
-          </p:nvPr>
-        </p:nvSpPr>
-        <p:spPr/>
+            <a:endParaRPr lang="zh-CN"/>
+          </a:p>
+        </p:txBody>
+      </p:sp>
+      <p:sp>
+        <p:nvSpPr>
+          <p:cNvPr id="6" name="页脚占位符 5" hidden="0"/>
+          <p:cNvSpPr>
+            <a:spLocks noGrp="1"/>
+          </p:cNvSpPr>
+          <p:nvPr isPhoto="0" userDrawn="0">
+            <p:ph type="ftr" sz="quarter" idx="11" hasCustomPrompt="0"/>
+          </p:nvPr>
+        </p:nvSpPr>
+        <p:spPr bwMode="auto"/>
         <p:txBody>
           <a:bodyPr/>
           <a:lstStyle/>
           <a:p>
-            <a:endParaRPr lang="zh-CN" altLang="en-US"/>
-          </a:p>
-        </p:txBody>
-      </p:sp>
-      <p:sp>
-        <p:nvSpPr>
-          <p:cNvPr id="7" name="灯片编号占位符 6"/>
-          <p:cNvSpPr>
-            <a:spLocks noGrp="1"/>
-          </p:cNvSpPr>
-          <p:nvPr>
-            <p:ph type="sldNum" sz="quarter" idx="12"/>
-          </p:nvPr>
-        </p:nvSpPr>
-        <p:spPr/>
+            <a:pPr>
+              <a:defRPr/>
+            </a:pPr>
+            <a:endParaRPr lang="zh-CN"/>
+          </a:p>
+        </p:txBody>
+      </p:sp>
+      <p:sp>
+        <p:nvSpPr>
+          <p:cNvPr id="7" name="灯片编号占位符 6" hidden="0"/>
+          <p:cNvSpPr>
+            <a:spLocks noGrp="1"/>
+          </p:cNvSpPr>
+          <p:nvPr isPhoto="0" userDrawn="0">
+            <p:ph type="sldNum" sz="quarter" idx="12" hasCustomPrompt="0"/>
+          </p:nvPr>
+        </p:nvSpPr>
+        <p:spPr bwMode="auto"/>
         <p:txBody>
           <a:bodyPr/>
           <a:lstStyle/>
           <a:p>
+            <a:pPr>
+              <a:defRPr/>
+            </a:pPr>
             <a:fld id="{565CE74E-AB26-4998-AD42-012C4C1AD076}" type="slidenum">
-              <a:rPr lang="zh-CN" altLang="en-US" smtClean="0"/>
+              <a:rPr lang="zh-CN"/>
+              <a:t/>
             </a:fld>
-            <a:endParaRPr lang="zh-CN" altLang="en-US"/>
+            <a:endParaRPr lang="zh-CN"/>
           </a:p>
         </p:txBody>
       </p:sp>
@@ -2126,15 +2351,15 @@
 </file>
 
 <file path=ppt/slideLayouts/slideLayout9.xml><?xml version="1.0" encoding="utf-8"?>
-<p:sldLayout xmlns:a="http://schemas.openxmlformats.org/drawingml/2006/main" xmlns:r="http://schemas.openxmlformats.org/officeDocument/2006/relationships" xmlns:p="http://schemas.openxmlformats.org/presentationml/2006/main" type="picTx" preserve="1">
+<p:sldLayout xmlns:a="http://schemas.openxmlformats.org/drawingml/2006/main" xmlns:r="http://schemas.openxmlformats.org/officeDocument/2006/relationships" xmlns:p="http://schemas.openxmlformats.org/presentationml/2006/main" xmlns:m="http://schemas.openxmlformats.org/officeDocument/2006/math" xmlns:w="http://schemas.openxmlformats.org/wordprocessingml/2006/main" matchingName="" preserve="1" showMasterPhAnim="0" type="picTx" userDrawn="1">
   <p:cSld name="图片与标题">
     <p:spTree>
       <p:nvGrpSpPr>
-        <p:cNvPr id="1" name=""/>
+        <p:cNvPr id="1" name="" hidden="0"/>
         <p:cNvGrpSpPr/>
-        <p:nvPr/>
+        <p:nvPr isPhoto="0" userDrawn="0"/>
       </p:nvGrpSpPr>
-      <p:grpSpPr>
+      <p:grpSpPr bwMode="auto">
         <a:xfrm>
           <a:off x="0" y="0"/>
           <a:ext cx="0" cy="0"/>
@@ -2144,15 +2369,15 @@
       </p:grpSpPr>
       <p:sp>
         <p:nvSpPr>
-          <p:cNvPr id="2" name="标题 1"/>
-          <p:cNvSpPr>
-            <a:spLocks noGrp="1"/>
-          </p:cNvSpPr>
-          <p:nvPr>
-            <p:ph type="title"/>
-          </p:nvPr>
-        </p:nvSpPr>
-        <p:spPr>
+          <p:cNvPr id="2" name="标题 1" hidden="0"/>
+          <p:cNvSpPr>
+            <a:spLocks noGrp="1"/>
+          </p:cNvSpPr>
+          <p:nvPr isPhoto="0" userDrawn="0">
+            <p:ph type="title" hasCustomPrompt="0"/>
+          </p:nvPr>
+        </p:nvSpPr>
+        <p:spPr bwMode="auto">
           <a:xfrm>
             <a:off x="839788" y="457200"/>
             <a:ext cx="3932237" cy="1600200"/>
@@ -2166,25 +2391,28 @@
             </a:lvl1pPr>
           </a:lstStyle>
           <a:p>
-            <a:r>
-              <a:rPr lang="zh-CN" altLang="en-US" smtClean="0"/>
+            <a:pPr>
+              <a:defRPr/>
+            </a:pPr>
+            <a:r>
+              <a:rPr lang="zh-CN"/>
               <a:t>单击此处编辑母版标题样式</a:t>
             </a:r>
-            <a:endParaRPr lang="zh-CN" altLang="en-US"/>
-          </a:p>
-        </p:txBody>
-      </p:sp>
-      <p:sp>
-        <p:nvSpPr>
-          <p:cNvPr id="3" name="图片占位符 2"/>
-          <p:cNvSpPr>
-            <a:spLocks noGrp="1"/>
-          </p:cNvSpPr>
-          <p:nvPr>
-            <p:ph type="pic" idx="1"/>
-          </p:nvPr>
-        </p:nvSpPr>
-        <p:spPr>
+            <a:endParaRPr lang="zh-CN"/>
+          </a:p>
+        </p:txBody>
+      </p:sp>
+      <p:sp>
+        <p:nvSpPr>
+          <p:cNvPr id="3" name="图片占位符 2" hidden="0"/>
+          <p:cNvSpPr>
+            <a:spLocks noGrp="1"/>
+          </p:cNvSpPr>
+          <p:nvPr isPhoto="0" userDrawn="0">
+            <p:ph type="pic" idx="1" hasCustomPrompt="0"/>
+          </p:nvPr>
+        </p:nvSpPr>
+        <p:spPr bwMode="auto">
           <a:xfrm>
             <a:off x="5183188" y="987425"/>
             <a:ext cx="6172200" cy="4873625"/>
@@ -2231,21 +2459,24 @@
             </a:lvl9pPr>
           </a:lstStyle>
           <a:p>
-            <a:endParaRPr lang="zh-CN" altLang="en-US"/>
-          </a:p>
-        </p:txBody>
-      </p:sp>
-      <p:sp>
-        <p:nvSpPr>
-          <p:cNvPr id="4" name="文本占位符 3"/>
-          <p:cNvSpPr>
-            <a:spLocks noGrp="1"/>
-          </p:cNvSpPr>
-          <p:nvPr>
-            <p:ph type="body" sz="half" idx="2"/>
-          </p:nvPr>
-        </p:nvSpPr>
-        <p:spPr>
+            <a:pPr>
+              <a:defRPr/>
+            </a:pPr>
+            <a:endParaRPr lang="zh-CN"/>
+          </a:p>
+        </p:txBody>
+      </p:sp>
+      <p:sp>
+        <p:nvSpPr>
+          <p:cNvPr id="4" name="文本占位符 3" hidden="0"/>
+          <p:cNvSpPr>
+            <a:spLocks noGrp="1"/>
+          </p:cNvSpPr>
+          <p:nvPr isPhoto="0" userDrawn="0">
+            <p:ph type="body" sz="half" idx="2" hasCustomPrompt="0"/>
+          </p:nvPr>
+        </p:nvSpPr>
+        <p:spPr bwMode="auto">
           <a:xfrm>
             <a:off x="839788" y="2057400"/>
             <a:ext cx="3932237" cy="3811588"/>
@@ -2292,75 +2523,88 @@
             </a:lvl9pPr>
           </a:lstStyle>
           <a:p>
-            <a:pPr lvl="0"/>
-            <a:r>
-              <a:rPr lang="zh-CN" altLang="en-US" smtClean="0"/>
+            <a:pPr lvl="0">
+              <a:defRPr/>
+            </a:pPr>
+            <a:r>
+              <a:rPr lang="zh-CN"/>
               <a:t>单击此处编辑母版文本样式</a:t>
             </a:r>
-            <a:endParaRPr lang="zh-CN" altLang="en-US" smtClean="0"/>
-          </a:p>
-        </p:txBody>
-      </p:sp>
-      <p:sp>
-        <p:nvSpPr>
-          <p:cNvPr id="5" name="日期占位符 4"/>
-          <p:cNvSpPr>
-            <a:spLocks noGrp="1"/>
-          </p:cNvSpPr>
-          <p:nvPr>
-            <p:ph type="dt" sz="half" idx="10"/>
-          </p:nvPr>
-        </p:nvSpPr>
-        <p:spPr/>
+            <a:endParaRPr lang="zh-CN"/>
+          </a:p>
+        </p:txBody>
+      </p:sp>
+      <p:sp>
+        <p:nvSpPr>
+          <p:cNvPr id="5" name="日期占位符 4" hidden="0"/>
+          <p:cNvSpPr>
+            <a:spLocks noGrp="1"/>
+          </p:cNvSpPr>
+          <p:nvPr isPhoto="0" userDrawn="0">
+            <p:ph type="dt" sz="half" idx="10" hasCustomPrompt="0"/>
+          </p:nvPr>
+        </p:nvSpPr>
+        <p:spPr bwMode="auto"/>
         <p:txBody>
           <a:bodyPr/>
           <a:lstStyle/>
           <a:p>
+            <a:pPr>
+              <a:defRPr/>
+            </a:pPr>
             <a:fld id="{D997B5FA-0921-464F-AAE1-844C04324D75}" type="datetimeFigureOut">
-              <a:rPr lang="zh-CN" altLang="en-US" smtClean="0"/>
+              <a:rPr lang="zh-CN"/>
+              <a:t/>
             </a:fld>
-            <a:endParaRPr lang="zh-CN" altLang="en-US"/>
-          </a:p>
-        </p:txBody>
-      </p:sp>
-      <p:sp>
-        <p:nvSpPr>
-          <p:cNvPr id="6" name="页脚占位符 5"/>
-          <p:cNvSpPr>
-            <a:spLocks noGrp="1"/>
-          </p:cNvSpPr>
-          <p:nvPr>
-            <p:ph type="ftr" sz="quarter" idx="11"/>
-          </p:nvPr>
-        </p:nvSpPr>
-        <p:spPr/>
+            <a:endParaRPr lang="zh-CN"/>
+          </a:p>
+        </p:txBody>
+      </p:sp>
+      <p:sp>
+        <p:nvSpPr>
+          <p:cNvPr id="6" name="页脚占位符 5" hidden="0"/>
+          <p:cNvSpPr>
+            <a:spLocks noGrp="1"/>
+          </p:cNvSpPr>
+          <p:nvPr isPhoto="0" userDrawn="0">
+            <p:ph type="ftr" sz="quarter" idx="11" hasCustomPrompt="0"/>
+          </p:nvPr>
+        </p:nvSpPr>
+        <p:spPr bwMode="auto"/>
         <p:txBody>
           <a:bodyPr/>
           <a:lstStyle/>
           <a:p>
-            <a:endParaRPr lang="zh-CN" altLang="en-US"/>
-          </a:p>
-        </p:txBody>
-      </p:sp>
-      <p:sp>
-        <p:nvSpPr>
-          <p:cNvPr id="7" name="灯片编号占位符 6"/>
-          <p:cNvSpPr>
-            <a:spLocks noGrp="1"/>
-          </p:cNvSpPr>
-          <p:nvPr>
-            <p:ph type="sldNum" sz="quarter" idx="12"/>
-          </p:nvPr>
-        </p:nvSpPr>
-        <p:spPr/>
+            <a:pPr>
+              <a:defRPr/>
+            </a:pPr>
+            <a:endParaRPr lang="zh-CN"/>
+          </a:p>
+        </p:txBody>
+      </p:sp>
+      <p:sp>
+        <p:nvSpPr>
+          <p:cNvPr id="7" name="灯片编号占位符 6" hidden="0"/>
+          <p:cNvSpPr>
+            <a:spLocks noGrp="1"/>
+          </p:cNvSpPr>
+          <p:nvPr isPhoto="0" userDrawn="0">
+            <p:ph type="sldNum" sz="quarter" idx="12" hasCustomPrompt="0"/>
+          </p:nvPr>
+        </p:nvSpPr>
+        <p:spPr bwMode="auto"/>
         <p:txBody>
           <a:bodyPr/>
           <a:lstStyle/>
           <a:p>
+            <a:pPr>
+              <a:defRPr/>
+            </a:pPr>
             <a:fld id="{565CE74E-AB26-4998-AD42-012C4C1AD076}" type="slidenum">
-              <a:rPr lang="zh-CN" altLang="en-US" smtClean="0"/>
+              <a:rPr lang="zh-CN"/>
+              <a:t/>
             </a:fld>
-            <a:endParaRPr lang="zh-CN" altLang="en-US"/>
+            <a:endParaRPr lang="zh-CN"/>
           </a:p>
         </p:txBody>
       </p:sp>
@@ -2373,8 +2617,8 @@
 </file>
 
 <file path=ppt/slideMasters/slideMaster1.xml><?xml version="1.0" encoding="utf-8"?>
-<p:sldMaster xmlns:a="http://schemas.openxmlformats.org/drawingml/2006/main" xmlns:r="http://schemas.openxmlformats.org/officeDocument/2006/relationships" xmlns:p="http://schemas.openxmlformats.org/presentationml/2006/main">
-  <p:cSld>
+<p:sldMaster xmlns:a="http://schemas.openxmlformats.org/drawingml/2006/main" xmlns:r="http://schemas.openxmlformats.org/officeDocument/2006/relationships" xmlns:p="http://schemas.openxmlformats.org/presentationml/2006/main" xmlns:m="http://schemas.openxmlformats.org/officeDocument/2006/math" xmlns:w="http://schemas.openxmlformats.org/wordprocessingml/2006/main" preserve="0">
+  <p:cSld name="">
     <p:bg>
       <p:bgRef idx="1001">
         <a:schemeClr val="bg1"/>
@@ -2382,11 +2626,11 @@
     </p:bg>
     <p:spTree>
       <p:nvGrpSpPr>
-        <p:cNvPr id="1" name=""/>
+        <p:cNvPr id="1" name="" hidden="0"/>
         <p:cNvGrpSpPr/>
-        <p:nvPr/>
+        <p:nvPr isPhoto="0" userDrawn="0"/>
       </p:nvGrpSpPr>
-      <p:grpSpPr>
+      <p:grpSpPr bwMode="auto">
         <a:xfrm>
           <a:off x="0" y="0"/>
           <a:ext cx="0" cy="0"/>
@@ -2396,15 +2640,15 @@
       </p:grpSpPr>
       <p:sp>
         <p:nvSpPr>
-          <p:cNvPr id="2" name="标题占位符 1"/>
-          <p:cNvSpPr>
-            <a:spLocks noGrp="1"/>
-          </p:cNvSpPr>
-          <p:nvPr>
-            <p:ph type="title"/>
-          </p:nvPr>
-        </p:nvSpPr>
-        <p:spPr>
+          <p:cNvPr id="2" name="标题占位符 1" hidden="0"/>
+          <p:cNvSpPr>
+            <a:spLocks noGrp="1"/>
+          </p:cNvSpPr>
+          <p:nvPr isPhoto="0" userDrawn="0">
+            <p:ph type="title" hasCustomPrompt="0"/>
+          </p:nvPr>
+        </p:nvSpPr>
+        <p:spPr bwMode="auto">
           <a:xfrm>
             <a:off x="838200" y="365125"/>
             <a:ext cx="10515600" cy="1325563"/>
@@ -2419,25 +2663,28 @@
           </a:bodyPr>
           <a:lstStyle/>
           <a:p>
-            <a:r>
-              <a:rPr lang="zh-CN" altLang="en-US" smtClean="0"/>
+            <a:pPr>
+              <a:defRPr/>
+            </a:pPr>
+            <a:r>
+              <a:rPr lang="zh-CN"/>
               <a:t>单击此处编辑母版标题样式</a:t>
             </a:r>
-            <a:endParaRPr lang="zh-CN" altLang="en-US"/>
-          </a:p>
-        </p:txBody>
-      </p:sp>
-      <p:sp>
-        <p:nvSpPr>
-          <p:cNvPr id="3" name="文本占位符 2"/>
-          <p:cNvSpPr>
-            <a:spLocks noGrp="1"/>
-          </p:cNvSpPr>
-          <p:nvPr>
-            <p:ph type="body" idx="1"/>
-          </p:nvPr>
-        </p:nvSpPr>
-        <p:spPr>
+            <a:endParaRPr lang="zh-CN"/>
+          </a:p>
+        </p:txBody>
+      </p:sp>
+      <p:sp>
+        <p:nvSpPr>
+          <p:cNvPr id="3" name="文本占位符 2" hidden="0"/>
+          <p:cNvSpPr>
+            <a:spLocks noGrp="1"/>
+          </p:cNvSpPr>
+          <p:nvPr isPhoto="0" userDrawn="0">
+            <p:ph type="body" idx="1" hasCustomPrompt="0"/>
+          </p:nvPr>
+        </p:nvSpPr>
+        <p:spPr bwMode="auto">
           <a:xfrm>
             <a:off x="838200" y="1825625"/>
             <a:ext cx="10515600" cy="4351338"/>
@@ -2452,58 +2699,68 @@
           </a:bodyPr>
           <a:lstStyle/>
           <a:p>
-            <a:pPr lvl="0"/>
-            <a:r>
-              <a:rPr lang="zh-CN" altLang="en-US" smtClean="0"/>
+            <a:pPr lvl="0">
+              <a:defRPr/>
+            </a:pPr>
+            <a:r>
+              <a:rPr lang="zh-CN"/>
               <a:t>单击此处编辑母版文本样式</a:t>
             </a:r>
-            <a:endParaRPr lang="zh-CN" altLang="en-US" smtClean="0"/>
-          </a:p>
-          <a:p>
-            <a:pPr lvl="1"/>
-            <a:r>
-              <a:rPr lang="zh-CN" altLang="en-US" smtClean="0"/>
+            <a:endParaRPr lang="zh-CN"/>
+          </a:p>
+          <a:p>
+            <a:pPr lvl="1">
+              <a:defRPr/>
+            </a:pPr>
+            <a:r>
+              <a:rPr lang="zh-CN"/>
               <a:t>第二级</a:t>
             </a:r>
-            <a:endParaRPr lang="zh-CN" altLang="en-US" smtClean="0"/>
-          </a:p>
-          <a:p>
-            <a:pPr lvl="2"/>
-            <a:r>
-              <a:rPr lang="zh-CN" altLang="en-US" smtClean="0"/>
+            <a:endParaRPr lang="zh-CN"/>
+          </a:p>
+          <a:p>
+            <a:pPr lvl="2">
+              <a:defRPr/>
+            </a:pPr>
+            <a:r>
+              <a:rPr lang="zh-CN"/>
               <a:t>第三级</a:t>
             </a:r>
-            <a:endParaRPr lang="zh-CN" altLang="en-US" smtClean="0"/>
-          </a:p>
-          <a:p>
-            <a:pPr lvl="3"/>
-            <a:r>
-              <a:rPr lang="zh-CN" altLang="en-US" smtClean="0"/>
+            <a:endParaRPr lang="zh-CN"/>
+          </a:p>
+          <a:p>
+            <a:pPr lvl="3">
+              <a:defRPr/>
+            </a:pPr>
+            <a:r>
+              <a:rPr lang="zh-CN"/>
               <a:t>第四级</a:t>
             </a:r>
-            <a:endParaRPr lang="zh-CN" altLang="en-US" smtClean="0"/>
-          </a:p>
-          <a:p>
-            <a:pPr lvl="4"/>
-            <a:r>
-              <a:rPr lang="zh-CN" altLang="en-US" smtClean="0"/>
+            <a:endParaRPr lang="zh-CN"/>
+          </a:p>
+          <a:p>
+            <a:pPr lvl="4">
+              <a:defRPr/>
+            </a:pPr>
+            <a:r>
+              <a:rPr lang="zh-CN"/>
               <a:t>第五级</a:t>
             </a:r>
-            <a:endParaRPr lang="zh-CN" altLang="en-US"/>
-          </a:p>
-        </p:txBody>
-      </p:sp>
-      <p:sp>
-        <p:nvSpPr>
-          <p:cNvPr id="4" name="日期占位符 3"/>
-          <p:cNvSpPr>
-            <a:spLocks noGrp="1"/>
-          </p:cNvSpPr>
-          <p:nvPr>
-            <p:ph type="dt" sz="half" idx="2"/>
-          </p:nvPr>
-        </p:nvSpPr>
-        <p:spPr>
+            <a:endParaRPr lang="zh-CN"/>
+          </a:p>
+        </p:txBody>
+      </p:sp>
+      <p:sp>
+        <p:nvSpPr>
+          <p:cNvPr id="4" name="日期占位符 3" hidden="0"/>
+          <p:cNvSpPr>
+            <a:spLocks noGrp="1"/>
+          </p:cNvSpPr>
+          <p:nvPr isPhoto="0" userDrawn="0">
+            <p:ph type="dt" sz="half" idx="2" hasCustomPrompt="0"/>
+          </p:nvPr>
+        </p:nvSpPr>
+        <p:spPr bwMode="auto">
           <a:xfrm>
             <a:off x="838200" y="6356350"/>
             <a:ext cx="2743200" cy="365125"/>
@@ -2526,24 +2783,28 @@
             </a:lvl1pPr>
           </a:lstStyle>
           <a:p>
+            <a:pPr>
+              <a:defRPr/>
+            </a:pPr>
             <a:fld id="{D997B5FA-0921-464F-AAE1-844C04324D75}" type="datetimeFigureOut">
-              <a:rPr lang="zh-CN" altLang="en-US" smtClean="0"/>
+              <a:rPr lang="zh-CN"/>
+              <a:t/>
             </a:fld>
-            <a:endParaRPr lang="zh-CN" altLang="en-US"/>
-          </a:p>
-        </p:txBody>
-      </p:sp>
-      <p:sp>
-        <p:nvSpPr>
-          <p:cNvPr id="5" name="页脚占位符 4"/>
-          <p:cNvSpPr>
-            <a:spLocks noGrp="1"/>
-          </p:cNvSpPr>
-          <p:nvPr>
-            <p:ph type="ftr" sz="quarter" idx="3"/>
-          </p:nvPr>
-        </p:nvSpPr>
-        <p:spPr>
+            <a:endParaRPr lang="zh-CN"/>
+          </a:p>
+        </p:txBody>
+      </p:sp>
+      <p:sp>
+        <p:nvSpPr>
+          <p:cNvPr id="5" name="页脚占位符 4" hidden="0"/>
+          <p:cNvSpPr>
+            <a:spLocks noGrp="1"/>
+          </p:cNvSpPr>
+          <p:nvPr isPhoto="0" userDrawn="0">
+            <p:ph type="ftr" sz="quarter" idx="3" hasCustomPrompt="0"/>
+          </p:nvPr>
+        </p:nvSpPr>
+        <p:spPr bwMode="auto">
           <a:xfrm>
             <a:off x="4038600" y="6356350"/>
             <a:ext cx="4114800" cy="365125"/>
@@ -2566,21 +2827,24 @@
             </a:lvl1pPr>
           </a:lstStyle>
           <a:p>
-            <a:endParaRPr lang="zh-CN" altLang="en-US"/>
-          </a:p>
-        </p:txBody>
-      </p:sp>
-      <p:sp>
-        <p:nvSpPr>
-          <p:cNvPr id="6" name="灯片编号占位符 5"/>
-          <p:cNvSpPr>
-            <a:spLocks noGrp="1"/>
-          </p:cNvSpPr>
-          <p:nvPr>
-            <p:ph type="sldNum" sz="quarter" idx="4"/>
-          </p:nvPr>
-        </p:nvSpPr>
-        <p:spPr>
+            <a:pPr>
+              <a:defRPr/>
+            </a:pPr>
+            <a:endParaRPr lang="zh-CN"/>
+          </a:p>
+        </p:txBody>
+      </p:sp>
+      <p:sp>
+        <p:nvSpPr>
+          <p:cNvPr id="6" name="灯片编号占位符 5" hidden="0"/>
+          <p:cNvSpPr>
+            <a:spLocks noGrp="1"/>
+          </p:cNvSpPr>
+          <p:nvPr isPhoto="0" userDrawn="0">
+            <p:ph type="sldNum" sz="quarter" idx="4" hasCustomPrompt="0"/>
+          </p:nvPr>
+        </p:nvSpPr>
+        <p:spPr bwMode="auto">
           <a:xfrm>
             <a:off x="8610600" y="6356350"/>
             <a:ext cx="2743200" cy="365125"/>
@@ -2603,10 +2867,14 @@
             </a:lvl1pPr>
           </a:lstStyle>
           <a:p>
+            <a:pPr>
+              <a:defRPr/>
+            </a:pPr>
             <a:fld id="{565CE74E-AB26-4998-AD42-012C4C1AD076}" type="slidenum">
-              <a:rPr lang="zh-CN" altLang="en-US" smtClean="0"/>
+              <a:rPr lang="zh-CN"/>
+              <a:t/>
             </a:fld>
-            <a:endParaRPr lang="zh-CN" altLang="en-US"/>
+            <a:endParaRPr lang="zh-CN"/>
           </a:p>
         </p:txBody>
       </p:sp>
@@ -2628,15 +2896,15 @@
   </p:sldLayoutIdLst>
   <p:txStyles>
     <p:titleStyle>
-      <a:lvl1pPr algn="l" defTabSz="914400" rtl="0" eaLnBrk="1" latinLnBrk="0" hangingPunct="1">
+      <a:lvl1pPr algn="l" defTabSz="914400">
         <a:lnSpc>
           <a:spcPct val="90000"/>
         </a:lnSpc>
         <a:spcBef>
-          <a:spcPct val="0"/>
+          <a:spcPts val="0"/>
         </a:spcBef>
         <a:buNone/>
-        <a:defRPr sz="4400" kern="1200">
+        <a:defRPr sz="4400">
           <a:solidFill>
             <a:schemeClr val="tx1"/>
           </a:solidFill>
@@ -2647,16 +2915,16 @@
       </a:lvl1pPr>
     </p:titleStyle>
     <p:bodyStyle>
-      <a:lvl1pPr marL="228600" indent="-228600" algn="l" defTabSz="914400" rtl="0" eaLnBrk="1" latinLnBrk="0" hangingPunct="1">
+      <a:lvl1pPr marL="228600" indent="-228600" algn="l" defTabSz="914400">
         <a:lnSpc>
           <a:spcPct val="90000"/>
         </a:lnSpc>
         <a:spcBef>
           <a:spcPts val="1000"/>
         </a:spcBef>
-        <a:buFont typeface="Arial" panose="020B0604020202020204" pitchFamily="34" charset="0"/>
+        <a:buFont typeface="Arial"/>
         <a:buChar char="•"/>
-        <a:defRPr sz="2800" kern="1200">
+        <a:defRPr sz="2800">
           <a:solidFill>
             <a:schemeClr val="tx1"/>
           </a:solidFill>
@@ -2665,16 +2933,16 @@
           <a:cs typeface="+mn-cs"/>
         </a:defRPr>
       </a:lvl1pPr>
-      <a:lvl2pPr marL="685800" indent="-228600" algn="l" defTabSz="914400" rtl="0" eaLnBrk="1" latinLnBrk="0" hangingPunct="1">
+      <a:lvl2pPr marL="685800" indent="-228600" algn="l" defTabSz="914400">
         <a:lnSpc>
           <a:spcPct val="90000"/>
         </a:lnSpc>
         <a:spcBef>
           <a:spcPts val="500"/>
         </a:spcBef>
-        <a:buFont typeface="Arial" panose="020B0604020202020204" pitchFamily="34" charset="0"/>
+        <a:buFont typeface="Arial"/>
         <a:buChar char="•"/>
-        <a:defRPr sz="2400" kern="1200">
+        <a:defRPr sz="2400">
           <a:solidFill>
             <a:schemeClr val="tx1"/>
           </a:solidFill>
@@ -2683,16 +2951,16 @@
           <a:cs typeface="+mn-cs"/>
         </a:defRPr>
       </a:lvl2pPr>
-      <a:lvl3pPr marL="1143000" indent="-228600" algn="l" defTabSz="914400" rtl="0" eaLnBrk="1" latinLnBrk="0" hangingPunct="1">
+      <a:lvl3pPr marL="1143000" indent="-228600" algn="l" defTabSz="914400">
         <a:lnSpc>
           <a:spcPct val="90000"/>
         </a:lnSpc>
         <a:spcBef>
           <a:spcPts val="500"/>
         </a:spcBef>
-        <a:buFont typeface="Arial" panose="020B0604020202020204" pitchFamily="34" charset="0"/>
+        <a:buFont typeface="Arial"/>
         <a:buChar char="•"/>
-        <a:defRPr sz="2000" kern="1200">
+        <a:defRPr sz="2000">
           <a:solidFill>
             <a:schemeClr val="tx1"/>
           </a:solidFill>
@@ -2701,16 +2969,16 @@
           <a:cs typeface="+mn-cs"/>
         </a:defRPr>
       </a:lvl3pPr>
-      <a:lvl4pPr marL="1600200" indent="-228600" algn="l" defTabSz="914400" rtl="0" eaLnBrk="1" latinLnBrk="0" hangingPunct="1">
+      <a:lvl4pPr marL="1600200" indent="-228600" algn="l" defTabSz="914400">
         <a:lnSpc>
           <a:spcPct val="90000"/>
         </a:lnSpc>
         <a:spcBef>
           <a:spcPts val="500"/>
         </a:spcBef>
-        <a:buFont typeface="Arial" panose="020B0604020202020204" pitchFamily="34" charset="0"/>
+        <a:buFont typeface="Arial"/>
         <a:buChar char="•"/>
-        <a:defRPr sz="1800" kern="1200">
+        <a:defRPr sz="1800">
           <a:solidFill>
             <a:schemeClr val="tx1"/>
           </a:solidFill>
@@ -2719,16 +2987,16 @@
           <a:cs typeface="+mn-cs"/>
         </a:defRPr>
       </a:lvl4pPr>
-      <a:lvl5pPr marL="2057400" indent="-228600" algn="l" defTabSz="914400" rtl="0" eaLnBrk="1" latinLnBrk="0" hangingPunct="1">
+      <a:lvl5pPr marL="2057400" indent="-228600" algn="l" defTabSz="914400">
         <a:lnSpc>
           <a:spcPct val="90000"/>
         </a:lnSpc>
         <a:spcBef>
           <a:spcPts val="500"/>
         </a:spcBef>
-        <a:buFont typeface="Arial" panose="020B0604020202020204" pitchFamily="34" charset="0"/>
+        <a:buFont typeface="Arial"/>
         <a:buChar char="•"/>
-        <a:defRPr sz="1800" kern="1200">
+        <a:defRPr sz="1800">
           <a:solidFill>
             <a:schemeClr val="tx1"/>
           </a:solidFill>
@@ -2737,16 +3005,16 @@
           <a:cs typeface="+mn-cs"/>
         </a:defRPr>
       </a:lvl5pPr>
-      <a:lvl6pPr marL="2514600" indent="-228600" algn="l" defTabSz="914400" rtl="0" eaLnBrk="1" latinLnBrk="0" hangingPunct="1">
+      <a:lvl6pPr marL="2514600" indent="-228600" algn="l" defTabSz="914400">
         <a:lnSpc>
           <a:spcPct val="90000"/>
         </a:lnSpc>
         <a:spcBef>
           <a:spcPts val="500"/>
         </a:spcBef>
-        <a:buFont typeface="Arial" panose="020B0604020202020204" pitchFamily="34" charset="0"/>
+        <a:buFont typeface="Arial"/>
         <a:buChar char="•"/>
-        <a:defRPr sz="1800" kern="1200">
+        <a:defRPr sz="1800">
           <a:solidFill>
             <a:schemeClr val="tx1"/>
           </a:solidFill>
@@ -2755,16 +3023,16 @@
           <a:cs typeface="+mn-cs"/>
         </a:defRPr>
       </a:lvl6pPr>
-      <a:lvl7pPr marL="2971800" indent="-228600" algn="l" defTabSz="914400" rtl="0" eaLnBrk="1" latinLnBrk="0" hangingPunct="1">
+      <a:lvl7pPr marL="2971800" indent="-228600" algn="l" defTabSz="914400">
         <a:lnSpc>
           <a:spcPct val="90000"/>
         </a:lnSpc>
         <a:spcBef>
           <a:spcPts val="500"/>
         </a:spcBef>
-        <a:buFont typeface="Arial" panose="020B0604020202020204" pitchFamily="34" charset="0"/>
+        <a:buFont typeface="Arial"/>
         <a:buChar char="•"/>
-        <a:defRPr sz="1800" kern="1200">
+        <a:defRPr sz="1800">
           <a:solidFill>
             <a:schemeClr val="tx1"/>
           </a:solidFill>
@@ -2773,16 +3041,16 @@
           <a:cs typeface="+mn-cs"/>
         </a:defRPr>
       </a:lvl7pPr>
-      <a:lvl8pPr marL="3429000" indent="-228600" algn="l" defTabSz="914400" rtl="0" eaLnBrk="1" latinLnBrk="0" hangingPunct="1">
+      <a:lvl8pPr marL="3429000" indent="-228600" algn="l" defTabSz="914400">
         <a:lnSpc>
           <a:spcPct val="90000"/>
         </a:lnSpc>
         <a:spcBef>
           <a:spcPts val="500"/>
         </a:spcBef>
-        <a:buFont typeface="Arial" panose="020B0604020202020204" pitchFamily="34" charset="0"/>
+        <a:buFont typeface="Arial"/>
         <a:buChar char="•"/>
-        <a:defRPr sz="1800" kern="1200">
+        <a:defRPr sz="1800">
           <a:solidFill>
             <a:schemeClr val="tx1"/>
           </a:solidFill>
@@ -2791,16 +3059,16 @@
           <a:cs typeface="+mn-cs"/>
         </a:defRPr>
       </a:lvl8pPr>
-      <a:lvl9pPr marL="3886200" indent="-228600" algn="l" defTabSz="914400" rtl="0" eaLnBrk="1" latinLnBrk="0" hangingPunct="1">
+      <a:lvl9pPr marL="3886200" indent="-228600" algn="l" defTabSz="914400">
         <a:lnSpc>
           <a:spcPct val="90000"/>
         </a:lnSpc>
         <a:spcBef>
           <a:spcPts val="500"/>
         </a:spcBef>
-        <a:buFont typeface="Arial" panose="020B0604020202020204" pitchFamily="34" charset="0"/>
+        <a:buFont typeface="Arial"/>
         <a:buChar char="•"/>
-        <a:defRPr sz="1800" kern="1200">
+        <a:defRPr sz="1800">
           <a:solidFill>
             <a:schemeClr val="tx1"/>
           </a:solidFill>
@@ -2814,8 +3082,8 @@
       <a:defPPr>
         <a:defRPr lang="zh-CN"/>
       </a:defPPr>
-      <a:lvl1pPr marL="0" algn="l" defTabSz="914400" rtl="0" eaLnBrk="1" latinLnBrk="0" hangingPunct="1">
-        <a:defRPr sz="1800" kern="1200">
+      <a:lvl1pPr marL="0" algn="l" defTabSz="914400">
+        <a:defRPr sz="1800">
           <a:solidFill>
             <a:schemeClr val="tx1"/>
           </a:solidFill>
@@ -2824,8 +3092,8 @@
           <a:cs typeface="+mn-cs"/>
         </a:defRPr>
       </a:lvl1pPr>
-      <a:lvl2pPr marL="457200" algn="l" defTabSz="914400" rtl="0" eaLnBrk="1" latinLnBrk="0" hangingPunct="1">
-        <a:defRPr sz="1800" kern="1200">
+      <a:lvl2pPr marL="457200" algn="l" defTabSz="914400">
+        <a:defRPr sz="1800">
           <a:solidFill>
             <a:schemeClr val="tx1"/>
           </a:solidFill>
@@ -2834,8 +3102,8 @@
           <a:cs typeface="+mn-cs"/>
         </a:defRPr>
       </a:lvl2pPr>
-      <a:lvl3pPr marL="914400" algn="l" defTabSz="914400" rtl="0" eaLnBrk="1" latinLnBrk="0" hangingPunct="1">
-        <a:defRPr sz="1800" kern="1200">
+      <a:lvl3pPr marL="914400" algn="l" defTabSz="914400">
+        <a:defRPr sz="1800">
           <a:solidFill>
             <a:schemeClr val="tx1"/>
           </a:solidFill>
@@ -2844,8 +3112,8 @@
           <a:cs typeface="+mn-cs"/>
         </a:defRPr>
       </a:lvl3pPr>
-      <a:lvl4pPr marL="1371600" algn="l" defTabSz="914400" rtl="0" eaLnBrk="1" latinLnBrk="0" hangingPunct="1">
-        <a:defRPr sz="1800" kern="1200">
+      <a:lvl4pPr marL="1371600" algn="l" defTabSz="914400">
+        <a:defRPr sz="1800">
           <a:solidFill>
             <a:schemeClr val="tx1"/>
           </a:solidFill>
@@ -2854,8 +3122,8 @@
           <a:cs typeface="+mn-cs"/>
         </a:defRPr>
       </a:lvl4pPr>
-      <a:lvl5pPr marL="1828800" algn="l" defTabSz="914400" rtl="0" eaLnBrk="1" latinLnBrk="0" hangingPunct="1">
-        <a:defRPr sz="1800" kern="1200">
+      <a:lvl5pPr marL="1828800" algn="l" defTabSz="914400">
+        <a:defRPr sz="1800">
           <a:solidFill>
             <a:schemeClr val="tx1"/>
           </a:solidFill>
@@ -2864,8 +3132,8 @@
           <a:cs typeface="+mn-cs"/>
         </a:defRPr>
       </a:lvl5pPr>
-      <a:lvl6pPr marL="2286000" algn="l" defTabSz="914400" rtl="0" eaLnBrk="1" latinLnBrk="0" hangingPunct="1">
-        <a:defRPr sz="1800" kern="1200">
+      <a:lvl6pPr marL="2286000" algn="l" defTabSz="914400">
+        <a:defRPr sz="1800">
           <a:solidFill>
             <a:schemeClr val="tx1"/>
           </a:solidFill>
@@ -2874,8 +3142,8 @@
           <a:cs typeface="+mn-cs"/>
         </a:defRPr>
       </a:lvl6pPr>
-      <a:lvl7pPr marL="2743200" algn="l" defTabSz="914400" rtl="0" eaLnBrk="1" latinLnBrk="0" hangingPunct="1">
-        <a:defRPr sz="1800" kern="1200">
+      <a:lvl7pPr marL="2743200" algn="l" defTabSz="914400">
+        <a:defRPr sz="1800">
           <a:solidFill>
             <a:schemeClr val="tx1"/>
           </a:solidFill>
@@ -2884,8 +3152,8 @@
           <a:cs typeface="+mn-cs"/>
         </a:defRPr>
       </a:lvl7pPr>
-      <a:lvl8pPr marL="3200400" algn="l" defTabSz="914400" rtl="0" eaLnBrk="1" latinLnBrk="0" hangingPunct="1">
-        <a:defRPr sz="1800" kern="1200">
+      <a:lvl8pPr marL="3200400" algn="l" defTabSz="914400">
+        <a:defRPr sz="1800">
           <a:solidFill>
             <a:schemeClr val="tx1"/>
           </a:solidFill>
@@ -2894,8 +3162,8 @@
           <a:cs typeface="+mn-cs"/>
         </a:defRPr>
       </a:lvl8pPr>
-      <a:lvl9pPr marL="3657600" algn="l" defTabSz="914400" rtl="0" eaLnBrk="1" latinLnBrk="0" hangingPunct="1">
-        <a:defRPr sz="1800" kern="1200">
+      <a:lvl9pPr marL="3657600" algn="l" defTabSz="914400">
+        <a:defRPr sz="1800">
           <a:solidFill>
             <a:schemeClr val="tx1"/>
           </a:solidFill>
@@ -2910,49 +3178,59 @@
 </file>
 
 <file path=ppt/slides/slide1.xml><?xml version="1.0" encoding="utf-8"?>
-<p:sld xmlns:a="http://schemas.openxmlformats.org/drawingml/2006/main" xmlns:r="http://schemas.openxmlformats.org/officeDocument/2006/relationships" xmlns:p="http://schemas.openxmlformats.org/presentationml/2006/main">
-  <p:cSld>
+<p:sld xmlns:a="http://schemas.openxmlformats.org/drawingml/2006/main" xmlns:r="http://schemas.openxmlformats.org/officeDocument/2006/relationships" xmlns:p="http://schemas.openxmlformats.org/presentationml/2006/main" xmlns:m="http://schemas.openxmlformats.org/officeDocument/2006/math" xmlns:w="http://schemas.openxmlformats.org/wordprocessingml/2006/main" showMasterPhAnim="0" show="1">
+  <p:cSld name="">
     <p:spTree>
       <p:nvGrpSpPr>
-        <p:cNvPr id="1" name=""/>
+        <p:cNvPr id="1" name="" hidden="0"/>
         <p:cNvGrpSpPr/>
-        <p:nvPr/>
+        <p:nvPr isPhoto="0" userDrawn="0"/>
       </p:nvGrpSpPr>
-      <p:grpSpPr/>
-      <p:sp>
-        <p:nvSpPr>
-          <p:cNvPr id="2" name="标题 1"/>
-          <p:cNvSpPr>
-            <a:spLocks noGrp="1"/>
-          </p:cNvSpPr>
-          <p:nvPr>
-            <p:ph type="title"/>
-          </p:nvPr>
-        </p:nvSpPr>
-        <p:spPr>
+      <p:grpSpPr bwMode="auto">
+        <a:xfrm>
+          <a:off x="0" y="0"/>
+          <a:ext cx="0" cy="0"/>
+          <a:chOff x="0" y="0"/>
+          <a:chExt cx="0" cy="0"/>
+        </a:xfrm>
+      </p:grpSpPr>
+      <p:sp>
+        <p:nvSpPr>
+          <p:cNvPr id="2" name="标题 1" hidden="0"/>
+          <p:cNvSpPr>
+            <a:spLocks noGrp="1"/>
+          </p:cNvSpPr>
+          <p:nvPr isPhoto="0" userDrawn="0">
+            <p:ph type="title" hasCustomPrompt="0"/>
+          </p:nvPr>
+        </p:nvSpPr>
+        <p:spPr bwMode="auto">
           <a:xfrm>
-            <a:off x="838200" y="377190"/>
+            <a:off x="838200" y="377189"/>
             <a:ext cx="10515600" cy="1325563"/>
           </a:xfrm>
         </p:spPr>
         <p:txBody>
           <a:bodyPr/>
           <a:p>
-            <a:r>
-              <a:rPr lang="zh-CN" altLang="en-US"/>
+            <a:pPr>
+              <a:defRPr/>
+            </a:pPr>
+            <a:r>
+              <a:rPr lang="zh-CN"/>
               <a:t>底盘结构</a:t>
             </a:r>
-            <a:endParaRPr lang="zh-CN" altLang="en-US"/>
+            <a:endParaRPr lang="zh-CN"/>
           </a:p>
         </p:txBody>
       </p:sp>
       <p:grpSp>
         <p:nvGrpSpPr>
-          <p:cNvPr id="19" name="组合 18"/>
+          <p:cNvPr id="19" name="组合 18" hidden="0"/>
           <p:cNvGrpSpPr/>
-          <p:nvPr/>
+          <p:nvPr isPhoto="0" userDrawn="0"/>
         </p:nvGrpSpPr>
-        <p:grpSpPr>
+        <p:grpSpPr bwMode="auto">
           <a:xfrm>
             <a:off x="1612900" y="2934970"/>
             <a:ext cx="2105025" cy="2374265"/>
@@ -2962,11 +3240,11 @@
         </p:grpSpPr>
         <p:sp>
           <p:nvSpPr>
-            <p:cNvPr id="3" name="矩形 2"/>
+            <p:cNvPr id="3" name="矩形 2" hidden="0"/>
             <p:cNvSpPr/>
-            <p:nvPr/>
+            <p:nvPr isPhoto="0" userDrawn="0"/>
           </p:nvSpPr>
-          <p:spPr>
+          <p:spPr bwMode="auto">
             <a:xfrm>
               <a:off x="4129" y="5365"/>
               <a:ext cx="120" cy="2417"/>
@@ -2994,18 +3272,20 @@
           <p:txBody>
             <a:bodyPr rtlCol="0" anchor="ctr"/>
             <a:p>
-              <a:pPr algn="ctr"/>
-              <a:endParaRPr lang="zh-CN" altLang="en-US"/>
+              <a:pPr algn="ctr">
+                <a:defRPr/>
+              </a:pPr>
+              <a:endParaRPr lang="zh-CN"/>
             </a:p>
           </p:txBody>
         </p:sp>
         <p:sp>
           <p:nvSpPr>
-            <p:cNvPr id="4" name="矩形 3"/>
+            <p:cNvPr id="4" name="矩形 3" hidden="0"/>
             <p:cNvSpPr/>
-            <p:nvPr/>
+            <p:nvPr isPhoto="0" userDrawn="0"/>
           </p:nvSpPr>
-          <p:spPr>
+          <p:spPr bwMode="auto">
             <a:xfrm>
               <a:off x="3001" y="5245"/>
               <a:ext cx="2375" cy="120"/>
@@ -3033,18 +3313,20 @@
           <p:txBody>
             <a:bodyPr rtlCol="0" anchor="ctr"/>
             <a:p>
-              <a:pPr algn="ctr"/>
-              <a:endParaRPr lang="zh-CN" altLang="en-US"/>
+              <a:pPr algn="ctr">
+                <a:defRPr/>
+              </a:pPr>
+              <a:endParaRPr lang="zh-CN"/>
             </a:p>
           </p:txBody>
         </p:sp>
         <p:sp>
           <p:nvSpPr>
-            <p:cNvPr id="5" name="矩形 4"/>
+            <p:cNvPr id="5" name="矩形 4" hidden="0"/>
             <p:cNvSpPr/>
-            <p:nvPr/>
+            <p:nvPr isPhoto="0" userDrawn="0"/>
           </p:nvSpPr>
-          <p:spPr>
+          <p:spPr bwMode="auto">
             <a:xfrm>
               <a:off x="2983" y="7798"/>
               <a:ext cx="2375" cy="120"/>
@@ -3072,18 +3354,20 @@
           <p:txBody>
             <a:bodyPr rtlCol="0" anchor="ctr"/>
             <a:p>
-              <a:pPr algn="ctr"/>
-              <a:endParaRPr lang="zh-CN" altLang="en-US"/>
+              <a:pPr algn="ctr">
+                <a:defRPr/>
+              </a:pPr>
+              <a:endParaRPr lang="zh-CN"/>
             </a:p>
           </p:txBody>
         </p:sp>
         <p:sp>
           <p:nvSpPr>
-            <p:cNvPr id="6" name="矩形 5"/>
+            <p:cNvPr id="6" name="矩形 5" hidden="0"/>
             <p:cNvSpPr/>
-            <p:nvPr/>
+            <p:nvPr isPhoto="0" userDrawn="0"/>
           </p:nvSpPr>
-          <p:spPr>
+          <p:spPr bwMode="auto">
             <a:xfrm>
               <a:off x="2855" y="5570"/>
               <a:ext cx="2375" cy="120"/>
@@ -3111,18 +3395,20 @@
           <p:txBody>
             <a:bodyPr rtlCol="0" anchor="ctr"/>
             <a:p>
-              <a:pPr algn="ctr"/>
-              <a:endParaRPr lang="zh-CN" altLang="en-US"/>
+              <a:pPr algn="ctr">
+                <a:defRPr/>
+              </a:pPr>
+              <a:endParaRPr lang="zh-CN"/>
             </a:p>
           </p:txBody>
         </p:sp>
         <p:sp>
           <p:nvSpPr>
-            <p:cNvPr id="7" name="矩形 6"/>
+            <p:cNvPr id="7" name="矩形 6" hidden="0"/>
             <p:cNvSpPr/>
-            <p:nvPr/>
+            <p:nvPr isPhoto="0" userDrawn="0"/>
           </p:nvSpPr>
-          <p:spPr>
+          <p:spPr bwMode="auto">
             <a:xfrm>
               <a:off x="3161" y="4920"/>
               <a:ext cx="2375" cy="120"/>
@@ -3150,18 +3436,20 @@
           <p:txBody>
             <a:bodyPr rtlCol="0" anchor="ctr"/>
             <a:p>
-              <a:pPr algn="ctr"/>
-              <a:endParaRPr lang="zh-CN" altLang="en-US"/>
+              <a:pPr algn="ctr">
+                <a:defRPr/>
+              </a:pPr>
+              <a:endParaRPr lang="zh-CN"/>
             </a:p>
           </p:txBody>
         </p:sp>
         <p:sp>
           <p:nvSpPr>
-            <p:cNvPr id="8" name="矩形 7"/>
+            <p:cNvPr id="8" name="矩形 7" hidden="0"/>
             <p:cNvSpPr/>
-            <p:nvPr/>
+            <p:nvPr isPhoto="0" userDrawn="0"/>
           </p:nvSpPr>
-          <p:spPr>
+          <p:spPr bwMode="auto">
             <a:xfrm rot="17880000">
               <a:off x="2634" y="5234"/>
               <a:ext cx="810" cy="134"/>
@@ -3189,18 +3477,20 @@
           <p:txBody>
             <a:bodyPr rtlCol="0" anchor="ctr"/>
             <a:p>
-              <a:pPr algn="ctr"/>
-              <a:endParaRPr lang="zh-CN" altLang="en-US"/>
+              <a:pPr algn="ctr">
+                <a:defRPr/>
+              </a:pPr>
+              <a:endParaRPr lang="zh-CN"/>
             </a:p>
           </p:txBody>
         </p:sp>
         <p:sp>
           <p:nvSpPr>
-            <p:cNvPr id="9" name="矩形 8"/>
+            <p:cNvPr id="9" name="矩形 8" hidden="0"/>
             <p:cNvSpPr/>
-            <p:nvPr/>
+            <p:nvPr isPhoto="0" userDrawn="0"/>
           </p:nvSpPr>
-          <p:spPr>
+          <p:spPr bwMode="auto">
             <a:xfrm rot="17880000">
               <a:off x="4934" y="5234"/>
               <a:ext cx="810" cy="134"/>
@@ -3228,20 +3518,22 @@
           <p:txBody>
             <a:bodyPr rtlCol="0" anchor="ctr"/>
             <a:p>
-              <a:pPr algn="ctr"/>
-              <a:endParaRPr lang="zh-CN" altLang="en-US"/>
+              <a:pPr algn="ctr">
+                <a:defRPr/>
+              </a:pPr>
+              <a:endParaRPr lang="zh-CN"/>
             </a:p>
           </p:txBody>
         </p:sp>
         <p:sp>
           <p:nvSpPr>
-            <p:cNvPr id="10" name="矩形 9"/>
+            <p:cNvPr id="10" name="矩形 9" hidden="0"/>
             <p:cNvSpPr/>
-            <p:nvPr/>
+            <p:nvPr isPhoto="0" userDrawn="0"/>
           </p:nvSpPr>
-          <p:spPr>
+          <p:spPr bwMode="auto">
             <a:xfrm rot="17880000">
-              <a:off x="2895" y="5103"/>
+              <a:off x="2895" y="5102"/>
               <a:ext cx="120" cy="248"/>
             </a:xfrm>
             <a:prstGeom prst="rect">
@@ -3267,18 +3559,20 @@
           <p:txBody>
             <a:bodyPr rtlCol="0" anchor="ctr"/>
             <a:p>
-              <a:pPr algn="ctr"/>
-              <a:endParaRPr lang="zh-CN" altLang="en-US"/>
+              <a:pPr algn="ctr">
+                <a:defRPr/>
+              </a:pPr>
+              <a:endParaRPr lang="zh-CN"/>
             </a:p>
           </p:txBody>
         </p:sp>
         <p:sp>
           <p:nvSpPr>
-            <p:cNvPr id="11" name="矩形 10"/>
+            <p:cNvPr id="11" name="矩形 10" hidden="0"/>
             <p:cNvSpPr/>
-            <p:nvPr/>
+            <p:nvPr isPhoto="0" userDrawn="0"/>
           </p:nvSpPr>
-          <p:spPr>
+          <p:spPr bwMode="auto">
             <a:xfrm rot="17880000">
               <a:off x="5436" y="5241"/>
               <a:ext cx="120" cy="248"/>
@@ -3306,18 +3600,20 @@
           <p:txBody>
             <a:bodyPr rtlCol="0" anchor="ctr"/>
             <a:p>
-              <a:pPr algn="ctr"/>
-              <a:endParaRPr lang="zh-CN" altLang="en-US"/>
+              <a:pPr algn="ctr">
+                <a:defRPr/>
+              </a:pPr>
+              <a:endParaRPr lang="zh-CN"/>
             </a:p>
           </p:txBody>
         </p:sp>
         <p:sp>
           <p:nvSpPr>
-            <p:cNvPr id="12" name="矩形 11"/>
+            <p:cNvPr id="12" name="矩形 11" hidden="0"/>
             <p:cNvSpPr/>
-            <p:nvPr/>
+            <p:nvPr isPhoto="0" userDrawn="0"/>
           </p:nvSpPr>
-          <p:spPr>
+          <p:spPr bwMode="auto">
             <a:xfrm rot="17880000">
               <a:off x="2221" y="4941"/>
               <a:ext cx="970" cy="333"/>
@@ -3345,18 +3641,20 @@
           <p:txBody>
             <a:bodyPr rtlCol="0" anchor="ctr"/>
             <a:p>
-              <a:pPr algn="ctr"/>
-              <a:endParaRPr lang="zh-CN" altLang="en-US"/>
+              <a:pPr algn="ctr">
+                <a:defRPr/>
+              </a:pPr>
+              <a:endParaRPr lang="zh-CN"/>
             </a:p>
           </p:txBody>
         </p:sp>
         <p:sp>
           <p:nvSpPr>
-            <p:cNvPr id="13" name="矩形 12"/>
+            <p:cNvPr id="13" name="矩形 12" hidden="0"/>
             <p:cNvSpPr/>
-            <p:nvPr/>
+            <p:nvPr isPhoto="0" userDrawn="0"/>
           </p:nvSpPr>
-          <p:spPr>
+          <p:spPr bwMode="auto">
             <a:xfrm rot="17880000">
               <a:off x="5204" y="5296"/>
               <a:ext cx="970" cy="333"/>
@@ -3384,19 +3682,21 @@
           <p:txBody>
             <a:bodyPr rtlCol="0" anchor="ctr"/>
             <a:p>
-              <a:pPr algn="ctr"/>
-              <a:endParaRPr lang="zh-CN" altLang="en-US"/>
+              <a:pPr algn="ctr">
+                <a:defRPr/>
+              </a:pPr>
+              <a:endParaRPr lang="zh-CN"/>
             </a:p>
           </p:txBody>
         </p:sp>
         <p:sp>
           <p:nvSpPr>
-            <p:cNvPr id="16" name="矩形 15"/>
+            <p:cNvPr id="16" name="矩形 15" hidden="0"/>
             <p:cNvSpPr/>
-            <p:nvPr/>
+            <p:nvPr isPhoto="0" userDrawn="0"/>
           </p:nvSpPr>
-          <p:spPr>
-            <a:xfrm rot="16200000">
+          <p:spPr bwMode="auto">
+            <a:xfrm rot="16199999">
               <a:off x="5039" y="7691"/>
               <a:ext cx="970" cy="333"/>
             </a:xfrm>
@@ -3423,19 +3723,21 @@
           <p:txBody>
             <a:bodyPr rtlCol="0" anchor="ctr"/>
             <a:p>
-              <a:pPr algn="ctr"/>
-              <a:endParaRPr lang="zh-CN" altLang="en-US"/>
+              <a:pPr algn="ctr">
+                <a:defRPr/>
+              </a:pPr>
+              <a:endParaRPr lang="zh-CN"/>
             </a:p>
           </p:txBody>
         </p:sp>
         <p:sp>
           <p:nvSpPr>
-            <p:cNvPr id="17" name="矩形 16"/>
+            <p:cNvPr id="17" name="矩形 16" hidden="0"/>
             <p:cNvSpPr/>
-            <p:nvPr/>
+            <p:nvPr isPhoto="0" userDrawn="0"/>
           </p:nvSpPr>
-          <p:spPr>
-            <a:xfrm rot="16200000">
+          <p:spPr bwMode="auto">
+            <a:xfrm rot="16199999">
               <a:off x="2393" y="7710"/>
               <a:ext cx="970" cy="333"/>
             </a:xfrm>
@@ -3462,19 +3764,21 @@
           <p:txBody>
             <a:bodyPr rtlCol="0" anchor="ctr"/>
             <a:p>
-              <a:pPr algn="ctr"/>
-              <a:endParaRPr lang="zh-CN" altLang="en-US"/>
+              <a:pPr algn="ctr">
+                <a:defRPr/>
+              </a:pPr>
+              <a:endParaRPr lang="zh-CN"/>
             </a:p>
           </p:txBody>
         </p:sp>
       </p:grpSp>
       <p:sp>
         <p:nvSpPr>
-          <p:cNvPr id="18" name="文本框 17"/>
+          <p:cNvPr id="18" name="文本框 17" hidden="0"/>
           <p:cNvSpPr txBox="1"/>
-          <p:nvPr/>
-        </p:nvSpPr>
-        <p:spPr>
+          <p:nvPr isPhoto="0" userDrawn="0"/>
+        </p:nvSpPr>
+        <p:spPr bwMode="auto">
           <a:xfrm>
             <a:off x="1285875" y="1763395"/>
             <a:ext cx="8869680" cy="368300"/>
@@ -3489,21 +3793,24 @@
             <a:spAutoFit/>
           </a:bodyPr>
           <a:p>
-            <a:r>
-              <a:rPr lang="zh-CN" altLang="en-US"/>
+            <a:pPr>
+              <a:defRPr/>
+            </a:pPr>
+            <a:r>
+              <a:rPr lang="zh-CN"/>
               <a:t>底盘为阿克曼结构（即飞思卡尔智能车比赛用车的结构），左图为结构，右图为参数：</a:t>
             </a:r>
-            <a:endParaRPr lang="en-US" altLang="zh-CN"/>
-          </a:p>
-        </p:txBody>
-      </p:sp>
-      <p:sp>
-        <p:nvSpPr>
-          <p:cNvPr id="20" name="文本框 19"/>
+            <a:endParaRPr lang="en-US"/>
+          </a:p>
+        </p:txBody>
+      </p:sp>
+      <p:sp>
+        <p:nvSpPr>
+          <p:cNvPr id="20" name="文本框 19" hidden="0"/>
           <p:cNvSpPr txBox="1"/>
-          <p:nvPr/>
-        </p:nvSpPr>
-        <p:spPr>
+          <p:nvPr isPhoto="0" userDrawn="0"/>
+        </p:nvSpPr>
+        <p:spPr bwMode="auto">
           <a:xfrm>
             <a:off x="1649730" y="5490210"/>
             <a:ext cx="1996440" cy="521970"/>
@@ -3518,23 +3825,26 @@
             <a:spAutoFit/>
           </a:bodyPr>
           <a:p>
-            <a:r>
-              <a:rPr lang="zh-CN" altLang="en-US" sz="1400"/>
+            <a:pPr>
+              <a:defRPr/>
+            </a:pPr>
+            <a:r>
+              <a:rPr lang="zh-CN" sz="1400"/>
               <a:t>后轮（电机驱动），设计时已加上减速齿轮箱</a:t>
             </a:r>
-            <a:endParaRPr lang="zh-CN" altLang="en-US" sz="1400"/>
-          </a:p>
-        </p:txBody>
-      </p:sp>
-      <p:sp>
-        <p:nvSpPr>
-          <p:cNvPr id="22" name="文本框 21"/>
+            <a:endParaRPr lang="zh-CN" sz="1400"/>
+          </a:p>
+        </p:txBody>
+      </p:sp>
+      <p:sp>
+        <p:nvSpPr>
+          <p:cNvPr id="22" name="文本框 21" hidden="0"/>
           <p:cNvSpPr txBox="1"/>
-          <p:nvPr/>
-        </p:nvSpPr>
-        <p:spPr>
+          <p:nvPr isPhoto="0" userDrawn="0"/>
+        </p:nvSpPr>
+        <p:spPr bwMode="auto">
           <a:xfrm>
-            <a:off x="1964055" y="2496820"/>
+            <a:off x="1964055" y="2496819"/>
             <a:ext cx="1460500" cy="521970"/>
           </a:xfrm>
           <a:prstGeom prst="rect">
@@ -3547,30 +3857,32 @@
             <a:spAutoFit/>
           </a:bodyPr>
           <a:p>
-            <a:pPr algn="ctr"/>
-            <a:r>
-              <a:rPr lang="zh-CN" altLang="en-US" sz="1400"/>
+            <a:pPr algn="ctr">
+              <a:defRPr/>
+            </a:pPr>
+            <a:r>
+              <a:rPr lang="zh-CN" sz="1400"/>
               <a:t>转向系统，由</a:t>
             </a:r>
             <a:r>
-              <a:rPr lang="en-US" altLang="zh-CN" sz="1400"/>
+              <a:rPr lang="en-US" sz="1400"/>
               <a:t>180</a:t>
             </a:r>
             <a:r>
-              <a:rPr lang="zh-CN" altLang="en-US" sz="1400"/>
+              <a:rPr lang="zh-CN" sz="1400"/>
               <a:t>°舵机驱动</a:t>
             </a:r>
-            <a:endParaRPr lang="zh-CN" altLang="en-US" sz="1400"/>
-          </a:p>
-        </p:txBody>
-      </p:sp>
-      <p:sp>
-        <p:nvSpPr>
-          <p:cNvPr id="23" name="文本框 22"/>
+            <a:endParaRPr lang="zh-CN" sz="1400"/>
+          </a:p>
+        </p:txBody>
+      </p:sp>
+      <p:sp>
+        <p:nvSpPr>
+          <p:cNvPr id="23" name="文本框 22" hidden="0"/>
           <p:cNvSpPr txBox="1"/>
-          <p:nvPr/>
-        </p:nvSpPr>
-        <p:spPr>
+          <p:nvPr isPhoto="0" userDrawn="0"/>
+        </p:nvSpPr>
+        <p:spPr bwMode="auto">
           <a:xfrm>
             <a:off x="2806065" y="3794760"/>
             <a:ext cx="1996440" cy="306705"/>
@@ -3585,23 +3897,26 @@
             <a:spAutoFit/>
           </a:bodyPr>
           <a:p>
-            <a:r>
-              <a:rPr lang="zh-CN" altLang="en-US" sz="1400"/>
+            <a:pPr>
+              <a:defRPr/>
+            </a:pPr>
+            <a:r>
+              <a:rPr lang="zh-CN" sz="1400"/>
               <a:t>前轮，无驱动，仅转向</a:t>
             </a:r>
-            <a:endParaRPr lang="zh-CN" altLang="en-US" sz="1400"/>
+            <a:endParaRPr lang="zh-CN" sz="1400"/>
           </a:p>
         </p:txBody>
       </p:sp>
       <p:grpSp>
         <p:nvGrpSpPr>
-          <p:cNvPr id="24" name="组合 23"/>
+          <p:cNvPr id="24" name="组合 23" hidden="0"/>
           <p:cNvGrpSpPr/>
-          <p:nvPr/>
+          <p:nvPr isPhoto="0" userDrawn="0"/>
         </p:nvGrpSpPr>
-        <p:grpSpPr>
+        <p:grpSpPr bwMode="auto">
           <a:xfrm>
-            <a:off x="6867525" y="2934970"/>
+            <a:off x="6867524" y="2934970"/>
             <a:ext cx="2105025" cy="2374265"/>
             <a:chOff x="2540" y="4622"/>
             <a:chExt cx="3315" cy="3739"/>
@@ -3609,11 +3924,11 @@
         </p:grpSpPr>
         <p:sp>
           <p:nvSpPr>
-            <p:cNvPr id="25" name="矩形 24"/>
+            <p:cNvPr id="25" name="矩形 24" hidden="0"/>
             <p:cNvSpPr/>
-            <p:nvPr/>
+            <p:nvPr isPhoto="0" userDrawn="0"/>
           </p:nvSpPr>
-          <p:spPr>
+          <p:spPr bwMode="auto">
             <a:xfrm>
               <a:off x="4129" y="5365"/>
               <a:ext cx="120" cy="2417"/>
@@ -3641,18 +3956,20 @@
           <p:txBody>
             <a:bodyPr rtlCol="0" anchor="ctr"/>
             <a:p>
-              <a:pPr algn="ctr"/>
-              <a:endParaRPr lang="zh-CN" altLang="en-US"/>
+              <a:pPr algn="ctr">
+                <a:defRPr/>
+              </a:pPr>
+              <a:endParaRPr lang="zh-CN"/>
             </a:p>
           </p:txBody>
         </p:sp>
         <p:sp>
           <p:nvSpPr>
-            <p:cNvPr id="26" name="矩形 25"/>
+            <p:cNvPr id="26" name="矩形 25" hidden="0"/>
             <p:cNvSpPr/>
-            <p:nvPr/>
+            <p:nvPr isPhoto="0" userDrawn="0"/>
           </p:nvSpPr>
-          <p:spPr>
+          <p:spPr bwMode="auto">
             <a:xfrm>
               <a:off x="3001" y="5245"/>
               <a:ext cx="2375" cy="120"/>
@@ -3680,18 +3997,20 @@
           <p:txBody>
             <a:bodyPr rtlCol="0" anchor="ctr"/>
             <a:p>
-              <a:pPr algn="ctr"/>
-              <a:endParaRPr lang="zh-CN" altLang="en-US"/>
+              <a:pPr algn="ctr">
+                <a:defRPr/>
+              </a:pPr>
+              <a:endParaRPr lang="zh-CN"/>
             </a:p>
           </p:txBody>
         </p:sp>
         <p:sp>
           <p:nvSpPr>
-            <p:cNvPr id="27" name="矩形 26"/>
+            <p:cNvPr id="27" name="矩形 26" hidden="0"/>
             <p:cNvSpPr/>
-            <p:nvPr/>
+            <p:nvPr isPhoto="0" userDrawn="0"/>
           </p:nvSpPr>
-          <p:spPr>
+          <p:spPr bwMode="auto">
             <a:xfrm>
               <a:off x="2983" y="7798"/>
               <a:ext cx="2375" cy="120"/>
@@ -3719,18 +4038,20 @@
           <p:txBody>
             <a:bodyPr rtlCol="0" anchor="ctr"/>
             <a:p>
-              <a:pPr algn="ctr"/>
-              <a:endParaRPr lang="zh-CN" altLang="en-US"/>
+              <a:pPr algn="ctr">
+                <a:defRPr/>
+              </a:pPr>
+              <a:endParaRPr lang="zh-CN"/>
             </a:p>
           </p:txBody>
         </p:sp>
         <p:sp>
           <p:nvSpPr>
-            <p:cNvPr id="28" name="矩形 27"/>
+            <p:cNvPr id="28" name="矩形 27" hidden="0"/>
             <p:cNvSpPr/>
-            <p:nvPr/>
+            <p:nvPr isPhoto="0" userDrawn="0"/>
           </p:nvSpPr>
-          <p:spPr>
+          <p:spPr bwMode="auto">
             <a:xfrm>
               <a:off x="2855" y="5570"/>
               <a:ext cx="2375" cy="120"/>
@@ -3758,18 +4079,20 @@
           <p:txBody>
             <a:bodyPr rtlCol="0" anchor="ctr"/>
             <a:p>
-              <a:pPr algn="ctr"/>
-              <a:endParaRPr lang="zh-CN" altLang="en-US"/>
+              <a:pPr algn="ctr">
+                <a:defRPr/>
+              </a:pPr>
+              <a:endParaRPr lang="zh-CN"/>
             </a:p>
           </p:txBody>
         </p:sp>
         <p:sp>
           <p:nvSpPr>
-            <p:cNvPr id="29" name="矩形 28"/>
+            <p:cNvPr id="29" name="矩形 28" hidden="0"/>
             <p:cNvSpPr/>
-            <p:nvPr/>
+            <p:nvPr isPhoto="0" userDrawn="0"/>
           </p:nvSpPr>
-          <p:spPr>
+          <p:spPr bwMode="auto">
             <a:xfrm>
               <a:off x="3161" y="4920"/>
               <a:ext cx="2375" cy="120"/>
@@ -3797,18 +4120,20 @@
           <p:txBody>
             <a:bodyPr rtlCol="0" anchor="ctr"/>
             <a:p>
-              <a:pPr algn="ctr"/>
-              <a:endParaRPr lang="zh-CN" altLang="en-US"/>
+              <a:pPr algn="ctr">
+                <a:defRPr/>
+              </a:pPr>
+              <a:endParaRPr lang="zh-CN"/>
             </a:p>
           </p:txBody>
         </p:sp>
         <p:sp>
           <p:nvSpPr>
-            <p:cNvPr id="30" name="矩形 29"/>
+            <p:cNvPr id="30" name="矩形 29" hidden="0"/>
             <p:cNvSpPr/>
-            <p:nvPr/>
+            <p:nvPr isPhoto="0" userDrawn="0"/>
           </p:nvSpPr>
-          <p:spPr>
+          <p:spPr bwMode="auto">
             <a:xfrm rot="17880000">
               <a:off x="2634" y="5234"/>
               <a:ext cx="810" cy="134"/>
@@ -3836,18 +4161,20 @@
           <p:txBody>
             <a:bodyPr rtlCol="0" anchor="ctr"/>
             <a:p>
-              <a:pPr algn="ctr"/>
-              <a:endParaRPr lang="zh-CN" altLang="en-US"/>
+              <a:pPr algn="ctr">
+                <a:defRPr/>
+              </a:pPr>
+              <a:endParaRPr lang="zh-CN"/>
             </a:p>
           </p:txBody>
         </p:sp>
         <p:sp>
           <p:nvSpPr>
-            <p:cNvPr id="31" name="矩形 30"/>
+            <p:cNvPr id="31" name="矩形 30" hidden="0"/>
             <p:cNvSpPr/>
-            <p:nvPr/>
+            <p:nvPr isPhoto="0" userDrawn="0"/>
           </p:nvSpPr>
-          <p:spPr>
+          <p:spPr bwMode="auto">
             <a:xfrm rot="17880000">
               <a:off x="4934" y="5234"/>
               <a:ext cx="810" cy="134"/>
@@ -3875,20 +4202,22 @@
           <p:txBody>
             <a:bodyPr rtlCol="0" anchor="ctr"/>
             <a:p>
-              <a:pPr algn="ctr"/>
-              <a:endParaRPr lang="zh-CN" altLang="en-US"/>
+              <a:pPr algn="ctr">
+                <a:defRPr/>
+              </a:pPr>
+              <a:endParaRPr lang="zh-CN"/>
             </a:p>
           </p:txBody>
         </p:sp>
         <p:sp>
           <p:nvSpPr>
-            <p:cNvPr id="32" name="矩形 31"/>
+            <p:cNvPr id="32" name="矩形 31" hidden="0"/>
             <p:cNvSpPr/>
-            <p:nvPr/>
+            <p:nvPr isPhoto="0" userDrawn="0"/>
           </p:nvSpPr>
-          <p:spPr>
+          <p:spPr bwMode="auto">
             <a:xfrm rot="17880000">
-              <a:off x="2895" y="5103"/>
+              <a:off x="2895" y="5102"/>
               <a:ext cx="120" cy="248"/>
             </a:xfrm>
             <a:prstGeom prst="rect">
@@ -3914,18 +4243,20 @@
           <p:txBody>
             <a:bodyPr rtlCol="0" anchor="ctr"/>
             <a:p>
-              <a:pPr algn="ctr"/>
-              <a:endParaRPr lang="zh-CN" altLang="en-US"/>
+              <a:pPr algn="ctr">
+                <a:defRPr/>
+              </a:pPr>
+              <a:endParaRPr lang="zh-CN"/>
             </a:p>
           </p:txBody>
         </p:sp>
         <p:sp>
           <p:nvSpPr>
-            <p:cNvPr id="33" name="矩形 32"/>
+            <p:cNvPr id="33" name="矩形 32" hidden="0"/>
             <p:cNvSpPr/>
-            <p:nvPr/>
+            <p:nvPr isPhoto="0" userDrawn="0"/>
           </p:nvSpPr>
-          <p:spPr>
+          <p:spPr bwMode="auto">
             <a:xfrm rot="17880000">
               <a:off x="5436" y="5241"/>
               <a:ext cx="120" cy="248"/>
@@ -3953,18 +4284,20 @@
           <p:txBody>
             <a:bodyPr rtlCol="0" anchor="ctr"/>
             <a:p>
-              <a:pPr algn="ctr"/>
-              <a:endParaRPr lang="zh-CN" altLang="en-US"/>
+              <a:pPr algn="ctr">
+                <a:defRPr/>
+              </a:pPr>
+              <a:endParaRPr lang="zh-CN"/>
             </a:p>
           </p:txBody>
         </p:sp>
         <p:sp>
           <p:nvSpPr>
-            <p:cNvPr id="34" name="矩形 33"/>
+            <p:cNvPr id="34" name="矩形 33" hidden="0"/>
             <p:cNvSpPr/>
-            <p:nvPr/>
+            <p:nvPr isPhoto="0" userDrawn="0"/>
           </p:nvSpPr>
-          <p:spPr>
+          <p:spPr bwMode="auto">
             <a:xfrm rot="17880000">
               <a:off x="2221" y="4941"/>
               <a:ext cx="970" cy="333"/>
@@ -3992,18 +4325,20 @@
           <p:txBody>
             <a:bodyPr rtlCol="0" anchor="ctr"/>
             <a:p>
-              <a:pPr algn="ctr"/>
-              <a:endParaRPr lang="zh-CN" altLang="en-US"/>
+              <a:pPr algn="ctr">
+                <a:defRPr/>
+              </a:pPr>
+              <a:endParaRPr lang="zh-CN"/>
             </a:p>
           </p:txBody>
         </p:sp>
         <p:sp>
           <p:nvSpPr>
-            <p:cNvPr id="35" name="矩形 34"/>
+            <p:cNvPr id="35" name="矩形 34" hidden="0"/>
             <p:cNvSpPr/>
-            <p:nvPr/>
+            <p:nvPr isPhoto="0" userDrawn="0"/>
           </p:nvSpPr>
-          <p:spPr>
+          <p:spPr bwMode="auto">
             <a:xfrm rot="17880000">
               <a:off x="5204" y="5296"/>
               <a:ext cx="970" cy="333"/>
@@ -4031,19 +4366,21 @@
           <p:txBody>
             <a:bodyPr rtlCol="0" anchor="ctr"/>
             <a:p>
-              <a:pPr algn="ctr"/>
-              <a:endParaRPr lang="zh-CN" altLang="en-US"/>
+              <a:pPr algn="ctr">
+                <a:defRPr/>
+              </a:pPr>
+              <a:endParaRPr lang="zh-CN"/>
             </a:p>
           </p:txBody>
         </p:sp>
         <p:sp>
           <p:nvSpPr>
-            <p:cNvPr id="36" name="矩形 35"/>
+            <p:cNvPr id="36" name="矩形 35" hidden="0"/>
             <p:cNvSpPr/>
-            <p:nvPr/>
+            <p:nvPr isPhoto="0" userDrawn="0"/>
           </p:nvSpPr>
-          <p:spPr>
-            <a:xfrm rot="16200000">
+          <p:spPr bwMode="auto">
+            <a:xfrm rot="16199999">
               <a:off x="5039" y="7691"/>
               <a:ext cx="970" cy="333"/>
             </a:xfrm>
@@ -4070,19 +4407,21 @@
           <p:txBody>
             <a:bodyPr rtlCol="0" anchor="ctr"/>
             <a:p>
-              <a:pPr algn="ctr"/>
-              <a:endParaRPr lang="zh-CN" altLang="en-US"/>
+              <a:pPr algn="ctr">
+                <a:defRPr/>
+              </a:pPr>
+              <a:endParaRPr lang="zh-CN"/>
             </a:p>
           </p:txBody>
         </p:sp>
         <p:sp>
           <p:nvSpPr>
-            <p:cNvPr id="37" name="矩形 36"/>
+            <p:cNvPr id="37" name="矩形 36" hidden="0"/>
             <p:cNvSpPr/>
-            <p:nvPr/>
+            <p:nvPr isPhoto="0" userDrawn="0"/>
           </p:nvSpPr>
-          <p:spPr>
-            <a:xfrm rot="16200000">
+          <p:spPr bwMode="auto">
+            <a:xfrm rot="16199999">
               <a:off x="2393" y="7710"/>
               <a:ext cx="970" cy="333"/>
             </a:xfrm>
@@ -4109,22 +4448,24 @@
           <p:txBody>
             <a:bodyPr rtlCol="0" anchor="ctr"/>
             <a:p>
-              <a:pPr algn="ctr"/>
-              <a:endParaRPr lang="zh-CN" altLang="en-US"/>
+              <a:pPr algn="ctr">
+                <a:defRPr/>
+              </a:pPr>
+              <a:endParaRPr lang="zh-CN"/>
             </a:p>
           </p:txBody>
         </p:sp>
       </p:grpSp>
       <p:sp>
         <p:nvSpPr>
-          <p:cNvPr id="38" name="文本框 37"/>
+          <p:cNvPr id="38" name="文本框 37" hidden="0"/>
           <p:cNvSpPr txBox="1"/>
-          <p:nvPr/>
-        </p:nvSpPr>
-        <p:spPr>
+          <p:nvPr isPhoto="0" userDrawn="0"/>
+        </p:nvSpPr>
+        <p:spPr bwMode="auto">
           <a:xfrm>
-            <a:off x="8989060" y="4740910"/>
-            <a:ext cx="2782570" cy="521970"/>
+            <a:off x="8989060" y="4740909"/>
+            <a:ext cx="2782569" cy="521970"/>
           </a:xfrm>
           <a:prstGeom prst="rect">
             <a:avLst/>
@@ -4136,30 +4477,32 @@
             <a:spAutoFit/>
           </a:bodyPr>
           <a:p>
-            <a:pPr algn="ctr"/>
-            <a:r>
-              <a:rPr lang="zh-CN" altLang="en-US" sz="1400"/>
+            <a:pPr algn="ctr">
+              <a:defRPr/>
+            </a:pPr>
+            <a:r>
+              <a:rPr lang="zh-CN" sz="1400"/>
               <a:t>在地面上的正常速度：</a:t>
             </a:r>
             <a:r>
-              <a:rPr lang="en-US" altLang="zh-CN" sz="1400"/>
+              <a:rPr lang="en-US" sz="1400"/>
               <a:t>3cm/s~10cm/s</a:t>
             </a:r>
             <a:r>
-              <a:rPr lang="zh-CN" altLang="en-US" sz="1400"/>
+              <a:rPr lang="zh-CN" sz="1400"/>
               <a:t>，可编程实现变速</a:t>
             </a:r>
-            <a:endParaRPr lang="zh-CN" altLang="en-US" sz="1400"/>
-          </a:p>
-        </p:txBody>
-      </p:sp>
-      <p:sp>
-        <p:nvSpPr>
-          <p:cNvPr id="39" name="文本框 38"/>
+            <a:endParaRPr lang="zh-CN" sz="1400"/>
+          </a:p>
+        </p:txBody>
+      </p:sp>
+      <p:sp>
+        <p:nvSpPr>
+          <p:cNvPr id="39" name="文本框 38" hidden="0"/>
           <p:cNvSpPr txBox="1"/>
-          <p:nvPr/>
-        </p:nvSpPr>
-        <p:spPr>
+          <p:nvPr isPhoto="0" userDrawn="0"/>
+        </p:nvSpPr>
+        <p:spPr bwMode="auto">
           <a:xfrm>
             <a:off x="6824345" y="5713730"/>
             <a:ext cx="2157095" cy="521970"/>
@@ -4174,38 +4517,42 @@
             <a:spAutoFit/>
           </a:bodyPr>
           <a:p>
-            <a:pPr algn="ctr"/>
-            <a:r>
-              <a:rPr lang="zh-CN" altLang="en-US" sz="1400"/>
+            <a:pPr algn="ctr">
+              <a:defRPr/>
+            </a:pPr>
+            <a:r>
+              <a:rPr lang="zh-CN" sz="1400"/>
               <a:t>两轮中线距离：</a:t>
             </a:r>
             <a:r>
-              <a:rPr lang="en-US" altLang="zh-CN" sz="1400"/>
+              <a:rPr lang="en-US" sz="1400"/>
               <a:t>127mm</a:t>
             </a:r>
-            <a:endParaRPr lang="en-US" altLang="zh-CN" sz="1400"/>
-          </a:p>
-          <a:p>
-            <a:pPr algn="ctr"/>
-            <a:r>
-              <a:rPr lang="zh-CN" altLang="en-US" sz="1400"/>
+            <a:endParaRPr lang="en-US" sz="1400"/>
+          </a:p>
+          <a:p>
+            <a:pPr algn="ctr">
+              <a:defRPr/>
+            </a:pPr>
+            <a:r>
+              <a:rPr lang="zh-CN" sz="1400"/>
               <a:t>轮胎宽：</a:t>
             </a:r>
             <a:r>
-              <a:rPr lang="en-US" altLang="zh-CN" sz="1400"/>
+              <a:rPr lang="en-US" sz="1400"/>
               <a:t>18mm</a:t>
             </a:r>
-            <a:endParaRPr lang="en-US" altLang="zh-CN" sz="1400"/>
-          </a:p>
-        </p:txBody>
-      </p:sp>
-      <p:sp>
-        <p:nvSpPr>
-          <p:cNvPr id="40" name="右大括号 39"/>
+            <a:endParaRPr lang="en-US" sz="1400"/>
+          </a:p>
+        </p:txBody>
+      </p:sp>
+      <p:sp>
+        <p:nvSpPr>
+          <p:cNvPr id="40" name="右大括号 39" hidden="0"/>
           <p:cNvSpPr/>
-          <p:nvPr/>
-        </p:nvSpPr>
-        <p:spPr>
+          <p:nvPr isPhoto="0" userDrawn="0"/>
+        </p:nvSpPr>
+        <p:spPr bwMode="auto">
           <a:xfrm rot="5400000">
             <a:off x="7802245" y="4577080"/>
             <a:ext cx="235585" cy="1700530"/>
@@ -4239,18 +4586,20 @@
         <p:txBody>
           <a:bodyPr rtlCol="0" anchor="ctr"/>
           <a:p>
-            <a:pPr algn="ctr"/>
-            <a:endParaRPr lang="zh-CN" altLang="en-US"/>
-          </a:p>
-        </p:txBody>
-      </p:sp>
-      <p:sp>
-        <p:nvSpPr>
-          <p:cNvPr id="41" name="右大括号 40"/>
+            <a:pPr algn="ctr">
+              <a:defRPr/>
+            </a:pPr>
+            <a:endParaRPr lang="zh-CN"/>
+          </a:p>
+        </p:txBody>
+      </p:sp>
+      <p:sp>
+        <p:nvSpPr>
+          <p:cNvPr id="41" name="右大括号 40" hidden="0"/>
           <p:cNvSpPr/>
-          <p:nvPr/>
-        </p:nvSpPr>
-        <p:spPr>
+          <p:nvPr isPhoto="0" userDrawn="0"/>
+        </p:nvSpPr>
+        <p:spPr bwMode="auto">
           <a:xfrm rot="10800000">
             <a:off x="7106920" y="3389630"/>
             <a:ext cx="235585" cy="1561465"/>
@@ -4284,18 +4633,20 @@
         <p:txBody>
           <a:bodyPr rtlCol="0" anchor="ctr"/>
           <a:p>
-            <a:pPr algn="ctr"/>
-            <a:endParaRPr lang="zh-CN" altLang="en-US"/>
-          </a:p>
-        </p:txBody>
-      </p:sp>
-      <p:sp>
-        <p:nvSpPr>
-          <p:cNvPr id="42" name="文本框 41"/>
+            <a:pPr algn="ctr">
+              <a:defRPr/>
+            </a:pPr>
+            <a:endParaRPr lang="zh-CN"/>
+          </a:p>
+        </p:txBody>
+      </p:sp>
+      <p:sp>
+        <p:nvSpPr>
+          <p:cNvPr id="42" name="文本框 41" hidden="0"/>
           <p:cNvSpPr txBox="1"/>
-          <p:nvPr/>
-        </p:nvSpPr>
-        <p:spPr>
+          <p:nvPr isPhoto="0" userDrawn="0"/>
+        </p:nvSpPr>
+        <p:spPr bwMode="auto">
           <a:xfrm>
             <a:off x="5372735" y="4020820"/>
             <a:ext cx="1526540" cy="306705"/>
@@ -4310,29 +4661,31 @@
             <a:spAutoFit/>
           </a:bodyPr>
           <a:p>
-            <a:pPr algn="ctr"/>
-            <a:r>
-              <a:rPr lang="zh-CN" altLang="en-US" sz="1400"/>
+            <a:pPr algn="ctr">
+              <a:defRPr/>
+            </a:pPr>
+            <a:r>
+              <a:rPr lang="zh-CN" sz="1400"/>
               <a:t>轴距：</a:t>
             </a:r>
             <a:r>
-              <a:rPr lang="en-US" altLang="zh-CN" sz="1400"/>
+              <a:rPr lang="en-US" sz="1400"/>
               <a:t>144mm</a:t>
             </a:r>
-            <a:endParaRPr lang="en-US" altLang="zh-CN" sz="1400"/>
-          </a:p>
-        </p:txBody>
-      </p:sp>
-      <p:sp>
-        <p:nvSpPr>
-          <p:cNvPr id="43" name="右大括号 42"/>
+            <a:endParaRPr lang="en-US" sz="1400"/>
+          </a:p>
+        </p:txBody>
+      </p:sp>
+      <p:sp>
+        <p:nvSpPr>
+          <p:cNvPr id="43" name="右大括号 42" hidden="0"/>
           <p:cNvSpPr/>
-          <p:nvPr/>
-        </p:nvSpPr>
-        <p:spPr>
+          <p:nvPr isPhoto="0" userDrawn="0"/>
+        </p:nvSpPr>
+        <p:spPr bwMode="auto">
           <a:xfrm rot="10800000">
-            <a:off x="6741160" y="4706620"/>
-            <a:ext cx="158115" cy="604520"/>
+            <a:off x="6741159" y="4706620"/>
+            <a:ext cx="158114" cy="604520"/>
           </a:xfrm>
           <a:prstGeom prst="rightBrace">
             <a:avLst>
@@ -4363,18 +4716,20 @@
         <p:txBody>
           <a:bodyPr rtlCol="0" anchor="ctr"/>
           <a:p>
-            <a:pPr algn="ctr"/>
-            <a:endParaRPr lang="zh-CN" altLang="en-US"/>
-          </a:p>
-        </p:txBody>
-      </p:sp>
-      <p:sp>
-        <p:nvSpPr>
-          <p:cNvPr id="44" name="文本框 43"/>
+            <a:pPr algn="ctr">
+              <a:defRPr/>
+            </a:pPr>
+            <a:endParaRPr lang="zh-CN"/>
+          </a:p>
+        </p:txBody>
+      </p:sp>
+      <p:sp>
+        <p:nvSpPr>
+          <p:cNvPr id="44" name="文本框 43" hidden="0"/>
           <p:cNvSpPr txBox="1"/>
-          <p:nvPr/>
-        </p:nvSpPr>
-        <p:spPr>
+          <p:nvPr isPhoto="0" userDrawn="0"/>
+        </p:nvSpPr>
+        <p:spPr bwMode="auto">
           <a:xfrm>
             <a:off x="4814570" y="4855845"/>
             <a:ext cx="1758315" cy="306705"/>
@@ -4389,26 +4744,28 @@
             <a:spAutoFit/>
           </a:bodyPr>
           <a:p>
-            <a:pPr algn="ctr"/>
+            <a:pPr algn="ctr">
+              <a:defRPr/>
+            </a:pPr>
             <a:r>
               <a:rPr lang="zh-CN" sz="1400"/>
               <a:t>轮胎直径：</a:t>
             </a:r>
             <a:r>
-              <a:rPr lang="en-US" altLang="zh-CN" sz="1400"/>
+              <a:rPr lang="en-US" sz="1400"/>
               <a:t>62.4mm</a:t>
             </a:r>
-            <a:endParaRPr lang="en-US" altLang="zh-CN" sz="1400"/>
-          </a:p>
-        </p:txBody>
-      </p:sp>
-      <p:sp>
-        <p:nvSpPr>
-          <p:cNvPr id="45" name="文本框 44"/>
+            <a:endParaRPr lang="en-US" sz="1400"/>
+          </a:p>
+        </p:txBody>
+      </p:sp>
+      <p:sp>
+        <p:nvSpPr>
+          <p:cNvPr id="45" name="文本框 44" hidden="0"/>
           <p:cNvSpPr txBox="1"/>
-          <p:nvPr/>
-        </p:nvSpPr>
-        <p:spPr>
+          <p:nvPr isPhoto="0" userDrawn="0"/>
+        </p:nvSpPr>
+        <p:spPr bwMode="auto">
           <a:xfrm>
             <a:off x="9256395" y="3175000"/>
             <a:ext cx="2524125" cy="521970"/>
@@ -4423,20 +4780,22 @@
             <a:spAutoFit/>
           </a:bodyPr>
           <a:p>
-            <a:pPr algn="ctr"/>
-            <a:r>
-              <a:rPr lang="zh-CN" altLang="en-US" sz="1400"/>
+            <a:pPr algn="ctr">
+              <a:defRPr/>
+            </a:pPr>
+            <a:r>
+              <a:rPr lang="zh-CN" sz="1400"/>
               <a:t>前轮转角范围：</a:t>
             </a:r>
             <a:r>
-              <a:rPr lang="en-US" altLang="zh-CN" sz="1400"/>
+              <a:rPr lang="en-US" sz="1400"/>
               <a:t>40</a:t>
             </a:r>
             <a:r>
-              <a:rPr lang="zh-CN" altLang="en-US" sz="1400"/>
+              <a:rPr lang="zh-CN" sz="1400"/>
               <a:t>°以内，可以在拿到小车后测试一下</a:t>
             </a:r>
-            <a:endParaRPr lang="zh-CN" altLang="en-US" sz="1400"/>
+            <a:endParaRPr lang="zh-CN" sz="1400"/>
           </a:p>
         </p:txBody>
       </p:sp>
@@ -4445,60 +4804,72 @@
   <p:clrMapOvr>
     <a:masterClrMapping/>
   </p:clrMapOvr>
+  <mc:AlternateContent xmlns:mc="http://schemas.openxmlformats.org/markup-compatibility/2006">
+    <mc:Choice xmlns:p14="http://schemas.microsoft.com/office/powerpoint/2010/main" Requires="p14">
+      <p:transition p14:dur="2000" advClick="1"/>
+    </mc:Choice>
+    <mc:Fallback>
+      <p:transition advClick="1"/>
+    </mc:Fallback>
+  </mc:AlternateContent>
 </p:sld>
 </file>
 
 <file path=ppt/slides/slide2.xml><?xml version="1.0" encoding="utf-8"?>
-<p:sld xmlns:a="http://schemas.openxmlformats.org/drawingml/2006/main" xmlns:r="http://schemas.openxmlformats.org/officeDocument/2006/relationships" xmlns:p="http://schemas.openxmlformats.org/presentationml/2006/main">
-  <p:cSld>
+<p:sld xmlns:a="http://schemas.openxmlformats.org/drawingml/2006/main" xmlns:r="http://schemas.openxmlformats.org/officeDocument/2006/relationships" xmlns:p="http://schemas.openxmlformats.org/presentationml/2006/main" xmlns:m="http://schemas.openxmlformats.org/officeDocument/2006/math" xmlns:w="http://schemas.openxmlformats.org/wordprocessingml/2006/main" showMasterPhAnim="0" show="1">
+  <p:cSld name="">
     <p:spTree>
       <p:nvGrpSpPr>
-        <p:cNvPr id="1" name=""/>
+        <p:cNvPr id="1" name="" hidden="0"/>
         <p:cNvGrpSpPr/>
-        <p:nvPr/>
+        <p:nvPr isPhoto="0" userDrawn="0"/>
       </p:nvGrpSpPr>
-      <p:grpSpPr/>
-      <p:sp>
-        <p:nvSpPr>
-          <p:cNvPr id="2" name="标题 1"/>
-          <p:cNvSpPr>
-            <a:spLocks noGrp="1"/>
-          </p:cNvSpPr>
-          <p:nvPr>
-            <p:ph type="title"/>
-          </p:nvPr>
-        </p:nvSpPr>
-        <p:spPr/>
+      <p:grpSpPr bwMode="auto">
+        <a:xfrm>
+          <a:off x="0" y="0"/>
+          <a:ext cx="0" cy="0"/>
+          <a:chOff x="0" y="0"/>
+          <a:chExt cx="0" cy="0"/>
+        </a:xfrm>
+      </p:grpSpPr>
+      <p:sp>
+        <p:nvSpPr>
+          <p:cNvPr id="2" name="标题 1" hidden="0"/>
+          <p:cNvSpPr>
+            <a:spLocks noGrp="1"/>
+          </p:cNvSpPr>
+          <p:nvPr isPhoto="0" userDrawn="0">
+            <p:ph type="title" hasCustomPrompt="0"/>
+          </p:nvPr>
+        </p:nvSpPr>
+        <p:spPr bwMode="auto"/>
         <p:txBody>
           <a:bodyPr/>
           <a:p>
-            <a:r>
-              <a:rPr lang="zh-CN" altLang="en-US"/>
+            <a:pPr>
+              <a:defRPr/>
+            </a:pPr>
+            <a:r>
+              <a:rPr lang="zh-CN"/>
               <a:t>车辆主体</a:t>
             </a:r>
-            <a:endParaRPr lang="zh-CN" altLang="en-US"/>
+            <a:endParaRPr lang="zh-CN"/>
           </a:p>
         </p:txBody>
       </p:sp>
       <p:pic>
         <p:nvPicPr>
-          <p:cNvPr id="3" name="图片 1"/>
+          <p:cNvPr id="3" name="图片 1" hidden="0"/>
           <p:cNvPicPr>
             <a:picLocks noChangeAspect="1"/>
           </p:cNvPicPr>
-          <p:nvPr>
-            <p:custDataLst>
-              <p:tags r:id="rId1"/>
-            </p:custDataLst>
-          </p:nvPr>
+          <p:nvPr isPhoto="0" userDrawn="0"/>
         </p:nvPicPr>
         <p:blipFill>
           <a:blip r:embed="rId2"/>
-          <a:stretch>
-            <a:fillRect/>
-          </a:stretch>
+          <a:stretch/>
         </p:blipFill>
-        <p:spPr>
+        <p:spPr bwMode="auto">
           <a:xfrm>
             <a:off x="838200" y="1577975"/>
             <a:ext cx="6495415" cy="4490085"/>
@@ -4514,11 +4885,11 @@
       </p:pic>
       <p:sp>
         <p:nvSpPr>
-          <p:cNvPr id="23" name="文本框 22"/>
+          <p:cNvPr id="23" name="文本框 22" hidden="0"/>
           <p:cNvSpPr txBox="1"/>
-          <p:nvPr/>
-        </p:nvSpPr>
-        <p:spPr>
+          <p:nvPr isPhoto="0" userDrawn="0"/>
+        </p:nvSpPr>
+        <p:spPr bwMode="auto">
           <a:xfrm>
             <a:off x="7578090" y="2575560"/>
             <a:ext cx="3550920" cy="1706880"/>
@@ -4533,92 +4904,96 @@
             <a:spAutoFit/>
           </a:bodyPr>
           <a:p>
-            <a:pPr marL="285750" indent="-285750" fontAlgn="auto">
+            <a:pPr marL="285750" indent="-285750">
               <a:lnSpc>
                 <a:spcPct val="150000"/>
               </a:lnSpc>
-              <a:buFont typeface="Arial" panose="020B0604020202020204" pitchFamily="34" charset="0"/>
+              <a:buFont typeface="Arial"/>
               <a:buChar char="•"/>
-            </a:pPr>
-            <a:r>
-              <a:rPr lang="zh-CN" altLang="en-US" sz="1400"/>
+              <a:defRPr/>
+            </a:pPr>
+            <a:r>
+              <a:rPr lang="zh-CN" sz="1400"/>
               <a:t>主控：</a:t>
             </a:r>
             <a:r>
-              <a:rPr lang="en-US" altLang="zh-CN" sz="1400"/>
+              <a:rPr lang="en-US" sz="1400"/>
               <a:t>ESP32D0WD</a:t>
             </a:r>
             <a:r>
-              <a:rPr lang="zh-CN" altLang="en-US" sz="1400"/>
+              <a:rPr lang="zh-CN" sz="1400"/>
               <a:t>开发板</a:t>
             </a:r>
-            <a:endParaRPr lang="zh-CN" altLang="en-US" sz="1400"/>
-          </a:p>
-          <a:p>
-            <a:pPr marL="285750" indent="-285750" fontAlgn="auto">
+            <a:endParaRPr lang="zh-CN" sz="1400"/>
+          </a:p>
+          <a:p>
+            <a:pPr marL="285750" indent="-285750">
               <a:lnSpc>
                 <a:spcPct val="150000"/>
               </a:lnSpc>
-              <a:buFont typeface="Arial" panose="020B0604020202020204" pitchFamily="34" charset="0"/>
+              <a:buFont typeface="Arial"/>
               <a:buChar char="•"/>
-            </a:pPr>
-            <a:r>
-              <a:rPr lang="zh-CN" altLang="en-US" sz="1400"/>
+              <a:defRPr/>
+            </a:pPr>
+            <a:r>
+              <a:rPr lang="zh-CN" sz="1400"/>
               <a:t>驱动单元：直流电机、</a:t>
             </a:r>
             <a:r>
-              <a:rPr lang="en-US" altLang="zh-CN" sz="1400"/>
+              <a:rPr lang="en-US" sz="1400"/>
               <a:t>MG996</a:t>
             </a:r>
             <a:r>
-              <a:rPr lang="zh-CN" altLang="en-US" sz="1400"/>
+              <a:rPr lang="zh-CN" sz="1400"/>
               <a:t>舵机</a:t>
             </a:r>
-            <a:endParaRPr lang="zh-CN" altLang="en-US" sz="1400"/>
-          </a:p>
-          <a:p>
-            <a:pPr marL="285750" indent="-285750" fontAlgn="auto">
+            <a:endParaRPr lang="zh-CN" sz="1400"/>
+          </a:p>
+          <a:p>
+            <a:pPr marL="285750" indent="-285750">
               <a:lnSpc>
                 <a:spcPct val="150000"/>
               </a:lnSpc>
-              <a:buFont typeface="Arial" panose="020B0604020202020204" pitchFamily="34" charset="0"/>
+              <a:buFont typeface="Arial"/>
               <a:buChar char="•"/>
-            </a:pPr>
-            <a:r>
-              <a:rPr lang="zh-CN" altLang="en-US" sz="1400"/>
+              <a:defRPr/>
+            </a:pPr>
+            <a:r>
+              <a:rPr lang="zh-CN" sz="1400"/>
               <a:t>动力来源：</a:t>
             </a:r>
             <a:r>
-              <a:rPr lang="en-US" altLang="zh-CN" sz="1400"/>
+              <a:rPr lang="en-US" sz="1400"/>
               <a:t>7.4V</a:t>
             </a:r>
             <a:r>
-              <a:rPr lang="zh-CN" altLang="en-US" sz="1400"/>
+              <a:rPr lang="zh-CN" sz="1400"/>
               <a:t>可充电积木电机</a:t>
             </a:r>
-            <a:endParaRPr lang="zh-CN" altLang="en-US" sz="1400"/>
-          </a:p>
-          <a:p>
-            <a:pPr marL="285750" indent="-285750" fontAlgn="auto">
+            <a:endParaRPr lang="zh-CN" sz="1400"/>
+          </a:p>
+          <a:p>
+            <a:pPr marL="285750" indent="-285750">
               <a:lnSpc>
                 <a:spcPct val="150000"/>
               </a:lnSpc>
-              <a:buFont typeface="Arial" panose="020B0604020202020204" pitchFamily="34" charset="0"/>
+              <a:buFont typeface="Arial"/>
               <a:buChar char="•"/>
-            </a:pPr>
-            <a:r>
-              <a:rPr lang="zh-CN" altLang="en-US" sz="1400"/>
+              <a:defRPr/>
+            </a:pPr>
+            <a:r>
+              <a:rPr lang="zh-CN" sz="1400"/>
               <a:t>传感器：测速计、六轴惯性测量模块、</a:t>
             </a:r>
             <a:r>
-              <a:rPr lang="en-US" altLang="zh-CN" sz="1400"/>
+              <a:rPr lang="en-US" sz="1400"/>
               <a:t>160</a:t>
             </a:r>
             <a:r>
-              <a:rPr lang="zh-CN" altLang="en-US" sz="1400"/>
+              <a:rPr lang="zh-CN" sz="1400"/>
               <a:t>°广角摄像头</a:t>
             </a:r>
-            <a:endParaRPr lang="zh-CN" altLang="en-US" sz="1400"/>
+            <a:endParaRPr lang="zh-CN" sz="1400"/>
           </a:p>
         </p:txBody>
       </p:sp>
@@ -4627,59 +5002,75 @@
   <p:clrMapOvr>
     <a:masterClrMapping/>
   </p:clrMapOvr>
+  <mc:AlternateContent xmlns:mc="http://schemas.openxmlformats.org/markup-compatibility/2006">
+    <mc:Choice xmlns:p14="http://schemas.microsoft.com/office/powerpoint/2010/main" Requires="p14">
+      <p:transition p14:dur="2000" advClick="1"/>
+    </mc:Choice>
+    <mc:Fallback>
+      <p:transition advClick="1"/>
+    </mc:Fallback>
+  </mc:AlternateContent>
 </p:sld>
 </file>
 
 <file path=ppt/slides/slide3.xml><?xml version="1.0" encoding="utf-8"?>
-<p:sld xmlns:a="http://schemas.openxmlformats.org/drawingml/2006/main" xmlns:r="http://schemas.openxmlformats.org/officeDocument/2006/relationships" xmlns:p="http://schemas.openxmlformats.org/presentationml/2006/main">
-  <p:cSld>
+<p:sld xmlns:a="http://schemas.openxmlformats.org/drawingml/2006/main" xmlns:r="http://schemas.openxmlformats.org/officeDocument/2006/relationships" xmlns:p="http://schemas.openxmlformats.org/presentationml/2006/main" xmlns:m="http://schemas.openxmlformats.org/officeDocument/2006/math" xmlns:w="http://schemas.openxmlformats.org/wordprocessingml/2006/main" showMasterPhAnim="0" show="1">
+  <p:cSld name="">
     <p:spTree>
       <p:nvGrpSpPr>
-        <p:cNvPr id="1" name=""/>
+        <p:cNvPr id="1" name="" hidden="0"/>
         <p:cNvGrpSpPr/>
-        <p:nvPr/>
+        <p:nvPr isPhoto="0" userDrawn="0"/>
       </p:nvGrpSpPr>
-      <p:grpSpPr/>
-      <p:sp>
-        <p:nvSpPr>
-          <p:cNvPr id="2" name="标题 1"/>
-          <p:cNvSpPr>
-            <a:spLocks noGrp="1"/>
-          </p:cNvSpPr>
-          <p:nvPr>
-            <p:ph type="title"/>
-          </p:nvPr>
-        </p:nvSpPr>
-        <p:spPr/>
+      <p:grpSpPr bwMode="auto">
+        <a:xfrm>
+          <a:off x="0" y="0"/>
+          <a:ext cx="0" cy="0"/>
+          <a:chOff x="0" y="0"/>
+          <a:chExt cx="0" cy="0"/>
+        </a:xfrm>
+      </p:grpSpPr>
+      <p:sp>
+        <p:nvSpPr>
+          <p:cNvPr id="2" name="标题 1" hidden="0"/>
+          <p:cNvSpPr>
+            <a:spLocks noGrp="1"/>
+          </p:cNvSpPr>
+          <p:nvPr isPhoto="0" userDrawn="0">
+            <p:ph type="title" hasCustomPrompt="0"/>
+          </p:nvPr>
+        </p:nvSpPr>
+        <p:spPr bwMode="auto"/>
         <p:txBody>
           <a:bodyPr/>
           <a:p>
-            <a:r>
-              <a:rPr lang="zh-CN" altLang="en-US"/>
+            <a:pPr>
+              <a:defRPr/>
+            </a:pPr>
+            <a:r>
+              <a:rPr lang="zh-CN"/>
               <a:t>主控单元</a:t>
             </a:r>
-            <a:endParaRPr lang="zh-CN" altLang="en-US"/>
+            <a:endParaRPr lang="zh-CN"/>
           </a:p>
         </p:txBody>
       </p:sp>
       <p:pic>
         <p:nvPicPr>
-          <p:cNvPr id="5" name="图片 5" descr="开发板结构图"/>
+          <p:cNvPr id="5" name="图片 5" descr="开发板结构图" hidden="0"/>
           <p:cNvPicPr>
             <a:picLocks noChangeAspect="1"/>
           </p:cNvPicPr>
-          <p:nvPr/>
+          <p:nvPr isPhoto="0" userDrawn="0"/>
         </p:nvPicPr>
         <p:blipFill>
-          <a:blip r:embed="rId1"/>
-          <a:stretch>
-            <a:fillRect/>
-          </a:stretch>
+          <a:blip r:embed="rId2"/>
+          <a:stretch/>
         </p:blipFill>
-        <p:spPr>
-          <a:xfrm>
-            <a:off x="838200" y="2241550"/>
-            <a:ext cx="6597650" cy="2374265"/>
+        <p:spPr bwMode="auto">
+          <a:xfrm flipH="0" flipV="0">
+            <a:off x="2958765" y="3614486"/>
+            <a:ext cx="5669775" cy="2040355"/>
           </a:xfrm>
           <a:prstGeom prst="rect">
             <a:avLst/>
@@ -4688,11 +5079,11 @@
       </p:pic>
       <p:sp>
         <p:nvSpPr>
-          <p:cNvPr id="23" name="文本框 22"/>
+          <p:cNvPr id="23" name="文本框 22" hidden="0"/>
           <p:cNvSpPr txBox="1"/>
-          <p:nvPr/>
-        </p:nvSpPr>
-        <p:spPr>
+          <p:nvPr isPhoto="0" userDrawn="0"/>
+        </p:nvSpPr>
+        <p:spPr bwMode="auto">
           <a:xfrm>
             <a:off x="7579360" y="1605915"/>
             <a:ext cx="3774440" cy="3646170"/>
@@ -4707,124 +5098,128 @@
             <a:spAutoFit/>
           </a:bodyPr>
           <a:p>
-            <a:pPr marL="285750" indent="-285750" fontAlgn="auto">
+            <a:pPr marL="285750" indent="-285750">
               <a:lnSpc>
                 <a:spcPct val="150000"/>
               </a:lnSpc>
-              <a:buFont typeface="Arial" panose="020B0604020202020204" pitchFamily="34" charset="0"/>
+              <a:buFont typeface="Arial"/>
               <a:buChar char="•"/>
-            </a:pPr>
-            <a:r>
-              <a:rPr lang="zh-CN" altLang="en-US" sz="1400"/>
+              <a:defRPr/>
+            </a:pPr>
+            <a:r>
+              <a:rPr lang="zh-CN" sz="1400"/>
               <a:t>主控芯片：</a:t>
             </a:r>
             <a:r>
-              <a:rPr lang="en-US" altLang="zh-CN" sz="1400"/>
+              <a:rPr lang="en-US" sz="1400"/>
               <a:t>ESP32D0WD</a:t>
             </a:r>
-            <a:endParaRPr lang="en-US" altLang="zh-CN" sz="1400"/>
-          </a:p>
-          <a:p>
-            <a:pPr marL="285750" indent="-285750" fontAlgn="auto">
+            <a:endParaRPr lang="en-US" sz="1400"/>
+          </a:p>
+          <a:p>
+            <a:pPr marL="285750" indent="-285750">
               <a:lnSpc>
                 <a:spcPct val="150000"/>
               </a:lnSpc>
-              <a:buFont typeface="Arial" panose="020B0604020202020204" pitchFamily="34" charset="0"/>
+              <a:buFont typeface="Arial"/>
               <a:buChar char="•"/>
-            </a:pPr>
-            <a:r>
-              <a:rPr lang="zh-CN" altLang="en-US" sz="1400"/>
+              <a:defRPr/>
+            </a:pPr>
+            <a:r>
+              <a:rPr lang="zh-CN" sz="1400"/>
               <a:t>主要功能：除了单片机基本的各种控制功能，重点是具有</a:t>
             </a:r>
             <a:r>
-              <a:rPr lang="en-US" altLang="zh-CN" sz="1400"/>
+              <a:rPr lang="en-US" sz="1400"/>
               <a:t>wifi</a:t>
             </a:r>
             <a:r>
-              <a:rPr lang="zh-CN" altLang="en-US" sz="1400"/>
+              <a:rPr lang="zh-CN" sz="1400"/>
               <a:t>，可以直接联网或者产生热点，这样手机</a:t>
             </a:r>
             <a:r>
-              <a:rPr lang="en-US" altLang="zh-CN" sz="1400"/>
+              <a:rPr lang="en-US" sz="1400"/>
               <a:t>/</a:t>
             </a:r>
             <a:r>
-              <a:rPr lang="zh-CN" altLang="en-US" sz="1400"/>
+              <a:rPr lang="zh-CN" sz="1400"/>
               <a:t>电脑就可以遥控小车，也就是说所有深度学习等算法都可以在电脑本机跑</a:t>
             </a:r>
-            <a:endParaRPr lang="zh-CN" altLang="en-US" sz="1400"/>
-          </a:p>
-          <a:p>
-            <a:pPr marL="285750" indent="-285750" fontAlgn="auto">
+            <a:endParaRPr lang="zh-CN" sz="1400"/>
+          </a:p>
+          <a:p>
+            <a:pPr marL="285750" indent="-285750">
               <a:lnSpc>
                 <a:spcPct val="150000"/>
               </a:lnSpc>
-              <a:buFont typeface="Arial" panose="020B0604020202020204" pitchFamily="34" charset="0"/>
+              <a:buFont typeface="Arial"/>
               <a:buChar char="•"/>
-            </a:pPr>
-            <a:r>
-              <a:rPr lang="zh-CN" altLang="en-US" sz="1400"/>
+              <a:defRPr/>
+            </a:pPr>
+            <a:r>
+              <a:rPr lang="zh-CN" sz="1400"/>
               <a:t>编程方式：</a:t>
             </a:r>
             <a:r>
-              <a:rPr lang="en-US" altLang="zh-CN" sz="1400"/>
+              <a:rPr lang="en-US" sz="1400"/>
               <a:t>Thonny</a:t>
             </a:r>
             <a:r>
-              <a:rPr lang="zh-CN" altLang="en-US" sz="1400"/>
+              <a:rPr lang="zh-CN" sz="1400"/>
               <a:t>和</a:t>
             </a:r>
             <a:r>
-              <a:rPr lang="en-US" altLang="zh-CN" sz="1400"/>
+              <a:rPr lang="en-US" sz="1400"/>
               <a:t>MicroPython</a:t>
             </a:r>
             <a:r>
-              <a:rPr lang="zh-CN" altLang="en-US" sz="1400"/>
+              <a:rPr lang="zh-CN" sz="1400"/>
               <a:t>或者</a:t>
             </a:r>
             <a:r>
-              <a:rPr lang="en-US" altLang="zh-CN" sz="1400"/>
+              <a:rPr lang="en-US" sz="1400"/>
               <a:t>Adriuno</a:t>
             </a:r>
             <a:r>
-              <a:rPr lang="zh-CN" altLang="en-US" sz="1400"/>
+              <a:rPr lang="zh-CN" sz="1400"/>
               <a:t>和</a:t>
             </a:r>
             <a:r>
-              <a:rPr lang="en-US" altLang="zh-CN" sz="1400"/>
+              <a:rPr lang="en-US" sz="1400"/>
               <a:t>C++</a:t>
             </a:r>
-            <a:endParaRPr lang="en-US" altLang="zh-CN" sz="1400"/>
-          </a:p>
-          <a:p>
-            <a:pPr marL="285750" indent="-285750" fontAlgn="auto">
+            <a:endParaRPr lang="en-US" sz="1400"/>
+          </a:p>
+          <a:p>
+            <a:pPr marL="285750" indent="-285750">
               <a:lnSpc>
                 <a:spcPct val="150000"/>
               </a:lnSpc>
-              <a:buFont typeface="Arial" panose="020B0604020202020204" pitchFamily="34" charset="0"/>
+              <a:buFont typeface="Arial"/>
               <a:buChar char="•"/>
-            </a:pPr>
-            <a:r>
-              <a:rPr lang="zh-CN" altLang="en-US" sz="1400"/>
+              <a:defRPr/>
+            </a:pPr>
+            <a:r>
+              <a:rPr lang="zh-CN" sz="1400"/>
               <a:t>提供底层各单元控制源码，提供通过手机</a:t>
             </a:r>
             <a:r>
-              <a:rPr lang="en-US" altLang="zh-CN" sz="1400"/>
+              <a:rPr lang="en-US" sz="1400"/>
               <a:t>/</a:t>
             </a:r>
             <a:r>
-              <a:rPr lang="zh-CN" altLang="en-US" sz="1400"/>
+              <a:rPr lang="zh-CN" sz="1400"/>
               <a:t>电脑网页和</a:t>
             </a:r>
             <a:r>
-              <a:rPr lang="en-US" altLang="zh-CN" sz="1400"/>
+              <a:rPr lang="en-US" sz="1400"/>
               <a:t>python request</a:t>
             </a:r>
             <a:r>
-              <a:rPr lang="zh-CN" altLang="en-US" sz="1400"/>
+              <a:rPr lang="zh-CN" sz="1400"/>
               <a:t>方式遥控开发板和小车的代码，大家考虑上层设计即可</a:t>
             </a:r>
-            <a:endParaRPr lang="zh-CN" altLang="en-US" sz="1400"/>
+            <a:endParaRPr lang="zh-CN" sz="1400"/>
           </a:p>
         </p:txBody>
       </p:sp>
@@ -4833,23 +5228,19 @@
   <p:clrMapOvr>
     <a:masterClrMapping/>
   </p:clrMapOvr>
+  <mc:AlternateContent xmlns:mc="http://schemas.openxmlformats.org/markup-compatibility/2006">
+    <mc:Choice xmlns:p14="http://schemas.microsoft.com/office/powerpoint/2010/main" Requires="p14">
+      <p:transition p14:dur="2000" advClick="1"/>
+    </mc:Choice>
+    <mc:Fallback>
+      <p:transition advClick="1"/>
+    </mc:Fallback>
+  </mc:AlternateContent>
 </p:sld>
 </file>
 
-<file path=ppt/tags/tag1.xml><?xml version="1.0" encoding="utf-8"?>
-<p:tagLst xmlns:p="http://schemas.openxmlformats.org/presentationml/2006/main">
-  <p:tag name="KSO_WM_UNIT_PLACING_PICTURE_USER_VIEWPORT" val="{&quot;height&quot;:4386,&quot;width&quot;:6345}"/>
-</p:tagLst>
-</file>
-
-<file path=ppt/tags/tag2.xml><?xml version="1.0" encoding="utf-8"?>
-<p:tagLst xmlns:p="http://schemas.openxmlformats.org/presentationml/2006/main">
-  <p:tag name="COMMONDATA" val="eyJoZGlkIjoiNmJjZDAxODZkNjllYWE4NWJkMmE3YTFlMTNmNTBiNWYifQ=="/>
-</p:tagLst>
-</file>
-
 <file path=ppt/theme/theme1.xml><?xml version="1.0" encoding="utf-8"?>
-<a:theme xmlns:a="http://schemas.openxmlformats.org/drawingml/2006/main" name="Office 主题">
+<a:theme xmlns:a="http://schemas.openxmlformats.org/drawingml/2006/main" xmlns:r="http://schemas.openxmlformats.org/officeDocument/2006/relationships" xmlns:p="http://schemas.openxmlformats.org/presentationml/2006/main" name="Office 主题">
   <a:themeElements>
     <a:clrScheme name="Office">
       <a:dk1>
@@ -4892,73 +5283,13 @@
     <a:fontScheme name="Office">
       <a:majorFont>
         <a:latin typeface="Calibri"/>
-        <a:ea typeface=""/>
-        <a:cs typeface=""/>
-        <a:font script="Jpan" typeface="ＭＳ Ｐゴシック"/>
-        <a:font script="Hang" typeface="맑은 고딕"/>
-        <a:font script="Hans" typeface="微软雅黑"/>
-        <a:font script="Hant" typeface="新細明體"/>
-        <a:font script="Arab" typeface="Times New Roman"/>
-        <a:font script="Hebr" typeface="Times New Roman"/>
-        <a:font script="Thai" typeface="Angsana New"/>
-        <a:font script="Ethi" typeface="Nyala"/>
-        <a:font script="Beng" typeface="Vrinda"/>
-        <a:font script="Gujr" typeface="Shruti"/>
-        <a:font script="Khmr" typeface="MoolBoran"/>
-        <a:font script="Knda" typeface="Tunga"/>
-        <a:font script="Guru" typeface="Raavi"/>
-        <a:font script="Cans" typeface="Euphemia"/>
-        <a:font script="Cher" typeface="Plantagenet Cherokee"/>
-        <a:font script="Yiii" typeface="Microsoft Yi Baiti"/>
-        <a:font script="Tibt" typeface="Microsoft Himalaya"/>
-        <a:font script="Thaa" typeface="MV Boli"/>
-        <a:font script="Deva" typeface="Mangal"/>
-        <a:font script="Telu" typeface="Gautami"/>
-        <a:font script="Taml" typeface="Latha"/>
-        <a:font script="Syrc" typeface="Estrangelo Edessa"/>
-        <a:font script="Orya" typeface="Kalinga"/>
-        <a:font script="Mlym" typeface="Kartika"/>
-        <a:font script="Laoo" typeface="DokChampa"/>
-        <a:font script="Sinh" typeface="Iskoola Pota"/>
-        <a:font script="Mong" typeface="Mongolian Baiti"/>
-        <a:font script="Viet" typeface="Times New Roman"/>
-        <a:font script="Uigh" typeface="Microsoft Uighur"/>
-        <a:font script="Geor" typeface="Sylfaen"/>
+        <a:ea typeface="Arial"/>
+        <a:cs typeface="Arial"/>
       </a:majorFont>
       <a:minorFont>
         <a:latin typeface="Calibri"/>
-        <a:ea typeface=""/>
-        <a:cs typeface=""/>
-        <a:font script="Jpan" typeface="ＭＳ Ｐゴシック"/>
-        <a:font script="Hang" typeface="맑은 고딕"/>
-        <a:font script="Hans" typeface="微软雅黑"/>
-        <a:font script="Hant" typeface="新細明體"/>
-        <a:font script="Arab" typeface="Arial"/>
-        <a:font script="Hebr" typeface="Arial"/>
-        <a:font script="Thai" typeface="Cordia New"/>
-        <a:font script="Ethi" typeface="Nyala"/>
-        <a:font script="Beng" typeface="Vrinda"/>
-        <a:font script="Gujr" typeface="Shruti"/>
-        <a:font script="Khmr" typeface="DaunPenh"/>
-        <a:font script="Knda" typeface="Tunga"/>
-        <a:font script="Guru" typeface="Raavi"/>
-        <a:font script="Cans" typeface="Euphemia"/>
-        <a:font script="Cher" typeface="Plantagenet Cherokee"/>
-        <a:font script="Yiii" typeface="Microsoft Yi Baiti"/>
-        <a:font script="Tibt" typeface="Microsoft Himalaya"/>
-        <a:font script="Thaa" typeface="MV Boli"/>
-        <a:font script="Deva" typeface="Mangal"/>
-        <a:font script="Telu" typeface="Gautami"/>
-        <a:font script="Taml" typeface="Latha"/>
-        <a:font script="Syrc" typeface="Estrangelo Edessa"/>
-        <a:font script="Orya" typeface="Kalinga"/>
-        <a:font script="Mlym" typeface="Kartika"/>
-        <a:font script="Laoo" typeface="DokChampa"/>
-        <a:font script="Sinh" typeface="Iskoola Pota"/>
-        <a:font script="Mong" typeface="Mongolian Baiti"/>
-        <a:font script="Viet" typeface="Arial"/>
-        <a:font script="Uigh" typeface="Microsoft Uighur"/>
-        <a:font script="Geor" typeface="Sylfaen"/>
+        <a:ea typeface="Arial"/>
+        <a:cs typeface="Arial"/>
       </a:minorFont>
     </a:fontScheme>
     <a:fmtScheme name="Office">
@@ -4966,7 +5297,7 @@
         <a:solidFill>
           <a:schemeClr val="phClr"/>
         </a:solidFill>
-        <a:gradFill rotWithShape="1">
+        <a:gradFill>
           <a:gsLst>
             <a:gs pos="0">
               <a:schemeClr val="phClr">
@@ -4992,7 +5323,7 @@
           </a:gsLst>
           <a:lin ang="5400000" scaled="0"/>
         </a:gradFill>
-        <a:gradFill rotWithShape="1">
+        <a:gradFill>
           <a:gsLst>
             <a:gs pos="0">
               <a:schemeClr val="phClr">
@@ -5044,16 +5375,28 @@
       </a:lnStyleLst>
       <a:effectStyleLst>
         <a:effectStyle>
-          <a:effectLst/>
-        </a:effectStyle>
-        <a:effectStyle>
-          <a:effectLst/>
+          <a:effectLst>
+            <a:outerShdw blurRad="40000" dist="20000" dir="5400000" rotWithShape="0">
+              <a:srgbClr val="000000">
+                <a:alpha val="38000"/>
+              </a:srgbClr>
+            </a:outerShdw>
+          </a:effectLst>
         </a:effectStyle>
         <a:effectStyle>
           <a:effectLst>
-            <a:outerShdw blurRad="57150" dist="19050" dir="5400000" algn="ctr" rotWithShape="0">
+            <a:outerShdw blurRad="40000" dist="23000" dir="5400000" rotWithShape="0">
               <a:srgbClr val="000000">
-                <a:alpha val="63000"/>
+                <a:alpha val="35000"/>
+              </a:srgbClr>
+            </a:outerShdw>
+          </a:effectLst>
+        </a:effectStyle>
+        <a:effectStyle>
+          <a:effectLst>
+            <a:outerShdw blurRad="40000" dist="23000" dir="5400000" rotWithShape="0">
+              <a:srgbClr val="000000">
+                <a:alpha val="35000"/>
               </a:srgbClr>
             </a:outerShdw>
           </a:effectLst>
@@ -5069,7 +5412,7 @@
             <a:satMod val="170000"/>
           </a:schemeClr>
         </a:solidFill>
-        <a:gradFill rotWithShape="1">
+        <a:gradFill>
           <a:gsLst>
             <a:gs pos="0">
               <a:schemeClr val="phClr">
@@ -5099,10 +5442,6 @@
       </a:bgFillStyleLst>
     </a:fmtScheme>
   </a:themeElements>
-  <a:extLst>
-    <a:ext uri="{05A4C25C-085E-4340-85A3-A5531E510DB2}">
-      <thm15:themeFamily xmlns:thm15="http://schemas.microsoft.com/office/thememl/2012/main" name="Office Theme" id="{62F939B6-93AF-4DB8-9C6B-D6C7DFDC589F}" vid="{4A3C46E8-61CC-4603-A589-7422A47A8E4A}"/>
-    </a:ext>
-  </a:extLst>
+  <a:objectDefaults/>
 </a:theme>
 </file>